--- a/Poster.pptx
+++ b/Poster.pptx
@@ -243,7 +243,7 @@
           <a:p>
             <a:fld id="{320D7E69-7AFE-47E4-B9F7-8D10E79ABB11}" type="datetimeFigureOut">
               <a:rPr lang="fr-FR" smtClean="0"/>
-              <a:t>07/04/2023</a:t>
+              <a:t>12/04/2023</a:t>
             </a:fld>
             <a:endParaRPr lang="fr-FR"/>
           </a:p>
@@ -413,7 +413,7 @@
           <a:p>
             <a:fld id="{320D7E69-7AFE-47E4-B9F7-8D10E79ABB11}" type="datetimeFigureOut">
               <a:rPr lang="fr-FR" smtClean="0"/>
-              <a:t>07/04/2023</a:t>
+              <a:t>12/04/2023</a:t>
             </a:fld>
             <a:endParaRPr lang="fr-FR"/>
           </a:p>
@@ -593,7 +593,7 @@
           <a:p>
             <a:fld id="{320D7E69-7AFE-47E4-B9F7-8D10E79ABB11}" type="datetimeFigureOut">
               <a:rPr lang="fr-FR" smtClean="0"/>
-              <a:t>07/04/2023</a:t>
+              <a:t>12/04/2023</a:t>
             </a:fld>
             <a:endParaRPr lang="fr-FR"/>
           </a:p>
@@ -763,7 +763,7 @@
           <a:p>
             <a:fld id="{320D7E69-7AFE-47E4-B9F7-8D10E79ABB11}" type="datetimeFigureOut">
               <a:rPr lang="fr-FR" smtClean="0"/>
-              <a:t>07/04/2023</a:t>
+              <a:t>12/04/2023</a:t>
             </a:fld>
             <a:endParaRPr lang="fr-FR"/>
           </a:p>
@@ -1007,7 +1007,7 @@
           <a:p>
             <a:fld id="{320D7E69-7AFE-47E4-B9F7-8D10E79ABB11}" type="datetimeFigureOut">
               <a:rPr lang="fr-FR" smtClean="0"/>
-              <a:t>07/04/2023</a:t>
+              <a:t>12/04/2023</a:t>
             </a:fld>
             <a:endParaRPr lang="fr-FR"/>
           </a:p>
@@ -1239,7 +1239,7 @@
           <a:p>
             <a:fld id="{320D7E69-7AFE-47E4-B9F7-8D10E79ABB11}" type="datetimeFigureOut">
               <a:rPr lang="fr-FR" smtClean="0"/>
-              <a:t>07/04/2023</a:t>
+              <a:t>12/04/2023</a:t>
             </a:fld>
             <a:endParaRPr lang="fr-FR"/>
           </a:p>
@@ -1606,7 +1606,7 @@
           <a:p>
             <a:fld id="{320D7E69-7AFE-47E4-B9F7-8D10E79ABB11}" type="datetimeFigureOut">
               <a:rPr lang="fr-FR" smtClean="0"/>
-              <a:t>07/04/2023</a:t>
+              <a:t>12/04/2023</a:t>
             </a:fld>
             <a:endParaRPr lang="fr-FR"/>
           </a:p>
@@ -1724,7 +1724,7 @@
           <a:p>
             <a:fld id="{320D7E69-7AFE-47E4-B9F7-8D10E79ABB11}" type="datetimeFigureOut">
               <a:rPr lang="fr-FR" smtClean="0"/>
-              <a:t>07/04/2023</a:t>
+              <a:t>12/04/2023</a:t>
             </a:fld>
             <a:endParaRPr lang="fr-FR"/>
           </a:p>
@@ -1819,7 +1819,7 @@
           <a:p>
             <a:fld id="{320D7E69-7AFE-47E4-B9F7-8D10E79ABB11}" type="datetimeFigureOut">
               <a:rPr lang="fr-FR" smtClean="0"/>
-              <a:t>07/04/2023</a:t>
+              <a:t>12/04/2023</a:t>
             </a:fld>
             <a:endParaRPr lang="fr-FR"/>
           </a:p>
@@ -2096,7 +2096,7 @@
           <a:p>
             <a:fld id="{320D7E69-7AFE-47E4-B9F7-8D10E79ABB11}" type="datetimeFigureOut">
               <a:rPr lang="fr-FR" smtClean="0"/>
-              <a:t>07/04/2023</a:t>
+              <a:t>12/04/2023</a:t>
             </a:fld>
             <a:endParaRPr lang="fr-FR"/>
           </a:p>
@@ -2353,7 +2353,7 @@
           <a:p>
             <a:fld id="{320D7E69-7AFE-47E4-B9F7-8D10E79ABB11}" type="datetimeFigureOut">
               <a:rPr lang="fr-FR" smtClean="0"/>
-              <a:t>07/04/2023</a:t>
+              <a:t>12/04/2023</a:t>
             </a:fld>
             <a:endParaRPr lang="fr-FR"/>
           </a:p>
@@ -2566,7 +2566,7 @@
           <a:p>
             <a:fld id="{320D7E69-7AFE-47E4-B9F7-8D10E79ABB11}" type="datetimeFigureOut">
               <a:rPr lang="fr-FR" smtClean="0"/>
-              <a:t>07/04/2023</a:t>
+              <a:t>12/04/2023</a:t>
             </a:fld>
             <a:endParaRPr lang="fr-FR"/>
           </a:p>
@@ -2983,6 +2983,2156 @@
       </p:grpSpPr>
       <p:sp>
         <p:nvSpPr>
+          <p:cNvPr id="138" name="Rectangle : coins arrondis 137">
+            <a:extLst>
+              <a:ext uri="{FF2B5EF4-FFF2-40B4-BE49-F238E27FC236}">
+                <a16:creationId xmlns:a16="http://schemas.microsoft.com/office/drawing/2014/main" id="{EDC0A39A-DA83-D0AF-A225-62CF07148418}"/>
+              </a:ext>
+            </a:extLst>
+          </p:cNvPr>
+          <p:cNvSpPr/>
+          <p:nvPr/>
+        </p:nvSpPr>
+        <p:spPr>
+          <a:xfrm>
+            <a:off x="15924731" y="9568500"/>
+            <a:ext cx="13935116" cy="8030079"/>
+          </a:xfrm>
+          <a:prstGeom prst="roundRect">
+            <a:avLst/>
+          </a:prstGeom>
+          <a:solidFill>
+            <a:schemeClr val="bg1">
+              <a:lumMod val="95000"/>
+            </a:schemeClr>
+          </a:solidFill>
+          <a:ln w="76200">
+            <a:solidFill>
+              <a:schemeClr val="bg1">
+                <a:lumMod val="85000"/>
+              </a:schemeClr>
+            </a:solidFill>
+          </a:ln>
+        </p:spPr>
+        <p:style>
+          <a:lnRef idx="2">
+            <a:schemeClr val="accent1">
+              <a:shade val="50000"/>
+            </a:schemeClr>
+          </a:lnRef>
+          <a:fillRef idx="1">
+            <a:schemeClr val="accent1"/>
+          </a:fillRef>
+          <a:effectRef idx="0">
+            <a:schemeClr val="accent1"/>
+          </a:effectRef>
+          <a:fontRef idx="minor">
+            <a:schemeClr val="lt1"/>
+          </a:fontRef>
+        </p:style>
+        <p:txBody>
+          <a:bodyPr rtlCol="0" anchor="ctr"/>
+          <a:lstStyle/>
+          <a:p>
+            <a:pPr algn="ctr"/>
+            <a:endParaRPr lang="fr-FR" dirty="0"/>
+          </a:p>
+        </p:txBody>
+      </p:sp>
+      <p:grpSp>
+        <p:nvGrpSpPr>
+          <p:cNvPr id="78" name="Groupe 77">
+            <a:extLst>
+              <a:ext uri="{FF2B5EF4-FFF2-40B4-BE49-F238E27FC236}">
+                <a16:creationId xmlns:a16="http://schemas.microsoft.com/office/drawing/2014/main" id="{011E94C8-0910-C953-C2A5-0079066A0596}"/>
+              </a:ext>
+            </a:extLst>
+          </p:cNvPr>
+          <p:cNvGrpSpPr/>
+          <p:nvPr/>
+        </p:nvGrpSpPr>
+        <p:grpSpPr>
+          <a:xfrm>
+            <a:off x="23442802" y="9821842"/>
+            <a:ext cx="6240658" cy="7001737"/>
+            <a:chOff x="21217620" y="10291292"/>
+            <a:chExt cx="7041086" cy="7772497"/>
+          </a:xfrm>
+        </p:grpSpPr>
+        <p:grpSp>
+          <p:nvGrpSpPr>
+            <p:cNvPr id="40" name="Groupe 39">
+              <a:extLst>
+                <a:ext uri="{FF2B5EF4-FFF2-40B4-BE49-F238E27FC236}">
+                  <a16:creationId xmlns:a16="http://schemas.microsoft.com/office/drawing/2014/main" id="{D3651775-9A37-BC72-E8DC-D5A97288984B}"/>
+                </a:ext>
+              </a:extLst>
+            </p:cNvPr>
+            <p:cNvGrpSpPr/>
+            <p:nvPr/>
+          </p:nvGrpSpPr>
+          <p:grpSpPr>
+            <a:xfrm>
+              <a:off x="23131987" y="10291292"/>
+              <a:ext cx="2088000" cy="2088000"/>
+              <a:chOff x="22590236" y="10326440"/>
+              <a:chExt cx="2088000" cy="2088000"/>
+            </a:xfrm>
+          </p:grpSpPr>
+          <p:sp>
+            <p:nvSpPr>
+              <p:cNvPr id="39" name="Ellipse 38">
+                <a:extLst>
+                  <a:ext uri="{FF2B5EF4-FFF2-40B4-BE49-F238E27FC236}">
+                    <a16:creationId xmlns:a16="http://schemas.microsoft.com/office/drawing/2014/main" id="{3C4311C3-923D-024E-8982-4BFCDDAFD9F4}"/>
+                  </a:ext>
+                </a:extLst>
+              </p:cNvPr>
+              <p:cNvSpPr/>
+              <p:nvPr/>
+            </p:nvSpPr>
+            <p:spPr>
+              <a:xfrm>
+                <a:off x="22590236" y="10326440"/>
+                <a:ext cx="2088000" cy="2088000"/>
+              </a:xfrm>
+              <a:prstGeom prst="ellipse">
+                <a:avLst/>
+              </a:prstGeom>
+              <a:solidFill>
+                <a:schemeClr val="bg1">
+                  <a:lumMod val="85000"/>
+                </a:schemeClr>
+              </a:solidFill>
+              <a:ln>
+                <a:solidFill>
+                  <a:schemeClr val="bg1"/>
+                </a:solidFill>
+              </a:ln>
+            </p:spPr>
+            <p:style>
+              <a:lnRef idx="2">
+                <a:schemeClr val="accent1">
+                  <a:shade val="50000"/>
+                </a:schemeClr>
+              </a:lnRef>
+              <a:fillRef idx="1">
+                <a:schemeClr val="accent1"/>
+              </a:fillRef>
+              <a:effectRef idx="0">
+                <a:schemeClr val="accent1"/>
+              </a:effectRef>
+              <a:fontRef idx="minor">
+                <a:schemeClr val="lt1"/>
+              </a:fontRef>
+            </p:style>
+            <p:txBody>
+              <a:bodyPr rtlCol="0" anchor="ctr"/>
+              <a:lstStyle/>
+              <a:p>
+                <a:pPr algn="ctr"/>
+                <a:endParaRPr lang="fr-FR"/>
+              </a:p>
+            </p:txBody>
+          </p:sp>
+          <p:sp>
+            <p:nvSpPr>
+              <p:cNvPr id="21" name="ZoneTexte 20">
+                <a:extLst>
+                  <a:ext uri="{FF2B5EF4-FFF2-40B4-BE49-F238E27FC236}">
+                    <a16:creationId xmlns:a16="http://schemas.microsoft.com/office/drawing/2014/main" id="{DCBF578D-485E-3280-4C73-49C3759C26CA}"/>
+                  </a:ext>
+                </a:extLst>
+              </p:cNvPr>
+              <p:cNvSpPr txBox="1"/>
+              <p:nvPr/>
+            </p:nvSpPr>
+            <p:spPr>
+              <a:xfrm>
+                <a:off x="22957216" y="10554831"/>
+                <a:ext cx="1641862" cy="1631216"/>
+              </a:xfrm>
+              <a:prstGeom prst="rect">
+                <a:avLst/>
+              </a:prstGeom>
+              <a:noFill/>
+            </p:spPr>
+            <p:txBody>
+              <a:bodyPr wrap="square" rtlCol="0">
+                <a:spAutoFit/>
+              </a:bodyPr>
+              <a:lstStyle/>
+              <a:p>
+                <a:r>
+                  <a:rPr lang="fr-FR" dirty="0"/>
+                  <a:t>x</a:t>
+                </a:r>
+                <a:r>
+                  <a:rPr lang="fr-FR" baseline="-25000" dirty="0"/>
+                  <a:t>1 </a:t>
+                </a:r>
+                <a:r>
+                  <a:rPr lang="fr-FR" b="0" i="0" dirty="0">
+                    <a:solidFill>
+                      <a:srgbClr val="202124"/>
+                    </a:solidFill>
+                    <a:effectLst/>
+                  </a:rPr>
+                  <a:t>∨ x</a:t>
+                </a:r>
+                <a:r>
+                  <a:rPr lang="fr-FR" b="0" i="0" baseline="-25000" dirty="0">
+                    <a:solidFill>
+                      <a:srgbClr val="202124"/>
+                    </a:solidFill>
+                    <a:effectLst/>
+                  </a:rPr>
+                  <a:t>2 </a:t>
+                </a:r>
+                <a:r>
+                  <a:rPr lang="fr-FR" b="0" i="0" dirty="0">
+                    <a:solidFill>
+                      <a:srgbClr val="202124"/>
+                    </a:solidFill>
+                    <a:effectLst/>
+                  </a:rPr>
+                  <a:t>∨ </a:t>
+                </a:r>
+                <a:r>
+                  <a:rPr lang="fr-FR" dirty="0"/>
+                  <a:t>¬x</a:t>
+                </a:r>
+                <a:r>
+                  <a:rPr lang="fr-FR" baseline="-25000" dirty="0"/>
+                  <a:t>3</a:t>
+                </a:r>
+              </a:p>
+              <a:p>
+                <a:r>
+                  <a:rPr lang="fr-FR" dirty="0"/>
+                  <a:t>¬x</a:t>
+                </a:r>
+                <a:r>
+                  <a:rPr lang="fr-FR" baseline="-25000" dirty="0"/>
+                  <a:t>1 </a:t>
+                </a:r>
+                <a:r>
+                  <a:rPr lang="fr-FR" b="0" i="0" dirty="0">
+                    <a:solidFill>
+                      <a:srgbClr val="202124"/>
+                    </a:solidFill>
+                    <a:effectLst/>
+                  </a:rPr>
+                  <a:t>∨ x</a:t>
+                </a:r>
+                <a:r>
+                  <a:rPr lang="fr-FR" b="0" i="0" baseline="-25000" dirty="0">
+                    <a:solidFill>
+                      <a:srgbClr val="202124"/>
+                    </a:solidFill>
+                    <a:effectLst/>
+                  </a:rPr>
+                  <a:t>2 </a:t>
+                </a:r>
+                <a:r>
+                  <a:rPr lang="fr-FR" b="0" i="0" dirty="0">
+                    <a:solidFill>
+                      <a:srgbClr val="202124"/>
+                    </a:solidFill>
+                    <a:effectLst/>
+                  </a:rPr>
+                  <a:t>∨ x</a:t>
+                </a:r>
+                <a:r>
+                  <a:rPr lang="fr-FR" b="0" i="0" baseline="-25000" dirty="0">
+                    <a:solidFill>
+                      <a:srgbClr val="202124"/>
+                    </a:solidFill>
+                    <a:effectLst/>
+                  </a:rPr>
+                  <a:t>3</a:t>
+                </a:r>
+                <a:endParaRPr lang="fr-FR" baseline="-25000" dirty="0">
+                  <a:solidFill>
+                    <a:srgbClr val="202124"/>
+                  </a:solidFill>
+                </a:endParaRPr>
+              </a:p>
+              <a:p>
+                <a:r>
+                  <a:rPr lang="fr-FR" dirty="0"/>
+                  <a:t>¬x</a:t>
+                </a:r>
+                <a:r>
+                  <a:rPr lang="fr-FR" baseline="-25000" dirty="0"/>
+                  <a:t>2</a:t>
+                </a:r>
+              </a:p>
+              <a:p>
+                <a:r>
+                  <a:rPr lang="fr-FR" dirty="0"/>
+                  <a:t>x</a:t>
+                </a:r>
+                <a:r>
+                  <a:rPr lang="fr-FR" baseline="-25000" dirty="0"/>
+                  <a:t>2 </a:t>
+                </a:r>
+                <a:r>
+                  <a:rPr lang="fr-FR" b="0" i="0" dirty="0">
+                    <a:solidFill>
+                      <a:srgbClr val="202124"/>
+                    </a:solidFill>
+                    <a:effectLst/>
+                  </a:rPr>
+                  <a:t>∨ x</a:t>
+                </a:r>
+                <a:r>
+                  <a:rPr lang="fr-FR" b="0" i="0" baseline="-25000" dirty="0">
+                    <a:solidFill>
+                      <a:srgbClr val="202124"/>
+                    </a:solidFill>
+                    <a:effectLst/>
+                  </a:rPr>
+                  <a:t>3</a:t>
+                </a:r>
+                <a:endParaRPr lang="fr-FR" baseline="-25000" dirty="0">
+                  <a:solidFill>
+                    <a:srgbClr val="202124"/>
+                  </a:solidFill>
+                </a:endParaRPr>
+              </a:p>
+              <a:p>
+                <a:r>
+                  <a:rPr lang="fr-FR" b="0" i="0" dirty="0">
+                    <a:solidFill>
+                      <a:srgbClr val="202124"/>
+                    </a:solidFill>
+                    <a:effectLst/>
+                  </a:rPr>
+                  <a:t>x</a:t>
+                </a:r>
+                <a:r>
+                  <a:rPr lang="fr-FR" b="0" i="0" baseline="-25000" dirty="0">
+                    <a:solidFill>
+                      <a:srgbClr val="202124"/>
+                    </a:solidFill>
+                    <a:effectLst/>
+                  </a:rPr>
+                  <a:t>1</a:t>
+                </a:r>
+                <a:r>
+                  <a:rPr lang="fr-FR" b="0" i="0" dirty="0">
+                    <a:solidFill>
+                      <a:srgbClr val="202124"/>
+                    </a:solidFill>
+                    <a:effectLst/>
+                  </a:rPr>
+                  <a:t>∨</a:t>
+                </a:r>
+                <a:r>
+                  <a:rPr lang="fr-FR" dirty="0"/>
+                  <a:t> ¬x</a:t>
+                </a:r>
+                <a:r>
+                  <a:rPr lang="fr-FR" baseline="-25000" dirty="0"/>
+                  <a:t>2</a:t>
+                </a:r>
+                <a:endParaRPr lang="fr-FR" dirty="0"/>
+              </a:p>
+            </p:txBody>
+          </p:sp>
+        </p:grpSp>
+        <p:grpSp>
+          <p:nvGrpSpPr>
+            <p:cNvPr id="38" name="Groupe 37">
+              <a:extLst>
+                <a:ext uri="{FF2B5EF4-FFF2-40B4-BE49-F238E27FC236}">
+                  <a16:creationId xmlns:a16="http://schemas.microsoft.com/office/drawing/2014/main" id="{F0AAD089-48DC-B513-EDE9-0D0CAD757D31}"/>
+                </a:ext>
+              </a:extLst>
+            </p:cNvPr>
+            <p:cNvGrpSpPr/>
+            <p:nvPr/>
+          </p:nvGrpSpPr>
+          <p:grpSpPr>
+            <a:xfrm>
+              <a:off x="21959898" y="13261078"/>
+              <a:ext cx="1301548" cy="1301549"/>
+              <a:chOff x="20184043" y="13294680"/>
+              <a:chExt cx="1511999" cy="1512000"/>
+            </a:xfrm>
+          </p:grpSpPr>
+          <p:sp>
+            <p:nvSpPr>
+              <p:cNvPr id="35" name="Ellipse 34">
+                <a:extLst>
+                  <a:ext uri="{FF2B5EF4-FFF2-40B4-BE49-F238E27FC236}">
+                    <a16:creationId xmlns:a16="http://schemas.microsoft.com/office/drawing/2014/main" id="{52D74731-949C-FBF9-EB83-9FE5EF803A69}"/>
+                  </a:ext>
+                </a:extLst>
+              </p:cNvPr>
+              <p:cNvSpPr/>
+              <p:nvPr/>
+            </p:nvSpPr>
+            <p:spPr>
+              <a:xfrm>
+                <a:off x="20184043" y="13294680"/>
+                <a:ext cx="1511999" cy="1512000"/>
+              </a:xfrm>
+              <a:prstGeom prst="ellipse">
+                <a:avLst/>
+              </a:prstGeom>
+              <a:solidFill>
+                <a:schemeClr val="bg1">
+                  <a:lumMod val="85000"/>
+                </a:schemeClr>
+              </a:solidFill>
+              <a:ln>
+                <a:solidFill>
+                  <a:schemeClr val="bg1"/>
+                </a:solidFill>
+              </a:ln>
+            </p:spPr>
+            <p:style>
+              <a:lnRef idx="2">
+                <a:schemeClr val="accent1">
+                  <a:shade val="50000"/>
+                </a:schemeClr>
+              </a:lnRef>
+              <a:fillRef idx="1">
+                <a:schemeClr val="accent1"/>
+              </a:fillRef>
+              <a:effectRef idx="0">
+                <a:schemeClr val="accent1"/>
+              </a:effectRef>
+              <a:fontRef idx="minor">
+                <a:schemeClr val="lt1"/>
+              </a:fontRef>
+            </p:style>
+            <p:txBody>
+              <a:bodyPr rtlCol="0" anchor="ctr"/>
+              <a:lstStyle/>
+              <a:p>
+                <a:pPr algn="ctr"/>
+                <a:endParaRPr lang="fr-FR"/>
+              </a:p>
+            </p:txBody>
+          </p:sp>
+          <p:sp>
+            <p:nvSpPr>
+              <p:cNvPr id="28" name="ZoneTexte 27">
+                <a:extLst>
+                  <a:ext uri="{FF2B5EF4-FFF2-40B4-BE49-F238E27FC236}">
+                    <a16:creationId xmlns:a16="http://schemas.microsoft.com/office/drawing/2014/main" id="{33D566D4-0F2C-A4C7-8856-6962D2EFECBE}"/>
+                  </a:ext>
+                </a:extLst>
+              </p:cNvPr>
+              <p:cNvSpPr txBox="1"/>
+              <p:nvPr/>
+            </p:nvSpPr>
+            <p:spPr>
+              <a:xfrm>
+                <a:off x="20450628" y="13534797"/>
+                <a:ext cx="1245413" cy="833491"/>
+              </a:xfrm>
+              <a:prstGeom prst="rect">
+                <a:avLst/>
+              </a:prstGeom>
+              <a:noFill/>
+            </p:spPr>
+            <p:txBody>
+              <a:bodyPr wrap="square" rtlCol="0">
+                <a:spAutoFit/>
+              </a:bodyPr>
+              <a:lstStyle/>
+              <a:p>
+                <a:r>
+                  <a:rPr lang="fr-FR" dirty="0"/>
+                  <a:t>¬x</a:t>
+                </a:r>
+                <a:r>
+                  <a:rPr lang="fr-FR" baseline="-25000" dirty="0"/>
+                  <a:t>2</a:t>
+                </a:r>
+              </a:p>
+              <a:p>
+                <a:r>
+                  <a:rPr lang="fr-FR" dirty="0"/>
+                  <a:t>x</a:t>
+                </a:r>
+                <a:r>
+                  <a:rPr lang="fr-FR" baseline="-25000" dirty="0"/>
+                  <a:t>2 </a:t>
+                </a:r>
+                <a:r>
+                  <a:rPr lang="fr-FR" b="0" i="0" dirty="0">
+                    <a:solidFill>
+                      <a:srgbClr val="202124"/>
+                    </a:solidFill>
+                    <a:effectLst/>
+                  </a:rPr>
+                  <a:t>∨ x</a:t>
+                </a:r>
+                <a:r>
+                  <a:rPr lang="fr-FR" b="0" i="0" baseline="-25000" dirty="0">
+                    <a:solidFill>
+                      <a:srgbClr val="202124"/>
+                    </a:solidFill>
+                    <a:effectLst/>
+                  </a:rPr>
+                  <a:t>3</a:t>
+                </a:r>
+                <a:endParaRPr lang="fr-FR" baseline="-25000" dirty="0">
+                  <a:solidFill>
+                    <a:srgbClr val="202124"/>
+                  </a:solidFill>
+                </a:endParaRPr>
+              </a:p>
+            </p:txBody>
+          </p:sp>
+        </p:grpSp>
+        <p:grpSp>
+          <p:nvGrpSpPr>
+            <p:cNvPr id="37" name="Groupe 36">
+              <a:extLst>
+                <a:ext uri="{FF2B5EF4-FFF2-40B4-BE49-F238E27FC236}">
+                  <a16:creationId xmlns:a16="http://schemas.microsoft.com/office/drawing/2014/main" id="{AA083879-82C0-71B8-7477-D714FEB5A20C}"/>
+                </a:ext>
+              </a:extLst>
+            </p:cNvPr>
+            <p:cNvGrpSpPr/>
+            <p:nvPr/>
+          </p:nvGrpSpPr>
+          <p:grpSpPr>
+            <a:xfrm>
+              <a:off x="24883436" y="13305789"/>
+              <a:ext cx="1746413" cy="1512000"/>
+              <a:chOff x="24723449" y="13298501"/>
+              <a:chExt cx="1746413" cy="1512000"/>
+            </a:xfrm>
+          </p:grpSpPr>
+          <p:sp>
+            <p:nvSpPr>
+              <p:cNvPr id="36" name="Ellipse 35">
+                <a:extLst>
+                  <a:ext uri="{FF2B5EF4-FFF2-40B4-BE49-F238E27FC236}">
+                    <a16:creationId xmlns:a16="http://schemas.microsoft.com/office/drawing/2014/main" id="{967836DE-4C7C-F78E-DF68-2C2E9DFE63F5}"/>
+                  </a:ext>
+                </a:extLst>
+              </p:cNvPr>
+              <p:cNvSpPr/>
+              <p:nvPr/>
+            </p:nvSpPr>
+            <p:spPr>
+              <a:xfrm>
+                <a:off x="24723449" y="13298501"/>
+                <a:ext cx="1512000" cy="1512000"/>
+              </a:xfrm>
+              <a:prstGeom prst="ellipse">
+                <a:avLst/>
+              </a:prstGeom>
+              <a:solidFill>
+                <a:schemeClr val="bg1">
+                  <a:lumMod val="85000"/>
+                </a:schemeClr>
+              </a:solidFill>
+              <a:ln>
+                <a:solidFill>
+                  <a:schemeClr val="bg1"/>
+                </a:solidFill>
+              </a:ln>
+            </p:spPr>
+            <p:style>
+              <a:lnRef idx="2">
+                <a:schemeClr val="accent1">
+                  <a:shade val="50000"/>
+                </a:schemeClr>
+              </a:lnRef>
+              <a:fillRef idx="1">
+                <a:schemeClr val="accent1"/>
+              </a:fillRef>
+              <a:effectRef idx="0">
+                <a:schemeClr val="accent1"/>
+              </a:effectRef>
+              <a:fontRef idx="minor">
+                <a:schemeClr val="lt1"/>
+              </a:fontRef>
+            </p:style>
+            <p:txBody>
+              <a:bodyPr rtlCol="0" anchor="ctr"/>
+              <a:lstStyle/>
+              <a:p>
+                <a:pPr algn="ctr"/>
+                <a:endParaRPr lang="fr-FR"/>
+              </a:p>
+            </p:txBody>
+          </p:sp>
+          <p:sp>
+            <p:nvSpPr>
+              <p:cNvPr id="34" name="ZoneTexte 33">
+                <a:extLst>
+                  <a:ext uri="{FF2B5EF4-FFF2-40B4-BE49-F238E27FC236}">
+                    <a16:creationId xmlns:a16="http://schemas.microsoft.com/office/drawing/2014/main" id="{BDCFC3E6-FE9F-1F3F-FFD4-3874EC2BEB3B}"/>
+                  </a:ext>
+                </a:extLst>
+              </p:cNvPr>
+              <p:cNvSpPr txBox="1"/>
+              <p:nvPr/>
+            </p:nvSpPr>
+            <p:spPr>
+              <a:xfrm>
+                <a:off x="25060000" y="13409771"/>
+                <a:ext cx="1409862" cy="1332463"/>
+              </a:xfrm>
+              <a:prstGeom prst="rect">
+                <a:avLst/>
+              </a:prstGeom>
+              <a:noFill/>
+            </p:spPr>
+            <p:txBody>
+              <a:bodyPr wrap="square" rtlCol="0">
+                <a:spAutoFit/>
+              </a:bodyPr>
+              <a:lstStyle/>
+              <a:p>
+                <a:r>
+                  <a:rPr lang="fr-FR" b="0" i="0" dirty="0">
+                    <a:solidFill>
+                      <a:srgbClr val="202124"/>
+                    </a:solidFill>
+                    <a:effectLst/>
+                  </a:rPr>
+                  <a:t>x</a:t>
+                </a:r>
+                <a:r>
+                  <a:rPr lang="fr-FR" b="0" i="0" baseline="-25000" dirty="0">
+                    <a:solidFill>
+                      <a:srgbClr val="202124"/>
+                    </a:solidFill>
+                    <a:effectLst/>
+                  </a:rPr>
+                  <a:t>2 </a:t>
+                </a:r>
+                <a:r>
+                  <a:rPr lang="fr-FR" b="0" i="0" dirty="0">
+                    <a:solidFill>
+                      <a:srgbClr val="202124"/>
+                    </a:solidFill>
+                    <a:effectLst/>
+                  </a:rPr>
+                  <a:t>∨ </a:t>
+                </a:r>
+                <a:r>
+                  <a:rPr lang="fr-FR" dirty="0"/>
+                  <a:t>¬x</a:t>
+                </a:r>
+                <a:r>
+                  <a:rPr lang="fr-FR" baseline="-25000" dirty="0"/>
+                  <a:t>3</a:t>
+                </a:r>
+              </a:p>
+              <a:p>
+                <a:r>
+                  <a:rPr lang="fr-FR" dirty="0"/>
+                  <a:t>¬x</a:t>
+                </a:r>
+                <a:r>
+                  <a:rPr lang="fr-FR" baseline="-25000" dirty="0"/>
+                  <a:t>2</a:t>
+                </a:r>
+              </a:p>
+              <a:p>
+                <a:r>
+                  <a:rPr lang="fr-FR" dirty="0"/>
+                  <a:t>x</a:t>
+                </a:r>
+                <a:r>
+                  <a:rPr lang="fr-FR" baseline="-25000" dirty="0"/>
+                  <a:t>2 </a:t>
+                </a:r>
+                <a:r>
+                  <a:rPr lang="fr-FR" b="0" i="0" dirty="0">
+                    <a:solidFill>
+                      <a:srgbClr val="202124"/>
+                    </a:solidFill>
+                    <a:effectLst/>
+                  </a:rPr>
+                  <a:t>∨ x</a:t>
+                </a:r>
+                <a:r>
+                  <a:rPr lang="fr-FR" b="0" i="0" baseline="-25000" dirty="0">
+                    <a:solidFill>
+                      <a:srgbClr val="202124"/>
+                    </a:solidFill>
+                    <a:effectLst/>
+                  </a:rPr>
+                  <a:t>3</a:t>
+                </a:r>
+                <a:endParaRPr lang="fr-FR" baseline="-25000" dirty="0">
+                  <a:solidFill>
+                    <a:srgbClr val="202124"/>
+                  </a:solidFill>
+                </a:endParaRPr>
+              </a:p>
+              <a:p>
+                <a:r>
+                  <a:rPr lang="fr-FR" dirty="0"/>
+                  <a:t>¬x</a:t>
+                </a:r>
+                <a:r>
+                  <a:rPr lang="fr-FR" baseline="-25000" dirty="0"/>
+                  <a:t>2</a:t>
+                </a:r>
+                <a:endParaRPr lang="fr-FR" dirty="0"/>
+              </a:p>
+            </p:txBody>
+          </p:sp>
+        </p:grpSp>
+        <p:cxnSp>
+          <p:nvCxnSpPr>
+            <p:cNvPr id="42" name="Connecteur droit avec flèche 41">
+              <a:extLst>
+                <a:ext uri="{FF2B5EF4-FFF2-40B4-BE49-F238E27FC236}">
+                  <a16:creationId xmlns:a16="http://schemas.microsoft.com/office/drawing/2014/main" id="{53C1A93F-2A98-F156-D383-2E53683638CD}"/>
+                </a:ext>
+              </a:extLst>
+            </p:cNvPr>
+            <p:cNvCxnSpPr/>
+            <p:nvPr/>
+          </p:nvCxnSpPr>
+          <p:spPr>
+            <a:xfrm flipH="1">
+              <a:off x="22893914" y="12259356"/>
+              <a:ext cx="740321" cy="1046433"/>
+            </a:xfrm>
+            <a:prstGeom prst="straightConnector1">
+              <a:avLst/>
+            </a:prstGeom>
+            <a:ln w="63500">
+              <a:solidFill>
+                <a:schemeClr val="accent2"/>
+              </a:solidFill>
+              <a:tailEnd type="triangle"/>
+            </a:ln>
+          </p:spPr>
+          <p:style>
+            <a:lnRef idx="1">
+              <a:schemeClr val="accent1"/>
+            </a:lnRef>
+            <a:fillRef idx="0">
+              <a:schemeClr val="accent1"/>
+            </a:fillRef>
+            <a:effectRef idx="0">
+              <a:schemeClr val="accent1"/>
+            </a:effectRef>
+            <a:fontRef idx="minor">
+              <a:schemeClr val="tx1"/>
+            </a:fontRef>
+          </p:style>
+        </p:cxnSp>
+        <p:cxnSp>
+          <p:nvCxnSpPr>
+            <p:cNvPr id="43" name="Connecteur droit avec flèche 42">
+              <a:extLst>
+                <a:ext uri="{FF2B5EF4-FFF2-40B4-BE49-F238E27FC236}">
+                  <a16:creationId xmlns:a16="http://schemas.microsoft.com/office/drawing/2014/main" id="{D808FA01-60E3-574B-32AF-3290605333CF}"/>
+                </a:ext>
+              </a:extLst>
+            </p:cNvPr>
+            <p:cNvCxnSpPr>
+              <a:cxnSpLocks/>
+            </p:cNvCxnSpPr>
+            <p:nvPr/>
+          </p:nvCxnSpPr>
+          <p:spPr>
+            <a:xfrm>
+              <a:off x="24649025" y="12319324"/>
+              <a:ext cx="620251" cy="986464"/>
+            </a:xfrm>
+            <a:prstGeom prst="straightConnector1">
+              <a:avLst/>
+            </a:prstGeom>
+            <a:ln w="63500">
+              <a:solidFill>
+                <a:schemeClr val="accent2"/>
+              </a:solidFill>
+              <a:tailEnd type="triangle"/>
+            </a:ln>
+          </p:spPr>
+          <p:style>
+            <a:lnRef idx="1">
+              <a:schemeClr val="accent1"/>
+            </a:lnRef>
+            <a:fillRef idx="0">
+              <a:schemeClr val="accent1"/>
+            </a:fillRef>
+            <a:effectRef idx="0">
+              <a:schemeClr val="accent1"/>
+            </a:effectRef>
+            <a:fontRef idx="minor">
+              <a:schemeClr val="tx1"/>
+            </a:fontRef>
+          </p:style>
+        </p:cxnSp>
+        <p:sp>
+          <p:nvSpPr>
+            <p:cNvPr id="45" name="ZoneTexte 44">
+              <a:extLst>
+                <a:ext uri="{FF2B5EF4-FFF2-40B4-BE49-F238E27FC236}">
+                  <a16:creationId xmlns:a16="http://schemas.microsoft.com/office/drawing/2014/main" id="{440ABF33-7A8D-562A-C572-2BD17F4297AE}"/>
+                </a:ext>
+              </a:extLst>
+            </p:cNvPr>
+            <p:cNvSpPr txBox="1"/>
+            <p:nvPr/>
+          </p:nvSpPr>
+          <p:spPr>
+            <a:xfrm>
+              <a:off x="24883436" y="12198557"/>
+              <a:ext cx="981487" cy="369332"/>
+            </a:xfrm>
+            <a:prstGeom prst="rect">
+              <a:avLst/>
+            </a:prstGeom>
+            <a:noFill/>
+          </p:spPr>
+          <p:txBody>
+            <a:bodyPr wrap="none" rtlCol="0">
+              <a:spAutoFit/>
+            </a:bodyPr>
+            <a:lstStyle/>
+            <a:p>
+              <a:r>
+                <a:rPr lang="fr-FR" b="1" dirty="0"/>
+                <a:t>X</a:t>
+              </a:r>
+              <a:r>
+                <a:rPr lang="fr-FR" b="1" baseline="-25000" dirty="0"/>
+                <a:t>1</a:t>
+              </a:r>
+              <a:r>
+                <a:rPr lang="fr-FR" b="1" dirty="0"/>
+                <a:t>=False</a:t>
+              </a:r>
+            </a:p>
+          </p:txBody>
+        </p:sp>
+        <p:sp>
+          <p:nvSpPr>
+            <p:cNvPr id="46" name="ZoneTexte 45">
+              <a:extLst>
+                <a:ext uri="{FF2B5EF4-FFF2-40B4-BE49-F238E27FC236}">
+                  <a16:creationId xmlns:a16="http://schemas.microsoft.com/office/drawing/2014/main" id="{511A4E32-FAD0-B84E-110F-D0140D3E7530}"/>
+                </a:ext>
+              </a:extLst>
+            </p:cNvPr>
+            <p:cNvSpPr txBox="1"/>
+            <p:nvPr/>
+          </p:nvSpPr>
+          <p:spPr>
+            <a:xfrm>
+              <a:off x="22473819" y="12175751"/>
+              <a:ext cx="927818" cy="369332"/>
+            </a:xfrm>
+            <a:prstGeom prst="rect">
+              <a:avLst/>
+            </a:prstGeom>
+            <a:noFill/>
+          </p:spPr>
+          <p:txBody>
+            <a:bodyPr wrap="none" rtlCol="0">
+              <a:spAutoFit/>
+            </a:bodyPr>
+            <a:lstStyle/>
+            <a:p>
+              <a:r>
+                <a:rPr lang="fr-FR" b="1" dirty="0"/>
+                <a:t>X</a:t>
+              </a:r>
+              <a:r>
+                <a:rPr lang="fr-FR" b="1" baseline="-25000" dirty="0"/>
+                <a:t>1</a:t>
+              </a:r>
+              <a:r>
+                <a:rPr lang="fr-FR" b="1" dirty="0"/>
+                <a:t>=</a:t>
+              </a:r>
+              <a:r>
+                <a:rPr lang="fr-FR" b="1" dirty="0" err="1"/>
+                <a:t>True</a:t>
+              </a:r>
+              <a:endParaRPr lang="fr-FR" b="1" dirty="0"/>
+            </a:p>
+          </p:txBody>
+        </p:sp>
+        <p:cxnSp>
+          <p:nvCxnSpPr>
+            <p:cNvPr id="47" name="Connecteur droit avec flèche 46">
+              <a:extLst>
+                <a:ext uri="{FF2B5EF4-FFF2-40B4-BE49-F238E27FC236}">
+                  <a16:creationId xmlns:a16="http://schemas.microsoft.com/office/drawing/2014/main" id="{B9906A2E-09A7-F9C2-A601-9B2EE45568DC}"/>
+                </a:ext>
+              </a:extLst>
+            </p:cNvPr>
+            <p:cNvCxnSpPr/>
+            <p:nvPr/>
+          </p:nvCxnSpPr>
+          <p:spPr>
+            <a:xfrm flipH="1">
+              <a:off x="21600541" y="14528340"/>
+              <a:ext cx="740322" cy="1046433"/>
+            </a:xfrm>
+            <a:prstGeom prst="straightConnector1">
+              <a:avLst/>
+            </a:prstGeom>
+            <a:ln w="63500">
+              <a:solidFill>
+                <a:schemeClr val="accent2"/>
+              </a:solidFill>
+              <a:tailEnd type="triangle"/>
+            </a:ln>
+          </p:spPr>
+          <p:style>
+            <a:lnRef idx="1">
+              <a:schemeClr val="accent1"/>
+            </a:lnRef>
+            <a:fillRef idx="0">
+              <a:schemeClr val="accent1"/>
+            </a:fillRef>
+            <a:effectRef idx="0">
+              <a:schemeClr val="accent1"/>
+            </a:effectRef>
+            <a:fontRef idx="minor">
+              <a:schemeClr val="tx1"/>
+            </a:fontRef>
+          </p:style>
+        </p:cxnSp>
+        <p:sp>
+          <p:nvSpPr>
+            <p:cNvPr id="48" name="ZoneTexte 47">
+              <a:extLst>
+                <a:ext uri="{FF2B5EF4-FFF2-40B4-BE49-F238E27FC236}">
+                  <a16:creationId xmlns:a16="http://schemas.microsoft.com/office/drawing/2014/main" id="{9783F8BD-C5C4-E96A-6CF9-8D5DDF060B86}"/>
+                </a:ext>
+              </a:extLst>
+            </p:cNvPr>
+            <p:cNvSpPr txBox="1"/>
+            <p:nvPr/>
+          </p:nvSpPr>
+          <p:spPr>
+            <a:xfrm>
+              <a:off x="21217620" y="14428894"/>
+              <a:ext cx="927818" cy="369332"/>
+            </a:xfrm>
+            <a:prstGeom prst="rect">
+              <a:avLst/>
+            </a:prstGeom>
+            <a:noFill/>
+          </p:spPr>
+          <p:txBody>
+            <a:bodyPr wrap="none" rtlCol="0">
+              <a:spAutoFit/>
+            </a:bodyPr>
+            <a:lstStyle/>
+            <a:p>
+              <a:r>
+                <a:rPr lang="fr-FR" b="1" dirty="0"/>
+                <a:t>X</a:t>
+              </a:r>
+              <a:r>
+                <a:rPr lang="fr-FR" b="1" baseline="-25000" dirty="0"/>
+                <a:t>2</a:t>
+              </a:r>
+              <a:r>
+                <a:rPr lang="fr-FR" b="1" dirty="0"/>
+                <a:t>=</a:t>
+              </a:r>
+              <a:r>
+                <a:rPr lang="fr-FR" b="1" dirty="0" err="1"/>
+                <a:t>True</a:t>
+              </a:r>
+              <a:endParaRPr lang="fr-FR" b="1" dirty="0"/>
+            </a:p>
+          </p:txBody>
+        </p:sp>
+        <p:sp>
+          <p:nvSpPr>
+            <p:cNvPr id="49" name="ZoneTexte 48">
+              <a:extLst>
+                <a:ext uri="{FF2B5EF4-FFF2-40B4-BE49-F238E27FC236}">
+                  <a16:creationId xmlns:a16="http://schemas.microsoft.com/office/drawing/2014/main" id="{85AF2A64-D635-09B5-52E0-D4445F312DFF}"/>
+                </a:ext>
+              </a:extLst>
+            </p:cNvPr>
+            <p:cNvSpPr txBox="1"/>
+            <p:nvPr/>
+          </p:nvSpPr>
+          <p:spPr>
+            <a:xfrm>
+              <a:off x="21225349" y="15524923"/>
+              <a:ext cx="726545" cy="369332"/>
+            </a:xfrm>
+            <a:prstGeom prst="rect">
+              <a:avLst/>
+            </a:prstGeom>
+            <a:noFill/>
+          </p:spPr>
+          <p:txBody>
+            <a:bodyPr wrap="none" rtlCol="0">
+              <a:spAutoFit/>
+            </a:bodyPr>
+            <a:lstStyle/>
+            <a:p>
+              <a:r>
+                <a:rPr lang="fr-FR" b="1" dirty="0">
+                  <a:solidFill>
+                    <a:srgbClr val="FF0000"/>
+                  </a:solidFill>
+                </a:rPr>
+                <a:t>Echec</a:t>
+              </a:r>
+            </a:p>
+          </p:txBody>
+        </p:sp>
+        <p:cxnSp>
+          <p:nvCxnSpPr>
+            <p:cNvPr id="50" name="Connecteur droit avec flèche 49">
+              <a:extLst>
+                <a:ext uri="{FF2B5EF4-FFF2-40B4-BE49-F238E27FC236}">
+                  <a16:creationId xmlns:a16="http://schemas.microsoft.com/office/drawing/2014/main" id="{08CD9EFD-9A59-05CC-3B6D-A8F2FA6CAB8E}"/>
+                </a:ext>
+              </a:extLst>
+            </p:cNvPr>
+            <p:cNvCxnSpPr>
+              <a:cxnSpLocks/>
+            </p:cNvCxnSpPr>
+            <p:nvPr/>
+          </p:nvCxnSpPr>
+          <p:spPr>
+            <a:xfrm>
+              <a:off x="22793572" y="14504132"/>
+              <a:ext cx="620251" cy="986464"/>
+            </a:xfrm>
+            <a:prstGeom prst="straightConnector1">
+              <a:avLst/>
+            </a:prstGeom>
+            <a:ln w="63500">
+              <a:solidFill>
+                <a:schemeClr val="accent2"/>
+              </a:solidFill>
+              <a:tailEnd type="triangle"/>
+            </a:ln>
+          </p:spPr>
+          <p:style>
+            <a:lnRef idx="1">
+              <a:schemeClr val="accent1"/>
+            </a:lnRef>
+            <a:fillRef idx="0">
+              <a:schemeClr val="accent1"/>
+            </a:fillRef>
+            <a:effectRef idx="0">
+              <a:schemeClr val="accent1"/>
+            </a:effectRef>
+            <a:fontRef idx="minor">
+              <a:schemeClr val="tx1"/>
+            </a:fontRef>
+          </p:style>
+        </p:cxnSp>
+        <p:sp>
+          <p:nvSpPr>
+            <p:cNvPr id="51" name="ZoneTexte 50">
+              <a:extLst>
+                <a:ext uri="{FF2B5EF4-FFF2-40B4-BE49-F238E27FC236}">
+                  <a16:creationId xmlns:a16="http://schemas.microsoft.com/office/drawing/2014/main" id="{B5E5A040-4FE9-14F4-6635-8AE03BF4F92B}"/>
+                </a:ext>
+              </a:extLst>
+            </p:cNvPr>
+            <p:cNvSpPr txBox="1"/>
+            <p:nvPr/>
+          </p:nvSpPr>
+          <p:spPr>
+            <a:xfrm>
+              <a:off x="22985441" y="14428894"/>
+              <a:ext cx="981487" cy="369332"/>
+            </a:xfrm>
+            <a:prstGeom prst="rect">
+              <a:avLst/>
+            </a:prstGeom>
+            <a:noFill/>
+          </p:spPr>
+          <p:txBody>
+            <a:bodyPr wrap="none" rtlCol="0">
+              <a:spAutoFit/>
+            </a:bodyPr>
+            <a:lstStyle/>
+            <a:p>
+              <a:r>
+                <a:rPr lang="fr-FR" b="1" dirty="0"/>
+                <a:t>X</a:t>
+              </a:r>
+              <a:r>
+                <a:rPr lang="fr-FR" b="1" baseline="-25000" dirty="0"/>
+                <a:t>2</a:t>
+              </a:r>
+              <a:r>
+                <a:rPr lang="fr-FR" b="1" dirty="0"/>
+                <a:t>=False</a:t>
+              </a:r>
+            </a:p>
+          </p:txBody>
+        </p:sp>
+        <p:grpSp>
+          <p:nvGrpSpPr>
+            <p:cNvPr id="52" name="Groupe 51">
+              <a:extLst>
+                <a:ext uri="{FF2B5EF4-FFF2-40B4-BE49-F238E27FC236}">
+                  <a16:creationId xmlns:a16="http://schemas.microsoft.com/office/drawing/2014/main" id="{ADB8C52B-47FB-A4F4-6AD4-AA4BECE526C2}"/>
+                </a:ext>
+              </a:extLst>
+            </p:cNvPr>
+            <p:cNvGrpSpPr/>
+            <p:nvPr/>
+          </p:nvGrpSpPr>
+          <p:grpSpPr>
+            <a:xfrm>
+              <a:off x="22974235" y="15524923"/>
+              <a:ext cx="984595" cy="984595"/>
+              <a:chOff x="19980923" y="13298501"/>
+              <a:chExt cx="984595" cy="984595"/>
+            </a:xfrm>
+          </p:grpSpPr>
+          <p:sp>
+            <p:nvSpPr>
+              <p:cNvPr id="53" name="Ellipse 52">
+                <a:extLst>
+                  <a:ext uri="{FF2B5EF4-FFF2-40B4-BE49-F238E27FC236}">
+                    <a16:creationId xmlns:a16="http://schemas.microsoft.com/office/drawing/2014/main" id="{B8326BD5-743F-1DEB-9E27-6D5E0325EAC9}"/>
+                  </a:ext>
+                </a:extLst>
+              </p:cNvPr>
+              <p:cNvSpPr/>
+              <p:nvPr/>
+            </p:nvSpPr>
+            <p:spPr>
+              <a:xfrm>
+                <a:off x="19980923" y="13298501"/>
+                <a:ext cx="984595" cy="984595"/>
+              </a:xfrm>
+              <a:prstGeom prst="ellipse">
+                <a:avLst/>
+              </a:prstGeom>
+              <a:solidFill>
+                <a:schemeClr val="bg1">
+                  <a:lumMod val="85000"/>
+                </a:schemeClr>
+              </a:solidFill>
+              <a:ln>
+                <a:solidFill>
+                  <a:schemeClr val="bg1"/>
+                </a:solidFill>
+              </a:ln>
+            </p:spPr>
+            <p:style>
+              <a:lnRef idx="2">
+                <a:schemeClr val="accent1">
+                  <a:shade val="50000"/>
+                </a:schemeClr>
+              </a:lnRef>
+              <a:fillRef idx="1">
+                <a:schemeClr val="accent1"/>
+              </a:fillRef>
+              <a:effectRef idx="0">
+                <a:schemeClr val="accent1"/>
+              </a:effectRef>
+              <a:fontRef idx="minor">
+                <a:schemeClr val="lt1"/>
+              </a:fontRef>
+            </p:style>
+            <p:txBody>
+              <a:bodyPr rtlCol="0" anchor="ctr"/>
+              <a:lstStyle/>
+              <a:p>
+                <a:pPr algn="ctr"/>
+                <a:endParaRPr lang="fr-FR"/>
+              </a:p>
+            </p:txBody>
+          </p:sp>
+          <p:sp>
+            <p:nvSpPr>
+              <p:cNvPr id="54" name="ZoneTexte 53">
+                <a:extLst>
+                  <a:ext uri="{FF2B5EF4-FFF2-40B4-BE49-F238E27FC236}">
+                    <a16:creationId xmlns:a16="http://schemas.microsoft.com/office/drawing/2014/main" id="{335B2BD0-DD1D-D116-0D2E-ABF16A1ECF6D}"/>
+                  </a:ext>
+                </a:extLst>
+              </p:cNvPr>
+              <p:cNvSpPr txBox="1"/>
+              <p:nvPr/>
+            </p:nvSpPr>
+            <p:spPr>
+              <a:xfrm>
+                <a:off x="20260645" y="13538417"/>
+                <a:ext cx="444448" cy="409988"/>
+              </a:xfrm>
+              <a:prstGeom prst="rect">
+                <a:avLst/>
+              </a:prstGeom>
+              <a:noFill/>
+            </p:spPr>
+            <p:txBody>
+              <a:bodyPr wrap="square" rtlCol="0">
+                <a:spAutoFit/>
+              </a:bodyPr>
+              <a:lstStyle/>
+              <a:p>
+                <a:r>
+                  <a:rPr lang="fr-FR" b="0" i="0" dirty="0">
+                    <a:solidFill>
+                      <a:srgbClr val="202124"/>
+                    </a:solidFill>
+                    <a:effectLst/>
+                  </a:rPr>
+                  <a:t>x</a:t>
+                </a:r>
+                <a:r>
+                  <a:rPr lang="fr-FR" b="0" i="0" baseline="-25000" dirty="0">
+                    <a:solidFill>
+                      <a:srgbClr val="202124"/>
+                    </a:solidFill>
+                    <a:effectLst/>
+                  </a:rPr>
+                  <a:t>3</a:t>
+                </a:r>
+              </a:p>
+            </p:txBody>
+          </p:sp>
+        </p:grpSp>
+        <p:cxnSp>
+          <p:nvCxnSpPr>
+            <p:cNvPr id="55" name="Connecteur droit avec flèche 54">
+              <a:extLst>
+                <a:ext uri="{FF2B5EF4-FFF2-40B4-BE49-F238E27FC236}">
+                  <a16:creationId xmlns:a16="http://schemas.microsoft.com/office/drawing/2014/main" id="{A446D9B4-137D-2316-F000-E20DC343AF7A}"/>
+                </a:ext>
+              </a:extLst>
+            </p:cNvPr>
+            <p:cNvCxnSpPr/>
+            <p:nvPr/>
+          </p:nvCxnSpPr>
+          <p:spPr>
+            <a:xfrm flipH="1">
+              <a:off x="24656748" y="14776918"/>
+              <a:ext cx="740323" cy="1046433"/>
+            </a:xfrm>
+            <a:prstGeom prst="straightConnector1">
+              <a:avLst/>
+            </a:prstGeom>
+            <a:ln w="63500">
+              <a:solidFill>
+                <a:schemeClr val="accent2"/>
+              </a:solidFill>
+              <a:tailEnd type="triangle"/>
+            </a:ln>
+          </p:spPr>
+          <p:style>
+            <a:lnRef idx="1">
+              <a:schemeClr val="accent1"/>
+            </a:lnRef>
+            <a:fillRef idx="0">
+              <a:schemeClr val="accent1"/>
+            </a:fillRef>
+            <a:effectRef idx="0">
+              <a:schemeClr val="accent1"/>
+            </a:effectRef>
+            <a:fontRef idx="minor">
+              <a:schemeClr val="tx1"/>
+            </a:fontRef>
+          </p:style>
+        </p:cxnSp>
+        <p:sp>
+          <p:nvSpPr>
+            <p:cNvPr id="56" name="ZoneTexte 55">
+              <a:extLst>
+                <a:ext uri="{FF2B5EF4-FFF2-40B4-BE49-F238E27FC236}">
+                  <a16:creationId xmlns:a16="http://schemas.microsoft.com/office/drawing/2014/main" id="{E7B6B5B1-D1FA-5573-5EF8-B3C5344DC1E6}"/>
+                </a:ext>
+              </a:extLst>
+            </p:cNvPr>
+            <p:cNvSpPr txBox="1"/>
+            <p:nvPr/>
+          </p:nvSpPr>
+          <p:spPr>
+            <a:xfrm>
+              <a:off x="24158793" y="14682224"/>
+              <a:ext cx="927818" cy="369332"/>
+            </a:xfrm>
+            <a:prstGeom prst="rect">
+              <a:avLst/>
+            </a:prstGeom>
+            <a:noFill/>
+          </p:spPr>
+          <p:txBody>
+            <a:bodyPr wrap="none" rtlCol="0">
+              <a:spAutoFit/>
+            </a:bodyPr>
+            <a:lstStyle/>
+            <a:p>
+              <a:r>
+                <a:rPr lang="fr-FR" b="1" dirty="0"/>
+                <a:t>X</a:t>
+              </a:r>
+              <a:r>
+                <a:rPr lang="fr-FR" b="1" baseline="-25000" dirty="0"/>
+                <a:t>2</a:t>
+              </a:r>
+              <a:r>
+                <a:rPr lang="fr-FR" b="1" dirty="0"/>
+                <a:t>=</a:t>
+              </a:r>
+              <a:r>
+                <a:rPr lang="fr-FR" b="1" dirty="0" err="1"/>
+                <a:t>True</a:t>
+              </a:r>
+              <a:endParaRPr lang="fr-FR" b="1" dirty="0"/>
+            </a:p>
+          </p:txBody>
+        </p:sp>
+        <p:sp>
+          <p:nvSpPr>
+            <p:cNvPr id="57" name="ZoneTexte 56">
+              <a:extLst>
+                <a:ext uri="{FF2B5EF4-FFF2-40B4-BE49-F238E27FC236}">
+                  <a16:creationId xmlns:a16="http://schemas.microsoft.com/office/drawing/2014/main" id="{1B31C74E-5BD6-9F2D-6CC1-711D2D2B5A99}"/>
+                </a:ext>
+              </a:extLst>
+            </p:cNvPr>
+            <p:cNvSpPr txBox="1"/>
+            <p:nvPr/>
+          </p:nvSpPr>
+          <p:spPr>
+            <a:xfrm>
+              <a:off x="24272806" y="15773501"/>
+              <a:ext cx="726547" cy="369332"/>
+            </a:xfrm>
+            <a:prstGeom prst="rect">
+              <a:avLst/>
+            </a:prstGeom>
+            <a:noFill/>
+          </p:spPr>
+          <p:txBody>
+            <a:bodyPr wrap="none" rtlCol="0">
+              <a:spAutoFit/>
+            </a:bodyPr>
+            <a:lstStyle/>
+            <a:p>
+              <a:r>
+                <a:rPr lang="fr-FR" b="1" dirty="0">
+                  <a:solidFill>
+                    <a:srgbClr val="FF0000"/>
+                  </a:solidFill>
+                </a:rPr>
+                <a:t>Echec</a:t>
+              </a:r>
+            </a:p>
+          </p:txBody>
+        </p:sp>
+        <p:cxnSp>
+          <p:nvCxnSpPr>
+            <p:cNvPr id="58" name="Connecteur droit avec flèche 57">
+              <a:extLst>
+                <a:ext uri="{FF2B5EF4-FFF2-40B4-BE49-F238E27FC236}">
+                  <a16:creationId xmlns:a16="http://schemas.microsoft.com/office/drawing/2014/main" id="{0A43AC20-B12A-3A90-5FAB-64E3AEB53541}"/>
+                </a:ext>
+              </a:extLst>
+            </p:cNvPr>
+            <p:cNvCxnSpPr>
+              <a:cxnSpLocks/>
+            </p:cNvCxnSpPr>
+            <p:nvPr/>
+          </p:nvCxnSpPr>
+          <p:spPr>
+            <a:xfrm>
+              <a:off x="25919881" y="14796451"/>
+              <a:ext cx="620251" cy="986464"/>
+            </a:xfrm>
+            <a:prstGeom prst="straightConnector1">
+              <a:avLst/>
+            </a:prstGeom>
+            <a:ln w="63500">
+              <a:solidFill>
+                <a:schemeClr val="accent2"/>
+              </a:solidFill>
+              <a:tailEnd type="triangle"/>
+            </a:ln>
+          </p:spPr>
+          <p:style>
+            <a:lnRef idx="1">
+              <a:schemeClr val="accent1"/>
+            </a:lnRef>
+            <a:fillRef idx="0">
+              <a:schemeClr val="accent1"/>
+            </a:fillRef>
+            <a:effectRef idx="0">
+              <a:schemeClr val="accent1"/>
+            </a:effectRef>
+            <a:fontRef idx="minor">
+              <a:schemeClr val="tx1"/>
+            </a:fontRef>
+          </p:style>
+        </p:cxnSp>
+        <p:sp>
+          <p:nvSpPr>
+            <p:cNvPr id="59" name="ZoneTexte 58">
+              <a:extLst>
+                <a:ext uri="{FF2B5EF4-FFF2-40B4-BE49-F238E27FC236}">
+                  <a16:creationId xmlns:a16="http://schemas.microsoft.com/office/drawing/2014/main" id="{8EBA1C28-C6AD-7555-2F10-44FF13C71703}"/>
+                </a:ext>
+              </a:extLst>
+            </p:cNvPr>
+            <p:cNvSpPr txBox="1"/>
+            <p:nvPr/>
+          </p:nvSpPr>
+          <p:spPr>
+            <a:xfrm>
+              <a:off x="26149253" y="14721212"/>
+              <a:ext cx="981487" cy="369332"/>
+            </a:xfrm>
+            <a:prstGeom prst="rect">
+              <a:avLst/>
+            </a:prstGeom>
+            <a:noFill/>
+          </p:spPr>
+          <p:txBody>
+            <a:bodyPr wrap="none" rtlCol="0">
+              <a:spAutoFit/>
+            </a:bodyPr>
+            <a:lstStyle/>
+            <a:p>
+              <a:r>
+                <a:rPr lang="fr-FR" b="1" dirty="0"/>
+                <a:t>X</a:t>
+              </a:r>
+              <a:r>
+                <a:rPr lang="fr-FR" b="1" baseline="-25000" dirty="0"/>
+                <a:t>2</a:t>
+              </a:r>
+              <a:r>
+                <a:rPr lang="fr-FR" b="1" dirty="0"/>
+                <a:t>=False</a:t>
+              </a:r>
+            </a:p>
+          </p:txBody>
+        </p:sp>
+        <p:grpSp>
+          <p:nvGrpSpPr>
+            <p:cNvPr id="60" name="Groupe 59">
+              <a:extLst>
+                <a:ext uri="{FF2B5EF4-FFF2-40B4-BE49-F238E27FC236}">
+                  <a16:creationId xmlns:a16="http://schemas.microsoft.com/office/drawing/2014/main" id="{0D603E43-355B-4180-AFCF-CA1C781BC8E4}"/>
+                </a:ext>
+              </a:extLst>
+            </p:cNvPr>
+            <p:cNvGrpSpPr/>
+            <p:nvPr/>
+          </p:nvGrpSpPr>
+          <p:grpSpPr>
+            <a:xfrm>
+              <a:off x="26161616" y="15792306"/>
+              <a:ext cx="1115602" cy="1115602"/>
+              <a:chOff x="25077925" y="13455120"/>
+              <a:chExt cx="1297430" cy="1297430"/>
+            </a:xfrm>
+          </p:grpSpPr>
+          <p:sp>
+            <p:nvSpPr>
+              <p:cNvPr id="61" name="Ellipse 60">
+                <a:extLst>
+                  <a:ext uri="{FF2B5EF4-FFF2-40B4-BE49-F238E27FC236}">
+                    <a16:creationId xmlns:a16="http://schemas.microsoft.com/office/drawing/2014/main" id="{7DF497B1-B922-FFB0-2EB0-E92BFB89D760}"/>
+                  </a:ext>
+                </a:extLst>
+              </p:cNvPr>
+              <p:cNvSpPr/>
+              <p:nvPr/>
+            </p:nvSpPr>
+            <p:spPr>
+              <a:xfrm>
+                <a:off x="25077925" y="13455120"/>
+                <a:ext cx="1297430" cy="1297430"/>
+              </a:xfrm>
+              <a:prstGeom prst="ellipse">
+                <a:avLst/>
+              </a:prstGeom>
+              <a:solidFill>
+                <a:schemeClr val="bg1">
+                  <a:lumMod val="85000"/>
+                </a:schemeClr>
+              </a:solidFill>
+              <a:ln>
+                <a:solidFill>
+                  <a:schemeClr val="bg1"/>
+                </a:solidFill>
+              </a:ln>
+            </p:spPr>
+            <p:style>
+              <a:lnRef idx="2">
+                <a:schemeClr val="accent1">
+                  <a:shade val="50000"/>
+                </a:schemeClr>
+              </a:lnRef>
+              <a:fillRef idx="1">
+                <a:schemeClr val="accent1"/>
+              </a:fillRef>
+              <a:effectRef idx="0">
+                <a:schemeClr val="accent1"/>
+              </a:effectRef>
+              <a:fontRef idx="minor">
+                <a:schemeClr val="lt1"/>
+              </a:fontRef>
+            </p:style>
+            <p:txBody>
+              <a:bodyPr rtlCol="0" anchor="ctr"/>
+              <a:lstStyle/>
+              <a:p>
+                <a:pPr algn="ctr"/>
+                <a:endParaRPr lang="fr-FR"/>
+              </a:p>
+            </p:txBody>
+          </p:sp>
+          <p:sp>
+            <p:nvSpPr>
+              <p:cNvPr id="62" name="ZoneTexte 61">
+                <a:extLst>
+                  <a:ext uri="{FF2B5EF4-FFF2-40B4-BE49-F238E27FC236}">
+                    <a16:creationId xmlns:a16="http://schemas.microsoft.com/office/drawing/2014/main" id="{5966BB6E-4FEB-6F78-EAF0-3DAAF24597CC}"/>
+                  </a:ext>
+                </a:extLst>
+              </p:cNvPr>
+              <p:cNvSpPr txBox="1"/>
+              <p:nvPr/>
+            </p:nvSpPr>
+            <p:spPr>
+              <a:xfrm>
+                <a:off x="25423539" y="13696707"/>
+                <a:ext cx="864494" cy="834420"/>
+              </a:xfrm>
+              <a:prstGeom prst="rect">
+                <a:avLst/>
+              </a:prstGeom>
+              <a:noFill/>
+            </p:spPr>
+            <p:txBody>
+              <a:bodyPr wrap="square" rtlCol="0">
+                <a:spAutoFit/>
+              </a:bodyPr>
+              <a:lstStyle/>
+              <a:p>
+                <a:r>
+                  <a:rPr lang="fr-FR" dirty="0"/>
+                  <a:t>¬x</a:t>
+                </a:r>
+                <a:r>
+                  <a:rPr lang="fr-FR" baseline="-25000" dirty="0"/>
+                  <a:t>3</a:t>
+                </a:r>
+              </a:p>
+              <a:p>
+                <a:r>
+                  <a:rPr lang="fr-FR" b="0" i="0" dirty="0">
+                    <a:solidFill>
+                      <a:srgbClr val="202124"/>
+                    </a:solidFill>
+                    <a:effectLst/>
+                  </a:rPr>
+                  <a:t>x</a:t>
+                </a:r>
+                <a:r>
+                  <a:rPr lang="fr-FR" b="0" i="0" baseline="-25000" dirty="0">
+                    <a:solidFill>
+                      <a:srgbClr val="202124"/>
+                    </a:solidFill>
+                    <a:effectLst/>
+                  </a:rPr>
+                  <a:t>3</a:t>
+                </a:r>
+              </a:p>
+            </p:txBody>
+          </p:sp>
+        </p:grpSp>
+        <p:cxnSp>
+          <p:nvCxnSpPr>
+            <p:cNvPr id="63" name="Connecteur droit avec flèche 62">
+              <a:extLst>
+                <a:ext uri="{FF2B5EF4-FFF2-40B4-BE49-F238E27FC236}">
+                  <a16:creationId xmlns:a16="http://schemas.microsoft.com/office/drawing/2014/main" id="{800587AF-5012-B7D0-ED73-2DEC8E6245AD}"/>
+                </a:ext>
+              </a:extLst>
+            </p:cNvPr>
+            <p:cNvCxnSpPr>
+              <a:cxnSpLocks/>
+            </p:cNvCxnSpPr>
+            <p:nvPr/>
+          </p:nvCxnSpPr>
+          <p:spPr>
+            <a:xfrm>
+              <a:off x="26968144" y="16845117"/>
+              <a:ext cx="397719" cy="909511"/>
+            </a:xfrm>
+            <a:prstGeom prst="straightConnector1">
+              <a:avLst/>
+            </a:prstGeom>
+            <a:ln w="63500">
+              <a:solidFill>
+                <a:schemeClr val="accent2"/>
+              </a:solidFill>
+              <a:tailEnd type="triangle"/>
+            </a:ln>
+          </p:spPr>
+          <p:style>
+            <a:lnRef idx="1">
+              <a:schemeClr val="accent1"/>
+            </a:lnRef>
+            <a:fillRef idx="0">
+              <a:schemeClr val="accent1"/>
+            </a:fillRef>
+            <a:effectRef idx="0">
+              <a:schemeClr val="accent1"/>
+            </a:effectRef>
+            <a:fontRef idx="minor">
+              <a:schemeClr val="tx1"/>
+            </a:fontRef>
+          </p:style>
+        </p:cxnSp>
+        <p:sp>
+          <p:nvSpPr>
+            <p:cNvPr id="64" name="ZoneTexte 63">
+              <a:extLst>
+                <a:ext uri="{FF2B5EF4-FFF2-40B4-BE49-F238E27FC236}">
+                  <a16:creationId xmlns:a16="http://schemas.microsoft.com/office/drawing/2014/main" id="{0838E856-309F-3C08-E3EC-BF09706EC200}"/>
+                </a:ext>
+              </a:extLst>
+            </p:cNvPr>
+            <p:cNvSpPr txBox="1"/>
+            <p:nvPr/>
+          </p:nvSpPr>
+          <p:spPr>
+            <a:xfrm>
+              <a:off x="27277219" y="16723242"/>
+              <a:ext cx="981487" cy="369332"/>
+            </a:xfrm>
+            <a:prstGeom prst="rect">
+              <a:avLst/>
+            </a:prstGeom>
+            <a:noFill/>
+          </p:spPr>
+          <p:txBody>
+            <a:bodyPr wrap="none" rtlCol="0">
+              <a:spAutoFit/>
+            </a:bodyPr>
+            <a:lstStyle/>
+            <a:p>
+              <a:r>
+                <a:rPr lang="fr-FR" b="1" dirty="0"/>
+                <a:t>X</a:t>
+              </a:r>
+              <a:r>
+                <a:rPr lang="fr-FR" b="1" baseline="-25000" dirty="0"/>
+                <a:t>3</a:t>
+              </a:r>
+              <a:r>
+                <a:rPr lang="fr-FR" b="1" dirty="0"/>
+                <a:t>=False</a:t>
+              </a:r>
+            </a:p>
+          </p:txBody>
+        </p:sp>
+        <p:sp>
+          <p:nvSpPr>
+            <p:cNvPr id="65" name="ZoneTexte 64">
+              <a:extLst>
+                <a:ext uri="{FF2B5EF4-FFF2-40B4-BE49-F238E27FC236}">
+                  <a16:creationId xmlns:a16="http://schemas.microsoft.com/office/drawing/2014/main" id="{4A12757E-F8CD-9266-F323-8BF3433861A2}"/>
+                </a:ext>
+              </a:extLst>
+            </p:cNvPr>
+            <p:cNvSpPr txBox="1"/>
+            <p:nvPr/>
+          </p:nvSpPr>
+          <p:spPr>
+            <a:xfrm>
+              <a:off x="27085739" y="17691837"/>
+              <a:ext cx="726547" cy="369332"/>
+            </a:xfrm>
+            <a:prstGeom prst="rect">
+              <a:avLst/>
+            </a:prstGeom>
+            <a:noFill/>
+          </p:spPr>
+          <p:txBody>
+            <a:bodyPr wrap="none" rtlCol="0">
+              <a:spAutoFit/>
+            </a:bodyPr>
+            <a:lstStyle/>
+            <a:p>
+              <a:r>
+                <a:rPr lang="fr-FR" b="1" dirty="0">
+                  <a:solidFill>
+                    <a:srgbClr val="FF0000"/>
+                  </a:solidFill>
+                </a:rPr>
+                <a:t>Echec</a:t>
+              </a:r>
+            </a:p>
+          </p:txBody>
+        </p:sp>
+        <p:cxnSp>
+          <p:nvCxnSpPr>
+            <p:cNvPr id="66" name="Connecteur droit avec flèche 65">
+              <a:extLst>
+                <a:ext uri="{FF2B5EF4-FFF2-40B4-BE49-F238E27FC236}">
+                  <a16:creationId xmlns:a16="http://schemas.microsoft.com/office/drawing/2014/main" id="{163F507E-D4A1-54A2-D22C-EAEEB34978BD}"/>
+                </a:ext>
+              </a:extLst>
+            </p:cNvPr>
+            <p:cNvCxnSpPr>
+              <a:cxnSpLocks/>
+            </p:cNvCxnSpPr>
+            <p:nvPr/>
+          </p:nvCxnSpPr>
+          <p:spPr>
+            <a:xfrm flipH="1">
+              <a:off x="25840323" y="16798480"/>
+              <a:ext cx="572439" cy="956147"/>
+            </a:xfrm>
+            <a:prstGeom prst="straightConnector1">
+              <a:avLst/>
+            </a:prstGeom>
+            <a:ln w="63500">
+              <a:solidFill>
+                <a:schemeClr val="accent2"/>
+              </a:solidFill>
+              <a:tailEnd type="triangle"/>
+            </a:ln>
+          </p:spPr>
+          <p:style>
+            <a:lnRef idx="1">
+              <a:schemeClr val="accent1"/>
+            </a:lnRef>
+            <a:fillRef idx="0">
+              <a:schemeClr val="accent1"/>
+            </a:fillRef>
+            <a:effectRef idx="0">
+              <a:schemeClr val="accent1"/>
+            </a:effectRef>
+            <a:fontRef idx="minor">
+              <a:schemeClr val="tx1"/>
+            </a:fontRef>
+          </p:style>
+        </p:cxnSp>
+        <p:sp>
+          <p:nvSpPr>
+            <p:cNvPr id="67" name="ZoneTexte 66">
+              <a:extLst>
+                <a:ext uri="{FF2B5EF4-FFF2-40B4-BE49-F238E27FC236}">
+                  <a16:creationId xmlns:a16="http://schemas.microsoft.com/office/drawing/2014/main" id="{2719CA02-2EC5-FE3C-2977-6ADAFCFC7C00}"/>
+                </a:ext>
+              </a:extLst>
+            </p:cNvPr>
+            <p:cNvSpPr txBox="1"/>
+            <p:nvPr/>
+          </p:nvSpPr>
+          <p:spPr>
+            <a:xfrm>
+              <a:off x="25314123" y="16693156"/>
+              <a:ext cx="927818" cy="369332"/>
+            </a:xfrm>
+            <a:prstGeom prst="rect">
+              <a:avLst/>
+            </a:prstGeom>
+            <a:noFill/>
+          </p:spPr>
+          <p:txBody>
+            <a:bodyPr wrap="none" rtlCol="0">
+              <a:spAutoFit/>
+            </a:bodyPr>
+            <a:lstStyle/>
+            <a:p>
+              <a:r>
+                <a:rPr lang="fr-FR" b="1" dirty="0"/>
+                <a:t>X</a:t>
+              </a:r>
+              <a:r>
+                <a:rPr lang="fr-FR" b="1" baseline="-25000" dirty="0"/>
+                <a:t>3</a:t>
+              </a:r>
+              <a:r>
+                <a:rPr lang="fr-FR" b="1" dirty="0"/>
+                <a:t>=</a:t>
+              </a:r>
+              <a:r>
+                <a:rPr lang="fr-FR" b="1" dirty="0" err="1"/>
+                <a:t>True</a:t>
+              </a:r>
+              <a:endParaRPr lang="fr-FR" b="1" dirty="0"/>
+            </a:p>
+          </p:txBody>
+        </p:sp>
+        <p:sp>
+          <p:nvSpPr>
+            <p:cNvPr id="68" name="ZoneTexte 67">
+              <a:extLst>
+                <a:ext uri="{FF2B5EF4-FFF2-40B4-BE49-F238E27FC236}">
+                  <a16:creationId xmlns:a16="http://schemas.microsoft.com/office/drawing/2014/main" id="{F1A94765-AA9F-BE49-A8B9-B7C93F38F065}"/>
+                </a:ext>
+              </a:extLst>
+            </p:cNvPr>
+            <p:cNvSpPr txBox="1"/>
+            <p:nvPr/>
+          </p:nvSpPr>
+          <p:spPr>
+            <a:xfrm>
+              <a:off x="25468551" y="17694457"/>
+              <a:ext cx="726545" cy="369332"/>
+            </a:xfrm>
+            <a:prstGeom prst="rect">
+              <a:avLst/>
+            </a:prstGeom>
+            <a:noFill/>
+          </p:spPr>
+          <p:txBody>
+            <a:bodyPr wrap="none" rtlCol="0">
+              <a:spAutoFit/>
+            </a:bodyPr>
+            <a:lstStyle/>
+            <a:p>
+              <a:r>
+                <a:rPr lang="fr-FR" b="1" dirty="0">
+                  <a:solidFill>
+                    <a:srgbClr val="FF0000"/>
+                  </a:solidFill>
+                </a:rPr>
+                <a:t>Echec</a:t>
+              </a:r>
+            </a:p>
+          </p:txBody>
+        </p:sp>
+        <p:cxnSp>
+          <p:nvCxnSpPr>
+            <p:cNvPr id="72" name="Connecteur droit avec flèche 71">
+              <a:extLst>
+                <a:ext uri="{FF2B5EF4-FFF2-40B4-BE49-F238E27FC236}">
+                  <a16:creationId xmlns:a16="http://schemas.microsoft.com/office/drawing/2014/main" id="{EB03974F-B2E2-127D-78AD-DD328DA2D0F2}"/>
+                </a:ext>
+              </a:extLst>
+            </p:cNvPr>
+            <p:cNvCxnSpPr>
+              <a:cxnSpLocks/>
+            </p:cNvCxnSpPr>
+            <p:nvPr/>
+          </p:nvCxnSpPr>
+          <p:spPr>
+            <a:xfrm>
+              <a:off x="23688985" y="16430797"/>
+              <a:ext cx="397718" cy="909511"/>
+            </a:xfrm>
+            <a:prstGeom prst="straightConnector1">
+              <a:avLst/>
+            </a:prstGeom>
+            <a:ln w="63500">
+              <a:solidFill>
+                <a:schemeClr val="accent2"/>
+              </a:solidFill>
+              <a:tailEnd type="triangle"/>
+            </a:ln>
+          </p:spPr>
+          <p:style>
+            <a:lnRef idx="1">
+              <a:schemeClr val="accent1"/>
+            </a:lnRef>
+            <a:fillRef idx="0">
+              <a:schemeClr val="accent1"/>
+            </a:fillRef>
+            <a:effectRef idx="0">
+              <a:schemeClr val="accent1"/>
+            </a:effectRef>
+            <a:fontRef idx="minor">
+              <a:schemeClr val="tx1"/>
+            </a:fontRef>
+          </p:style>
+        </p:cxnSp>
+        <p:sp>
+          <p:nvSpPr>
+            <p:cNvPr id="73" name="ZoneTexte 72">
+              <a:extLst>
+                <a:ext uri="{FF2B5EF4-FFF2-40B4-BE49-F238E27FC236}">
+                  <a16:creationId xmlns:a16="http://schemas.microsoft.com/office/drawing/2014/main" id="{21862647-C1D9-8B2A-F9FC-19243FB4EE2A}"/>
+                </a:ext>
+              </a:extLst>
+            </p:cNvPr>
+            <p:cNvSpPr txBox="1"/>
+            <p:nvPr/>
+          </p:nvSpPr>
+          <p:spPr>
+            <a:xfrm>
+              <a:off x="23832420" y="16299210"/>
+              <a:ext cx="981487" cy="369332"/>
+            </a:xfrm>
+            <a:prstGeom prst="rect">
+              <a:avLst/>
+            </a:prstGeom>
+            <a:noFill/>
+          </p:spPr>
+          <p:txBody>
+            <a:bodyPr wrap="none" rtlCol="0">
+              <a:spAutoFit/>
+            </a:bodyPr>
+            <a:lstStyle/>
+            <a:p>
+              <a:r>
+                <a:rPr lang="fr-FR" b="1" dirty="0"/>
+                <a:t>X</a:t>
+              </a:r>
+              <a:r>
+                <a:rPr lang="fr-FR" b="1" baseline="-25000" dirty="0"/>
+                <a:t>3</a:t>
+              </a:r>
+              <a:r>
+                <a:rPr lang="fr-FR" b="1" dirty="0"/>
+                <a:t>=False</a:t>
+              </a:r>
+            </a:p>
+          </p:txBody>
+        </p:sp>
+        <p:sp>
+          <p:nvSpPr>
+            <p:cNvPr id="74" name="ZoneTexte 73">
+              <a:extLst>
+                <a:ext uri="{FF2B5EF4-FFF2-40B4-BE49-F238E27FC236}">
+                  <a16:creationId xmlns:a16="http://schemas.microsoft.com/office/drawing/2014/main" id="{96997E9D-B4AA-0141-4AEC-A3E231727E59}"/>
+                </a:ext>
+              </a:extLst>
+            </p:cNvPr>
+            <p:cNvSpPr txBox="1"/>
+            <p:nvPr/>
+          </p:nvSpPr>
+          <p:spPr>
+            <a:xfrm>
+              <a:off x="23778439" y="17360913"/>
+              <a:ext cx="726545" cy="369332"/>
+            </a:xfrm>
+            <a:prstGeom prst="rect">
+              <a:avLst/>
+            </a:prstGeom>
+            <a:noFill/>
+          </p:spPr>
+          <p:txBody>
+            <a:bodyPr wrap="none" rtlCol="0">
+              <a:spAutoFit/>
+            </a:bodyPr>
+            <a:lstStyle/>
+            <a:p>
+              <a:r>
+                <a:rPr lang="fr-FR" b="1" dirty="0">
+                  <a:solidFill>
+                    <a:srgbClr val="FF0000"/>
+                  </a:solidFill>
+                </a:rPr>
+                <a:t>Echec</a:t>
+              </a:r>
+            </a:p>
+          </p:txBody>
+        </p:sp>
+        <p:cxnSp>
+          <p:nvCxnSpPr>
+            <p:cNvPr id="75" name="Connecteur droit avec flèche 74">
+              <a:extLst>
+                <a:ext uri="{FF2B5EF4-FFF2-40B4-BE49-F238E27FC236}">
+                  <a16:creationId xmlns:a16="http://schemas.microsoft.com/office/drawing/2014/main" id="{76EAF2C7-DFBE-2399-1817-048C502C4E90}"/>
+                </a:ext>
+              </a:extLst>
+            </p:cNvPr>
+            <p:cNvCxnSpPr>
+              <a:cxnSpLocks/>
+            </p:cNvCxnSpPr>
+            <p:nvPr/>
+          </p:nvCxnSpPr>
+          <p:spPr>
+            <a:xfrm flipH="1">
+              <a:off x="22627933" y="16404766"/>
+              <a:ext cx="572439" cy="956147"/>
+            </a:xfrm>
+            <a:prstGeom prst="straightConnector1">
+              <a:avLst/>
+            </a:prstGeom>
+            <a:ln w="63500">
+              <a:solidFill>
+                <a:schemeClr val="accent2"/>
+              </a:solidFill>
+              <a:tailEnd type="triangle"/>
+            </a:ln>
+          </p:spPr>
+          <p:style>
+            <a:lnRef idx="1">
+              <a:schemeClr val="accent1"/>
+            </a:lnRef>
+            <a:fillRef idx="0">
+              <a:schemeClr val="accent1"/>
+            </a:fillRef>
+            <a:effectRef idx="0">
+              <a:schemeClr val="accent1"/>
+            </a:effectRef>
+            <a:fontRef idx="minor">
+              <a:schemeClr val="tx1"/>
+            </a:fontRef>
+          </p:style>
+        </p:cxnSp>
+        <p:sp>
+          <p:nvSpPr>
+            <p:cNvPr id="76" name="ZoneTexte 75">
+              <a:extLst>
+                <a:ext uri="{FF2B5EF4-FFF2-40B4-BE49-F238E27FC236}">
+                  <a16:creationId xmlns:a16="http://schemas.microsoft.com/office/drawing/2014/main" id="{0901AFF1-BE9D-A1EC-2AB3-B2F9BC803C57}"/>
+                </a:ext>
+              </a:extLst>
+            </p:cNvPr>
+            <p:cNvSpPr txBox="1"/>
+            <p:nvPr/>
+          </p:nvSpPr>
+          <p:spPr>
+            <a:xfrm>
+              <a:off x="22100764" y="16299210"/>
+              <a:ext cx="927818" cy="369332"/>
+            </a:xfrm>
+            <a:prstGeom prst="rect">
+              <a:avLst/>
+            </a:prstGeom>
+            <a:noFill/>
+          </p:spPr>
+          <p:txBody>
+            <a:bodyPr wrap="none" rtlCol="0">
+              <a:spAutoFit/>
+            </a:bodyPr>
+            <a:lstStyle/>
+            <a:p>
+              <a:r>
+                <a:rPr lang="fr-FR" b="1" dirty="0"/>
+                <a:t>X</a:t>
+              </a:r>
+              <a:r>
+                <a:rPr lang="fr-FR" b="1" baseline="-25000" dirty="0"/>
+                <a:t>3</a:t>
+              </a:r>
+              <a:r>
+                <a:rPr lang="fr-FR" b="1" dirty="0"/>
+                <a:t>=</a:t>
+              </a:r>
+              <a:r>
+                <a:rPr lang="fr-FR" b="1" dirty="0" err="1"/>
+                <a:t>True</a:t>
+              </a:r>
+              <a:endParaRPr lang="fr-FR" b="1" dirty="0"/>
+            </a:p>
+          </p:txBody>
+        </p:sp>
+        <p:sp>
+          <p:nvSpPr>
+            <p:cNvPr id="77" name="ZoneTexte 76">
+              <a:extLst>
+                <a:ext uri="{FF2B5EF4-FFF2-40B4-BE49-F238E27FC236}">
+                  <a16:creationId xmlns:a16="http://schemas.microsoft.com/office/drawing/2014/main" id="{32989F21-A608-E19A-E31B-7CB655FD9F19}"/>
+                </a:ext>
+              </a:extLst>
+            </p:cNvPr>
+            <p:cNvSpPr txBox="1"/>
+            <p:nvPr/>
+          </p:nvSpPr>
+          <p:spPr>
+            <a:xfrm>
+              <a:off x="22104365" y="17283805"/>
+              <a:ext cx="1170514" cy="461665"/>
+            </a:xfrm>
+            <a:prstGeom prst="rect">
+              <a:avLst/>
+            </a:prstGeom>
+            <a:noFill/>
+          </p:spPr>
+          <p:txBody>
+            <a:bodyPr wrap="none" rtlCol="0">
+              <a:spAutoFit/>
+            </a:bodyPr>
+            <a:lstStyle/>
+            <a:p>
+              <a:r>
+                <a:rPr lang="fr-FR" sz="2400" b="1" dirty="0">
+                  <a:solidFill>
+                    <a:srgbClr val="92D050"/>
+                  </a:solidFill>
+                </a:rPr>
+                <a:t>Modèle</a:t>
+              </a:r>
+            </a:p>
+          </p:txBody>
+        </p:sp>
+      </p:grpSp>
+      <p:sp>
+        <p:nvSpPr>
+          <p:cNvPr id="80" name="Rectangle : coins arrondis 79">
+            <a:extLst>
+              <a:ext uri="{FF2B5EF4-FFF2-40B4-BE49-F238E27FC236}">
+                <a16:creationId xmlns:a16="http://schemas.microsoft.com/office/drawing/2014/main" id="{28FFD9E2-427E-195D-E63F-80D03EDD67ED}"/>
+              </a:ext>
+            </a:extLst>
+          </p:cNvPr>
+          <p:cNvSpPr/>
+          <p:nvPr/>
+        </p:nvSpPr>
+        <p:spPr>
+          <a:xfrm>
+            <a:off x="17149172" y="9036476"/>
+            <a:ext cx="4899425" cy="1207074"/>
+          </a:xfrm>
+          <a:prstGeom prst="roundRect">
+            <a:avLst/>
+          </a:prstGeom>
+          <a:solidFill>
+            <a:schemeClr val="accent2"/>
+          </a:solidFill>
+          <a:ln>
+            <a:solidFill>
+              <a:schemeClr val="bg1"/>
+            </a:solidFill>
+          </a:ln>
+        </p:spPr>
+        <p:style>
+          <a:lnRef idx="2">
+            <a:schemeClr val="accent1">
+              <a:shade val="50000"/>
+            </a:schemeClr>
+          </a:lnRef>
+          <a:fillRef idx="1">
+            <a:schemeClr val="accent1"/>
+          </a:fillRef>
+          <a:effectRef idx="0">
+            <a:schemeClr val="accent1"/>
+          </a:effectRef>
+          <a:fontRef idx="minor">
+            <a:schemeClr val="lt1"/>
+          </a:fontRef>
+        </p:style>
+        <p:txBody>
+          <a:bodyPr rtlCol="0" anchor="ctr"/>
+          <a:lstStyle/>
+          <a:p>
+            <a:pPr algn="ctr"/>
+            <a:r>
+              <a:rPr lang="fr-FR" sz="5400" b="1" dirty="0"/>
+              <a:t>DPLL</a:t>
+            </a:r>
+          </a:p>
+        </p:txBody>
+      </p:sp>
+      <p:sp>
+        <p:nvSpPr>
           <p:cNvPr id="9" name="Rectangle 8">
             <a:extLst>
               <a:ext uri="{FF2B5EF4-FFF2-40B4-BE49-F238E27FC236}">
@@ -3001,11 +5151,21 @@
           <a:prstGeom prst="rect">
             <a:avLst/>
           </a:prstGeom>
-          <a:solidFill>
-            <a:schemeClr val="accent2">
-              <a:lumMod val="75000"/>
-            </a:schemeClr>
-          </a:solidFill>
+          <a:gradFill flip="none" rotWithShape="1">
+            <a:gsLst>
+              <a:gs pos="55000">
+                <a:schemeClr val="accent2"/>
+              </a:gs>
+              <a:gs pos="100000">
+                <a:schemeClr val="accent2">
+                  <a:lumMod val="68000"/>
+                  <a:lumOff val="32000"/>
+                </a:schemeClr>
+              </a:gs>
+            </a:gsLst>
+            <a:lin ang="5400000" scaled="1"/>
+            <a:tileRect/>
+          </a:gradFill>
           <a:ln>
             <a:noFill/>
           </a:ln>
@@ -3577,2177 +5737,6 @@
           </p:txBody>
         </p:sp>
       </p:grpSp>
-      <p:grpSp>
-        <p:nvGrpSpPr>
-          <p:cNvPr id="144" name="Groupe 143">
-            <a:extLst>
-              <a:ext uri="{FF2B5EF4-FFF2-40B4-BE49-F238E27FC236}">
-                <a16:creationId xmlns:a16="http://schemas.microsoft.com/office/drawing/2014/main" id="{EEE31569-2C55-C48D-EA00-9B49F67091BF}"/>
-              </a:ext>
-            </a:extLst>
-          </p:cNvPr>
-          <p:cNvGrpSpPr/>
-          <p:nvPr/>
-        </p:nvGrpSpPr>
-        <p:grpSpPr>
-          <a:xfrm>
-            <a:off x="15924731" y="9755054"/>
-            <a:ext cx="13935116" cy="8848590"/>
-            <a:chOff x="15479486" y="9722320"/>
-            <a:chExt cx="13935116" cy="8848590"/>
-          </a:xfrm>
-        </p:grpSpPr>
-        <p:sp>
-          <p:nvSpPr>
-            <p:cNvPr id="138" name="Rectangle : coins arrondis 137">
-              <a:extLst>
-                <a:ext uri="{FF2B5EF4-FFF2-40B4-BE49-F238E27FC236}">
-                  <a16:creationId xmlns:a16="http://schemas.microsoft.com/office/drawing/2014/main" id="{EDC0A39A-DA83-D0AF-A225-62CF07148418}"/>
-                </a:ext>
-              </a:extLst>
-            </p:cNvPr>
-            <p:cNvSpPr/>
-            <p:nvPr/>
-          </p:nvSpPr>
-          <p:spPr>
-            <a:xfrm>
-              <a:off x="15479486" y="10254344"/>
-              <a:ext cx="13935116" cy="8316566"/>
-            </a:xfrm>
-            <a:prstGeom prst="roundRect">
-              <a:avLst/>
-            </a:prstGeom>
-            <a:solidFill>
-              <a:schemeClr val="bg1">
-                <a:lumMod val="95000"/>
-              </a:schemeClr>
-            </a:solidFill>
-            <a:ln w="76200">
-              <a:solidFill>
-                <a:schemeClr val="bg1">
-                  <a:lumMod val="85000"/>
-                </a:schemeClr>
-              </a:solidFill>
-            </a:ln>
-          </p:spPr>
-          <p:style>
-            <a:lnRef idx="2">
-              <a:schemeClr val="accent1">
-                <a:shade val="50000"/>
-              </a:schemeClr>
-            </a:lnRef>
-            <a:fillRef idx="1">
-              <a:schemeClr val="accent1"/>
-            </a:fillRef>
-            <a:effectRef idx="0">
-              <a:schemeClr val="accent1"/>
-            </a:effectRef>
-            <a:fontRef idx="minor">
-              <a:schemeClr val="lt1"/>
-            </a:fontRef>
-          </p:style>
-          <p:txBody>
-            <a:bodyPr rtlCol="0" anchor="ctr"/>
-            <a:lstStyle/>
-            <a:p>
-              <a:pPr algn="ctr"/>
-              <a:endParaRPr lang="fr-FR"/>
-            </a:p>
-          </p:txBody>
-        </p:sp>
-        <p:grpSp>
-          <p:nvGrpSpPr>
-            <p:cNvPr id="78" name="Groupe 77">
-              <a:extLst>
-                <a:ext uri="{FF2B5EF4-FFF2-40B4-BE49-F238E27FC236}">
-                  <a16:creationId xmlns:a16="http://schemas.microsoft.com/office/drawing/2014/main" id="{011E94C8-0910-C953-C2A5-0079066A0596}"/>
-                </a:ext>
-              </a:extLst>
-            </p:cNvPr>
-            <p:cNvGrpSpPr/>
-            <p:nvPr/>
-          </p:nvGrpSpPr>
-          <p:grpSpPr>
-            <a:xfrm>
-              <a:off x="23078215" y="10908108"/>
-              <a:ext cx="6240658" cy="7001737"/>
-              <a:chOff x="21217620" y="10291292"/>
-              <a:chExt cx="7041086" cy="7772497"/>
-            </a:xfrm>
-          </p:grpSpPr>
-          <p:grpSp>
-            <p:nvGrpSpPr>
-              <p:cNvPr id="40" name="Groupe 39">
-                <a:extLst>
-                  <a:ext uri="{FF2B5EF4-FFF2-40B4-BE49-F238E27FC236}">
-                    <a16:creationId xmlns:a16="http://schemas.microsoft.com/office/drawing/2014/main" id="{D3651775-9A37-BC72-E8DC-D5A97288984B}"/>
-                  </a:ext>
-                </a:extLst>
-              </p:cNvPr>
-              <p:cNvGrpSpPr/>
-              <p:nvPr/>
-            </p:nvGrpSpPr>
-            <p:grpSpPr>
-              <a:xfrm>
-                <a:off x="23131987" y="10291292"/>
-                <a:ext cx="2088000" cy="2088000"/>
-                <a:chOff x="22590236" y="10326440"/>
-                <a:chExt cx="2088000" cy="2088000"/>
-              </a:xfrm>
-            </p:grpSpPr>
-            <p:sp>
-              <p:nvSpPr>
-                <p:cNvPr id="39" name="Ellipse 38">
-                  <a:extLst>
-                    <a:ext uri="{FF2B5EF4-FFF2-40B4-BE49-F238E27FC236}">
-                      <a16:creationId xmlns:a16="http://schemas.microsoft.com/office/drawing/2014/main" id="{3C4311C3-923D-024E-8982-4BFCDDAFD9F4}"/>
-                    </a:ext>
-                  </a:extLst>
-                </p:cNvPr>
-                <p:cNvSpPr/>
-                <p:nvPr/>
-              </p:nvSpPr>
-              <p:spPr>
-                <a:xfrm>
-                  <a:off x="22590236" y="10326440"/>
-                  <a:ext cx="2088000" cy="2088000"/>
-                </a:xfrm>
-                <a:prstGeom prst="ellipse">
-                  <a:avLst/>
-                </a:prstGeom>
-                <a:solidFill>
-                  <a:schemeClr val="bg1">
-                    <a:lumMod val="85000"/>
-                  </a:schemeClr>
-                </a:solidFill>
-                <a:ln>
-                  <a:solidFill>
-                    <a:schemeClr val="bg1"/>
-                  </a:solidFill>
-                </a:ln>
-              </p:spPr>
-              <p:style>
-                <a:lnRef idx="2">
-                  <a:schemeClr val="accent1">
-                    <a:shade val="50000"/>
-                  </a:schemeClr>
-                </a:lnRef>
-                <a:fillRef idx="1">
-                  <a:schemeClr val="accent1"/>
-                </a:fillRef>
-                <a:effectRef idx="0">
-                  <a:schemeClr val="accent1"/>
-                </a:effectRef>
-                <a:fontRef idx="minor">
-                  <a:schemeClr val="lt1"/>
-                </a:fontRef>
-              </p:style>
-              <p:txBody>
-                <a:bodyPr rtlCol="0" anchor="ctr"/>
-                <a:lstStyle/>
-                <a:p>
-                  <a:pPr algn="ctr"/>
-                  <a:endParaRPr lang="fr-FR"/>
-                </a:p>
-              </p:txBody>
-            </p:sp>
-            <p:sp>
-              <p:nvSpPr>
-                <p:cNvPr id="21" name="ZoneTexte 20">
-                  <a:extLst>
-                    <a:ext uri="{FF2B5EF4-FFF2-40B4-BE49-F238E27FC236}">
-                      <a16:creationId xmlns:a16="http://schemas.microsoft.com/office/drawing/2014/main" id="{DCBF578D-485E-3280-4C73-49C3759C26CA}"/>
-                    </a:ext>
-                  </a:extLst>
-                </p:cNvPr>
-                <p:cNvSpPr txBox="1"/>
-                <p:nvPr/>
-              </p:nvSpPr>
-              <p:spPr>
-                <a:xfrm>
-                  <a:off x="22957216" y="10554831"/>
-                  <a:ext cx="1641862" cy="1631216"/>
-                </a:xfrm>
-                <a:prstGeom prst="rect">
-                  <a:avLst/>
-                </a:prstGeom>
-                <a:noFill/>
-              </p:spPr>
-              <p:txBody>
-                <a:bodyPr wrap="square" rtlCol="0">
-                  <a:spAutoFit/>
-                </a:bodyPr>
-                <a:lstStyle/>
-                <a:p>
-                  <a:r>
-                    <a:rPr lang="fr-FR" dirty="0"/>
-                    <a:t>x</a:t>
-                  </a:r>
-                  <a:r>
-                    <a:rPr lang="fr-FR" baseline="-25000" dirty="0"/>
-                    <a:t>1 </a:t>
-                  </a:r>
-                  <a:r>
-                    <a:rPr lang="fr-FR" b="0" i="0" dirty="0">
-                      <a:solidFill>
-                        <a:srgbClr val="202124"/>
-                      </a:solidFill>
-                      <a:effectLst/>
-                    </a:rPr>
-                    <a:t>∨ x</a:t>
-                  </a:r>
-                  <a:r>
-                    <a:rPr lang="fr-FR" b="0" i="0" baseline="-25000" dirty="0">
-                      <a:solidFill>
-                        <a:srgbClr val="202124"/>
-                      </a:solidFill>
-                      <a:effectLst/>
-                    </a:rPr>
-                    <a:t>2 </a:t>
-                  </a:r>
-                  <a:r>
-                    <a:rPr lang="fr-FR" b="0" i="0" dirty="0">
-                      <a:solidFill>
-                        <a:srgbClr val="202124"/>
-                      </a:solidFill>
-                      <a:effectLst/>
-                    </a:rPr>
-                    <a:t>∨ </a:t>
-                  </a:r>
-                  <a:r>
-                    <a:rPr lang="fr-FR" dirty="0"/>
-                    <a:t>¬x</a:t>
-                  </a:r>
-                  <a:r>
-                    <a:rPr lang="fr-FR" baseline="-25000" dirty="0"/>
-                    <a:t>3</a:t>
-                  </a:r>
-                </a:p>
-                <a:p>
-                  <a:r>
-                    <a:rPr lang="fr-FR" dirty="0"/>
-                    <a:t>¬x</a:t>
-                  </a:r>
-                  <a:r>
-                    <a:rPr lang="fr-FR" baseline="-25000" dirty="0"/>
-                    <a:t>1 </a:t>
-                  </a:r>
-                  <a:r>
-                    <a:rPr lang="fr-FR" b="0" i="0" dirty="0">
-                      <a:solidFill>
-                        <a:srgbClr val="202124"/>
-                      </a:solidFill>
-                      <a:effectLst/>
-                    </a:rPr>
-                    <a:t>∨ x</a:t>
-                  </a:r>
-                  <a:r>
-                    <a:rPr lang="fr-FR" b="0" i="0" baseline="-25000" dirty="0">
-                      <a:solidFill>
-                        <a:srgbClr val="202124"/>
-                      </a:solidFill>
-                      <a:effectLst/>
-                    </a:rPr>
-                    <a:t>2 </a:t>
-                  </a:r>
-                  <a:r>
-                    <a:rPr lang="fr-FR" b="0" i="0" dirty="0">
-                      <a:solidFill>
-                        <a:srgbClr val="202124"/>
-                      </a:solidFill>
-                      <a:effectLst/>
-                    </a:rPr>
-                    <a:t>∨ x</a:t>
-                  </a:r>
-                  <a:r>
-                    <a:rPr lang="fr-FR" b="0" i="0" baseline="-25000" dirty="0">
-                      <a:solidFill>
-                        <a:srgbClr val="202124"/>
-                      </a:solidFill>
-                      <a:effectLst/>
-                    </a:rPr>
-                    <a:t>3</a:t>
-                  </a:r>
-                  <a:endParaRPr lang="fr-FR" baseline="-25000" dirty="0">
-                    <a:solidFill>
-                      <a:srgbClr val="202124"/>
-                    </a:solidFill>
-                  </a:endParaRPr>
-                </a:p>
-                <a:p>
-                  <a:r>
-                    <a:rPr lang="fr-FR" dirty="0"/>
-                    <a:t>¬x</a:t>
-                  </a:r>
-                  <a:r>
-                    <a:rPr lang="fr-FR" baseline="-25000" dirty="0"/>
-                    <a:t>2</a:t>
-                  </a:r>
-                </a:p>
-                <a:p>
-                  <a:r>
-                    <a:rPr lang="fr-FR" dirty="0"/>
-                    <a:t>x</a:t>
-                  </a:r>
-                  <a:r>
-                    <a:rPr lang="fr-FR" baseline="-25000" dirty="0"/>
-                    <a:t>2 </a:t>
-                  </a:r>
-                  <a:r>
-                    <a:rPr lang="fr-FR" b="0" i="0" dirty="0">
-                      <a:solidFill>
-                        <a:srgbClr val="202124"/>
-                      </a:solidFill>
-                      <a:effectLst/>
-                    </a:rPr>
-                    <a:t>∨ x</a:t>
-                  </a:r>
-                  <a:r>
-                    <a:rPr lang="fr-FR" b="0" i="0" baseline="-25000" dirty="0">
-                      <a:solidFill>
-                        <a:srgbClr val="202124"/>
-                      </a:solidFill>
-                      <a:effectLst/>
-                    </a:rPr>
-                    <a:t>3</a:t>
-                  </a:r>
-                  <a:endParaRPr lang="fr-FR" baseline="-25000" dirty="0">
-                    <a:solidFill>
-                      <a:srgbClr val="202124"/>
-                    </a:solidFill>
-                  </a:endParaRPr>
-                </a:p>
-                <a:p>
-                  <a:r>
-                    <a:rPr lang="fr-FR" b="0" i="0" dirty="0">
-                      <a:solidFill>
-                        <a:srgbClr val="202124"/>
-                      </a:solidFill>
-                      <a:effectLst/>
-                    </a:rPr>
-                    <a:t>x</a:t>
-                  </a:r>
-                  <a:r>
-                    <a:rPr lang="fr-FR" b="0" i="0" baseline="-25000" dirty="0">
-                      <a:solidFill>
-                        <a:srgbClr val="202124"/>
-                      </a:solidFill>
-                      <a:effectLst/>
-                    </a:rPr>
-                    <a:t>1</a:t>
-                  </a:r>
-                  <a:r>
-                    <a:rPr lang="fr-FR" b="0" i="0" dirty="0">
-                      <a:solidFill>
-                        <a:srgbClr val="202124"/>
-                      </a:solidFill>
-                      <a:effectLst/>
-                    </a:rPr>
-                    <a:t>∨</a:t>
-                  </a:r>
-                  <a:r>
-                    <a:rPr lang="fr-FR" dirty="0"/>
-                    <a:t> ¬x</a:t>
-                  </a:r>
-                  <a:r>
-                    <a:rPr lang="fr-FR" baseline="-25000" dirty="0"/>
-                    <a:t>2</a:t>
-                  </a:r>
-                  <a:endParaRPr lang="fr-FR" dirty="0"/>
-                </a:p>
-              </p:txBody>
-            </p:sp>
-          </p:grpSp>
-          <p:grpSp>
-            <p:nvGrpSpPr>
-              <p:cNvPr id="38" name="Groupe 37">
-                <a:extLst>
-                  <a:ext uri="{FF2B5EF4-FFF2-40B4-BE49-F238E27FC236}">
-                    <a16:creationId xmlns:a16="http://schemas.microsoft.com/office/drawing/2014/main" id="{F0AAD089-48DC-B513-EDE9-0D0CAD757D31}"/>
-                  </a:ext>
-                </a:extLst>
-              </p:cNvPr>
-              <p:cNvGrpSpPr/>
-              <p:nvPr/>
-            </p:nvGrpSpPr>
-            <p:grpSpPr>
-              <a:xfrm>
-                <a:off x="21959898" y="13261078"/>
-                <a:ext cx="1301548" cy="1301549"/>
-                <a:chOff x="20184043" y="13294680"/>
-                <a:chExt cx="1511999" cy="1512000"/>
-              </a:xfrm>
-            </p:grpSpPr>
-            <p:sp>
-              <p:nvSpPr>
-                <p:cNvPr id="35" name="Ellipse 34">
-                  <a:extLst>
-                    <a:ext uri="{FF2B5EF4-FFF2-40B4-BE49-F238E27FC236}">
-                      <a16:creationId xmlns:a16="http://schemas.microsoft.com/office/drawing/2014/main" id="{52D74731-949C-FBF9-EB83-9FE5EF803A69}"/>
-                    </a:ext>
-                  </a:extLst>
-                </p:cNvPr>
-                <p:cNvSpPr/>
-                <p:nvPr/>
-              </p:nvSpPr>
-              <p:spPr>
-                <a:xfrm>
-                  <a:off x="20184043" y="13294680"/>
-                  <a:ext cx="1511999" cy="1512000"/>
-                </a:xfrm>
-                <a:prstGeom prst="ellipse">
-                  <a:avLst/>
-                </a:prstGeom>
-                <a:solidFill>
-                  <a:schemeClr val="bg1">
-                    <a:lumMod val="85000"/>
-                  </a:schemeClr>
-                </a:solidFill>
-                <a:ln>
-                  <a:solidFill>
-                    <a:schemeClr val="bg1"/>
-                  </a:solidFill>
-                </a:ln>
-              </p:spPr>
-              <p:style>
-                <a:lnRef idx="2">
-                  <a:schemeClr val="accent1">
-                    <a:shade val="50000"/>
-                  </a:schemeClr>
-                </a:lnRef>
-                <a:fillRef idx="1">
-                  <a:schemeClr val="accent1"/>
-                </a:fillRef>
-                <a:effectRef idx="0">
-                  <a:schemeClr val="accent1"/>
-                </a:effectRef>
-                <a:fontRef idx="minor">
-                  <a:schemeClr val="lt1"/>
-                </a:fontRef>
-              </p:style>
-              <p:txBody>
-                <a:bodyPr rtlCol="0" anchor="ctr"/>
-                <a:lstStyle/>
-                <a:p>
-                  <a:pPr algn="ctr"/>
-                  <a:endParaRPr lang="fr-FR"/>
-                </a:p>
-              </p:txBody>
-            </p:sp>
-            <p:sp>
-              <p:nvSpPr>
-                <p:cNvPr id="28" name="ZoneTexte 27">
-                  <a:extLst>
-                    <a:ext uri="{FF2B5EF4-FFF2-40B4-BE49-F238E27FC236}">
-                      <a16:creationId xmlns:a16="http://schemas.microsoft.com/office/drawing/2014/main" id="{33D566D4-0F2C-A4C7-8856-6962D2EFECBE}"/>
-                    </a:ext>
-                  </a:extLst>
-                </p:cNvPr>
-                <p:cNvSpPr txBox="1"/>
-                <p:nvPr/>
-              </p:nvSpPr>
-              <p:spPr>
-                <a:xfrm>
-                  <a:off x="20450628" y="13534797"/>
-                  <a:ext cx="1245413" cy="833491"/>
-                </a:xfrm>
-                <a:prstGeom prst="rect">
-                  <a:avLst/>
-                </a:prstGeom>
-                <a:noFill/>
-              </p:spPr>
-              <p:txBody>
-                <a:bodyPr wrap="square" rtlCol="0">
-                  <a:spAutoFit/>
-                </a:bodyPr>
-                <a:lstStyle/>
-                <a:p>
-                  <a:r>
-                    <a:rPr lang="fr-FR" dirty="0"/>
-                    <a:t>¬x</a:t>
-                  </a:r>
-                  <a:r>
-                    <a:rPr lang="fr-FR" baseline="-25000" dirty="0"/>
-                    <a:t>2</a:t>
-                  </a:r>
-                </a:p>
-                <a:p>
-                  <a:r>
-                    <a:rPr lang="fr-FR" dirty="0"/>
-                    <a:t>x</a:t>
-                  </a:r>
-                  <a:r>
-                    <a:rPr lang="fr-FR" baseline="-25000" dirty="0"/>
-                    <a:t>2 </a:t>
-                  </a:r>
-                  <a:r>
-                    <a:rPr lang="fr-FR" b="0" i="0" dirty="0">
-                      <a:solidFill>
-                        <a:srgbClr val="202124"/>
-                      </a:solidFill>
-                      <a:effectLst/>
-                    </a:rPr>
-                    <a:t>∨ x</a:t>
-                  </a:r>
-                  <a:r>
-                    <a:rPr lang="fr-FR" b="0" i="0" baseline="-25000" dirty="0">
-                      <a:solidFill>
-                        <a:srgbClr val="202124"/>
-                      </a:solidFill>
-                      <a:effectLst/>
-                    </a:rPr>
-                    <a:t>3</a:t>
-                  </a:r>
-                  <a:endParaRPr lang="fr-FR" baseline="-25000" dirty="0">
-                    <a:solidFill>
-                      <a:srgbClr val="202124"/>
-                    </a:solidFill>
-                  </a:endParaRPr>
-                </a:p>
-              </p:txBody>
-            </p:sp>
-          </p:grpSp>
-          <p:grpSp>
-            <p:nvGrpSpPr>
-              <p:cNvPr id="37" name="Groupe 36">
-                <a:extLst>
-                  <a:ext uri="{FF2B5EF4-FFF2-40B4-BE49-F238E27FC236}">
-                    <a16:creationId xmlns:a16="http://schemas.microsoft.com/office/drawing/2014/main" id="{AA083879-82C0-71B8-7477-D714FEB5A20C}"/>
-                  </a:ext>
-                </a:extLst>
-              </p:cNvPr>
-              <p:cNvGrpSpPr/>
-              <p:nvPr/>
-            </p:nvGrpSpPr>
-            <p:grpSpPr>
-              <a:xfrm>
-                <a:off x="24883436" y="13305789"/>
-                <a:ext cx="1746413" cy="1512000"/>
-                <a:chOff x="24723449" y="13298501"/>
-                <a:chExt cx="1746413" cy="1512000"/>
-              </a:xfrm>
-            </p:grpSpPr>
-            <p:sp>
-              <p:nvSpPr>
-                <p:cNvPr id="36" name="Ellipse 35">
-                  <a:extLst>
-                    <a:ext uri="{FF2B5EF4-FFF2-40B4-BE49-F238E27FC236}">
-                      <a16:creationId xmlns:a16="http://schemas.microsoft.com/office/drawing/2014/main" id="{967836DE-4C7C-F78E-DF68-2C2E9DFE63F5}"/>
-                    </a:ext>
-                  </a:extLst>
-                </p:cNvPr>
-                <p:cNvSpPr/>
-                <p:nvPr/>
-              </p:nvSpPr>
-              <p:spPr>
-                <a:xfrm>
-                  <a:off x="24723449" y="13298501"/>
-                  <a:ext cx="1512000" cy="1512000"/>
-                </a:xfrm>
-                <a:prstGeom prst="ellipse">
-                  <a:avLst/>
-                </a:prstGeom>
-                <a:solidFill>
-                  <a:schemeClr val="bg1">
-                    <a:lumMod val="85000"/>
-                  </a:schemeClr>
-                </a:solidFill>
-                <a:ln>
-                  <a:solidFill>
-                    <a:schemeClr val="bg1"/>
-                  </a:solidFill>
-                </a:ln>
-              </p:spPr>
-              <p:style>
-                <a:lnRef idx="2">
-                  <a:schemeClr val="accent1">
-                    <a:shade val="50000"/>
-                  </a:schemeClr>
-                </a:lnRef>
-                <a:fillRef idx="1">
-                  <a:schemeClr val="accent1"/>
-                </a:fillRef>
-                <a:effectRef idx="0">
-                  <a:schemeClr val="accent1"/>
-                </a:effectRef>
-                <a:fontRef idx="minor">
-                  <a:schemeClr val="lt1"/>
-                </a:fontRef>
-              </p:style>
-              <p:txBody>
-                <a:bodyPr rtlCol="0" anchor="ctr"/>
-                <a:lstStyle/>
-                <a:p>
-                  <a:pPr algn="ctr"/>
-                  <a:endParaRPr lang="fr-FR"/>
-                </a:p>
-              </p:txBody>
-            </p:sp>
-            <p:sp>
-              <p:nvSpPr>
-                <p:cNvPr id="34" name="ZoneTexte 33">
-                  <a:extLst>
-                    <a:ext uri="{FF2B5EF4-FFF2-40B4-BE49-F238E27FC236}">
-                      <a16:creationId xmlns:a16="http://schemas.microsoft.com/office/drawing/2014/main" id="{BDCFC3E6-FE9F-1F3F-FFD4-3874EC2BEB3B}"/>
-                    </a:ext>
-                  </a:extLst>
-                </p:cNvPr>
-                <p:cNvSpPr txBox="1"/>
-                <p:nvPr/>
-              </p:nvSpPr>
-              <p:spPr>
-                <a:xfrm>
-                  <a:off x="25060000" y="13409771"/>
-                  <a:ext cx="1409862" cy="1332463"/>
-                </a:xfrm>
-                <a:prstGeom prst="rect">
-                  <a:avLst/>
-                </a:prstGeom>
-                <a:noFill/>
-              </p:spPr>
-              <p:txBody>
-                <a:bodyPr wrap="square" rtlCol="0">
-                  <a:spAutoFit/>
-                </a:bodyPr>
-                <a:lstStyle/>
-                <a:p>
-                  <a:r>
-                    <a:rPr lang="fr-FR" b="0" i="0" dirty="0">
-                      <a:solidFill>
-                        <a:srgbClr val="202124"/>
-                      </a:solidFill>
-                      <a:effectLst/>
-                    </a:rPr>
-                    <a:t>x</a:t>
-                  </a:r>
-                  <a:r>
-                    <a:rPr lang="fr-FR" b="0" i="0" baseline="-25000" dirty="0">
-                      <a:solidFill>
-                        <a:srgbClr val="202124"/>
-                      </a:solidFill>
-                      <a:effectLst/>
-                    </a:rPr>
-                    <a:t>2 </a:t>
-                  </a:r>
-                  <a:r>
-                    <a:rPr lang="fr-FR" b="0" i="0" dirty="0">
-                      <a:solidFill>
-                        <a:srgbClr val="202124"/>
-                      </a:solidFill>
-                      <a:effectLst/>
-                    </a:rPr>
-                    <a:t>∨ </a:t>
-                  </a:r>
-                  <a:r>
-                    <a:rPr lang="fr-FR" dirty="0"/>
-                    <a:t>¬x</a:t>
-                  </a:r>
-                  <a:r>
-                    <a:rPr lang="fr-FR" baseline="-25000" dirty="0"/>
-                    <a:t>3</a:t>
-                  </a:r>
-                </a:p>
-                <a:p>
-                  <a:r>
-                    <a:rPr lang="fr-FR" dirty="0"/>
-                    <a:t>¬x</a:t>
-                  </a:r>
-                  <a:r>
-                    <a:rPr lang="fr-FR" baseline="-25000" dirty="0"/>
-                    <a:t>2</a:t>
-                  </a:r>
-                </a:p>
-                <a:p>
-                  <a:r>
-                    <a:rPr lang="fr-FR" dirty="0"/>
-                    <a:t>x</a:t>
-                  </a:r>
-                  <a:r>
-                    <a:rPr lang="fr-FR" baseline="-25000" dirty="0"/>
-                    <a:t>2 </a:t>
-                  </a:r>
-                  <a:r>
-                    <a:rPr lang="fr-FR" b="0" i="0" dirty="0">
-                      <a:solidFill>
-                        <a:srgbClr val="202124"/>
-                      </a:solidFill>
-                      <a:effectLst/>
-                    </a:rPr>
-                    <a:t>∨ x</a:t>
-                  </a:r>
-                  <a:r>
-                    <a:rPr lang="fr-FR" b="0" i="0" baseline="-25000" dirty="0">
-                      <a:solidFill>
-                        <a:srgbClr val="202124"/>
-                      </a:solidFill>
-                      <a:effectLst/>
-                    </a:rPr>
-                    <a:t>3</a:t>
-                  </a:r>
-                  <a:endParaRPr lang="fr-FR" baseline="-25000" dirty="0">
-                    <a:solidFill>
-                      <a:srgbClr val="202124"/>
-                    </a:solidFill>
-                  </a:endParaRPr>
-                </a:p>
-                <a:p>
-                  <a:r>
-                    <a:rPr lang="fr-FR" dirty="0"/>
-                    <a:t>¬x</a:t>
-                  </a:r>
-                  <a:r>
-                    <a:rPr lang="fr-FR" baseline="-25000" dirty="0"/>
-                    <a:t>2</a:t>
-                  </a:r>
-                  <a:endParaRPr lang="fr-FR" dirty="0"/>
-                </a:p>
-              </p:txBody>
-            </p:sp>
-          </p:grpSp>
-          <p:cxnSp>
-            <p:nvCxnSpPr>
-              <p:cNvPr id="42" name="Connecteur droit avec flèche 41">
-                <a:extLst>
-                  <a:ext uri="{FF2B5EF4-FFF2-40B4-BE49-F238E27FC236}">
-                    <a16:creationId xmlns:a16="http://schemas.microsoft.com/office/drawing/2014/main" id="{53C1A93F-2A98-F156-D383-2E53683638CD}"/>
-                  </a:ext>
-                </a:extLst>
-              </p:cNvPr>
-              <p:cNvCxnSpPr/>
-              <p:nvPr/>
-            </p:nvCxnSpPr>
-            <p:spPr>
-              <a:xfrm flipH="1">
-                <a:off x="22893914" y="12259356"/>
-                <a:ext cx="740321" cy="1046433"/>
-              </a:xfrm>
-              <a:prstGeom prst="straightConnector1">
-                <a:avLst/>
-              </a:prstGeom>
-              <a:ln w="63500">
-                <a:solidFill>
-                  <a:schemeClr val="accent2"/>
-                </a:solidFill>
-                <a:tailEnd type="triangle"/>
-              </a:ln>
-            </p:spPr>
-            <p:style>
-              <a:lnRef idx="1">
-                <a:schemeClr val="accent1"/>
-              </a:lnRef>
-              <a:fillRef idx="0">
-                <a:schemeClr val="accent1"/>
-              </a:fillRef>
-              <a:effectRef idx="0">
-                <a:schemeClr val="accent1"/>
-              </a:effectRef>
-              <a:fontRef idx="minor">
-                <a:schemeClr val="tx1"/>
-              </a:fontRef>
-            </p:style>
-          </p:cxnSp>
-          <p:cxnSp>
-            <p:nvCxnSpPr>
-              <p:cNvPr id="43" name="Connecteur droit avec flèche 42">
-                <a:extLst>
-                  <a:ext uri="{FF2B5EF4-FFF2-40B4-BE49-F238E27FC236}">
-                    <a16:creationId xmlns:a16="http://schemas.microsoft.com/office/drawing/2014/main" id="{D808FA01-60E3-574B-32AF-3290605333CF}"/>
-                  </a:ext>
-                </a:extLst>
-              </p:cNvPr>
-              <p:cNvCxnSpPr>
-                <a:cxnSpLocks/>
-              </p:cNvCxnSpPr>
-              <p:nvPr/>
-            </p:nvCxnSpPr>
-            <p:spPr>
-              <a:xfrm>
-                <a:off x="24649025" y="12319324"/>
-                <a:ext cx="620251" cy="986464"/>
-              </a:xfrm>
-              <a:prstGeom prst="straightConnector1">
-                <a:avLst/>
-              </a:prstGeom>
-              <a:ln w="63500">
-                <a:solidFill>
-                  <a:schemeClr val="accent2"/>
-                </a:solidFill>
-                <a:tailEnd type="triangle"/>
-              </a:ln>
-            </p:spPr>
-            <p:style>
-              <a:lnRef idx="1">
-                <a:schemeClr val="accent1"/>
-              </a:lnRef>
-              <a:fillRef idx="0">
-                <a:schemeClr val="accent1"/>
-              </a:fillRef>
-              <a:effectRef idx="0">
-                <a:schemeClr val="accent1"/>
-              </a:effectRef>
-              <a:fontRef idx="minor">
-                <a:schemeClr val="tx1"/>
-              </a:fontRef>
-            </p:style>
-          </p:cxnSp>
-          <p:sp>
-            <p:nvSpPr>
-              <p:cNvPr id="45" name="ZoneTexte 44">
-                <a:extLst>
-                  <a:ext uri="{FF2B5EF4-FFF2-40B4-BE49-F238E27FC236}">
-                    <a16:creationId xmlns:a16="http://schemas.microsoft.com/office/drawing/2014/main" id="{440ABF33-7A8D-562A-C572-2BD17F4297AE}"/>
-                  </a:ext>
-                </a:extLst>
-              </p:cNvPr>
-              <p:cNvSpPr txBox="1"/>
-              <p:nvPr/>
-            </p:nvSpPr>
-            <p:spPr>
-              <a:xfrm>
-                <a:off x="24883436" y="12198557"/>
-                <a:ext cx="981487" cy="369332"/>
-              </a:xfrm>
-              <a:prstGeom prst="rect">
-                <a:avLst/>
-              </a:prstGeom>
-              <a:noFill/>
-            </p:spPr>
-            <p:txBody>
-              <a:bodyPr wrap="none" rtlCol="0">
-                <a:spAutoFit/>
-              </a:bodyPr>
-              <a:lstStyle/>
-              <a:p>
-                <a:r>
-                  <a:rPr lang="fr-FR" b="1" dirty="0"/>
-                  <a:t>X</a:t>
-                </a:r>
-                <a:r>
-                  <a:rPr lang="fr-FR" b="1" baseline="-25000" dirty="0"/>
-                  <a:t>1</a:t>
-                </a:r>
-                <a:r>
-                  <a:rPr lang="fr-FR" b="1" dirty="0"/>
-                  <a:t>=False</a:t>
-                </a:r>
-              </a:p>
-            </p:txBody>
-          </p:sp>
-          <p:sp>
-            <p:nvSpPr>
-              <p:cNvPr id="46" name="ZoneTexte 45">
-                <a:extLst>
-                  <a:ext uri="{FF2B5EF4-FFF2-40B4-BE49-F238E27FC236}">
-                    <a16:creationId xmlns:a16="http://schemas.microsoft.com/office/drawing/2014/main" id="{511A4E32-FAD0-B84E-110F-D0140D3E7530}"/>
-                  </a:ext>
-                </a:extLst>
-              </p:cNvPr>
-              <p:cNvSpPr txBox="1"/>
-              <p:nvPr/>
-            </p:nvSpPr>
-            <p:spPr>
-              <a:xfrm>
-                <a:off x="22473819" y="12175751"/>
-                <a:ext cx="927818" cy="369332"/>
-              </a:xfrm>
-              <a:prstGeom prst="rect">
-                <a:avLst/>
-              </a:prstGeom>
-              <a:noFill/>
-            </p:spPr>
-            <p:txBody>
-              <a:bodyPr wrap="none" rtlCol="0">
-                <a:spAutoFit/>
-              </a:bodyPr>
-              <a:lstStyle/>
-              <a:p>
-                <a:r>
-                  <a:rPr lang="fr-FR" b="1" dirty="0"/>
-                  <a:t>X</a:t>
-                </a:r>
-                <a:r>
-                  <a:rPr lang="fr-FR" b="1" baseline="-25000" dirty="0"/>
-                  <a:t>1</a:t>
-                </a:r>
-                <a:r>
-                  <a:rPr lang="fr-FR" b="1" dirty="0"/>
-                  <a:t>=</a:t>
-                </a:r>
-                <a:r>
-                  <a:rPr lang="fr-FR" b="1" dirty="0" err="1"/>
-                  <a:t>True</a:t>
-                </a:r>
-                <a:endParaRPr lang="fr-FR" b="1" dirty="0"/>
-              </a:p>
-            </p:txBody>
-          </p:sp>
-          <p:cxnSp>
-            <p:nvCxnSpPr>
-              <p:cNvPr id="47" name="Connecteur droit avec flèche 46">
-                <a:extLst>
-                  <a:ext uri="{FF2B5EF4-FFF2-40B4-BE49-F238E27FC236}">
-                    <a16:creationId xmlns:a16="http://schemas.microsoft.com/office/drawing/2014/main" id="{B9906A2E-09A7-F9C2-A601-9B2EE45568DC}"/>
-                  </a:ext>
-                </a:extLst>
-              </p:cNvPr>
-              <p:cNvCxnSpPr/>
-              <p:nvPr/>
-            </p:nvCxnSpPr>
-            <p:spPr>
-              <a:xfrm flipH="1">
-                <a:off x="21600541" y="14528340"/>
-                <a:ext cx="740322" cy="1046433"/>
-              </a:xfrm>
-              <a:prstGeom prst="straightConnector1">
-                <a:avLst/>
-              </a:prstGeom>
-              <a:ln w="63500">
-                <a:solidFill>
-                  <a:schemeClr val="accent2"/>
-                </a:solidFill>
-                <a:tailEnd type="triangle"/>
-              </a:ln>
-            </p:spPr>
-            <p:style>
-              <a:lnRef idx="1">
-                <a:schemeClr val="accent1"/>
-              </a:lnRef>
-              <a:fillRef idx="0">
-                <a:schemeClr val="accent1"/>
-              </a:fillRef>
-              <a:effectRef idx="0">
-                <a:schemeClr val="accent1"/>
-              </a:effectRef>
-              <a:fontRef idx="minor">
-                <a:schemeClr val="tx1"/>
-              </a:fontRef>
-            </p:style>
-          </p:cxnSp>
-          <p:sp>
-            <p:nvSpPr>
-              <p:cNvPr id="48" name="ZoneTexte 47">
-                <a:extLst>
-                  <a:ext uri="{FF2B5EF4-FFF2-40B4-BE49-F238E27FC236}">
-                    <a16:creationId xmlns:a16="http://schemas.microsoft.com/office/drawing/2014/main" id="{9783F8BD-C5C4-E96A-6CF9-8D5DDF060B86}"/>
-                  </a:ext>
-                </a:extLst>
-              </p:cNvPr>
-              <p:cNvSpPr txBox="1"/>
-              <p:nvPr/>
-            </p:nvSpPr>
-            <p:spPr>
-              <a:xfrm>
-                <a:off x="21217620" y="14428894"/>
-                <a:ext cx="927818" cy="369332"/>
-              </a:xfrm>
-              <a:prstGeom prst="rect">
-                <a:avLst/>
-              </a:prstGeom>
-              <a:noFill/>
-            </p:spPr>
-            <p:txBody>
-              <a:bodyPr wrap="none" rtlCol="0">
-                <a:spAutoFit/>
-              </a:bodyPr>
-              <a:lstStyle/>
-              <a:p>
-                <a:r>
-                  <a:rPr lang="fr-FR" b="1" dirty="0"/>
-                  <a:t>X</a:t>
-                </a:r>
-                <a:r>
-                  <a:rPr lang="fr-FR" b="1" baseline="-25000" dirty="0"/>
-                  <a:t>2</a:t>
-                </a:r>
-                <a:r>
-                  <a:rPr lang="fr-FR" b="1" dirty="0"/>
-                  <a:t>=</a:t>
-                </a:r>
-                <a:r>
-                  <a:rPr lang="fr-FR" b="1" dirty="0" err="1"/>
-                  <a:t>True</a:t>
-                </a:r>
-                <a:endParaRPr lang="fr-FR" b="1" dirty="0"/>
-              </a:p>
-            </p:txBody>
-          </p:sp>
-          <p:sp>
-            <p:nvSpPr>
-              <p:cNvPr id="49" name="ZoneTexte 48">
-                <a:extLst>
-                  <a:ext uri="{FF2B5EF4-FFF2-40B4-BE49-F238E27FC236}">
-                    <a16:creationId xmlns:a16="http://schemas.microsoft.com/office/drawing/2014/main" id="{85AF2A64-D635-09B5-52E0-D4445F312DFF}"/>
-                  </a:ext>
-                </a:extLst>
-              </p:cNvPr>
-              <p:cNvSpPr txBox="1"/>
-              <p:nvPr/>
-            </p:nvSpPr>
-            <p:spPr>
-              <a:xfrm>
-                <a:off x="21225349" y="15524923"/>
-                <a:ext cx="726545" cy="369332"/>
-              </a:xfrm>
-              <a:prstGeom prst="rect">
-                <a:avLst/>
-              </a:prstGeom>
-              <a:noFill/>
-            </p:spPr>
-            <p:txBody>
-              <a:bodyPr wrap="none" rtlCol="0">
-                <a:spAutoFit/>
-              </a:bodyPr>
-              <a:lstStyle/>
-              <a:p>
-                <a:r>
-                  <a:rPr lang="fr-FR" b="1" dirty="0">
-                    <a:solidFill>
-                      <a:srgbClr val="FF0000"/>
-                    </a:solidFill>
-                  </a:rPr>
-                  <a:t>Echec</a:t>
-                </a:r>
-              </a:p>
-            </p:txBody>
-          </p:sp>
-          <p:cxnSp>
-            <p:nvCxnSpPr>
-              <p:cNvPr id="50" name="Connecteur droit avec flèche 49">
-                <a:extLst>
-                  <a:ext uri="{FF2B5EF4-FFF2-40B4-BE49-F238E27FC236}">
-                    <a16:creationId xmlns:a16="http://schemas.microsoft.com/office/drawing/2014/main" id="{08CD9EFD-9A59-05CC-3B6D-A8F2FA6CAB8E}"/>
-                  </a:ext>
-                </a:extLst>
-              </p:cNvPr>
-              <p:cNvCxnSpPr>
-                <a:cxnSpLocks/>
-              </p:cNvCxnSpPr>
-              <p:nvPr/>
-            </p:nvCxnSpPr>
-            <p:spPr>
-              <a:xfrm>
-                <a:off x="22793572" y="14504132"/>
-                <a:ext cx="620251" cy="986464"/>
-              </a:xfrm>
-              <a:prstGeom prst="straightConnector1">
-                <a:avLst/>
-              </a:prstGeom>
-              <a:ln w="63500">
-                <a:solidFill>
-                  <a:schemeClr val="accent2"/>
-                </a:solidFill>
-                <a:tailEnd type="triangle"/>
-              </a:ln>
-            </p:spPr>
-            <p:style>
-              <a:lnRef idx="1">
-                <a:schemeClr val="accent1"/>
-              </a:lnRef>
-              <a:fillRef idx="0">
-                <a:schemeClr val="accent1"/>
-              </a:fillRef>
-              <a:effectRef idx="0">
-                <a:schemeClr val="accent1"/>
-              </a:effectRef>
-              <a:fontRef idx="minor">
-                <a:schemeClr val="tx1"/>
-              </a:fontRef>
-            </p:style>
-          </p:cxnSp>
-          <p:sp>
-            <p:nvSpPr>
-              <p:cNvPr id="51" name="ZoneTexte 50">
-                <a:extLst>
-                  <a:ext uri="{FF2B5EF4-FFF2-40B4-BE49-F238E27FC236}">
-                    <a16:creationId xmlns:a16="http://schemas.microsoft.com/office/drawing/2014/main" id="{B5E5A040-4FE9-14F4-6635-8AE03BF4F92B}"/>
-                  </a:ext>
-                </a:extLst>
-              </p:cNvPr>
-              <p:cNvSpPr txBox="1"/>
-              <p:nvPr/>
-            </p:nvSpPr>
-            <p:spPr>
-              <a:xfrm>
-                <a:off x="22985441" y="14428894"/>
-                <a:ext cx="981487" cy="369332"/>
-              </a:xfrm>
-              <a:prstGeom prst="rect">
-                <a:avLst/>
-              </a:prstGeom>
-              <a:noFill/>
-            </p:spPr>
-            <p:txBody>
-              <a:bodyPr wrap="none" rtlCol="0">
-                <a:spAutoFit/>
-              </a:bodyPr>
-              <a:lstStyle/>
-              <a:p>
-                <a:r>
-                  <a:rPr lang="fr-FR" b="1" dirty="0"/>
-                  <a:t>X</a:t>
-                </a:r>
-                <a:r>
-                  <a:rPr lang="fr-FR" b="1" baseline="-25000" dirty="0"/>
-                  <a:t>2</a:t>
-                </a:r>
-                <a:r>
-                  <a:rPr lang="fr-FR" b="1" dirty="0"/>
-                  <a:t>=False</a:t>
-                </a:r>
-              </a:p>
-            </p:txBody>
-          </p:sp>
-          <p:grpSp>
-            <p:nvGrpSpPr>
-              <p:cNvPr id="52" name="Groupe 51">
-                <a:extLst>
-                  <a:ext uri="{FF2B5EF4-FFF2-40B4-BE49-F238E27FC236}">
-                    <a16:creationId xmlns:a16="http://schemas.microsoft.com/office/drawing/2014/main" id="{ADB8C52B-47FB-A4F4-6AD4-AA4BECE526C2}"/>
-                  </a:ext>
-                </a:extLst>
-              </p:cNvPr>
-              <p:cNvGrpSpPr/>
-              <p:nvPr/>
-            </p:nvGrpSpPr>
-            <p:grpSpPr>
-              <a:xfrm>
-                <a:off x="22974235" y="15524923"/>
-                <a:ext cx="984595" cy="984595"/>
-                <a:chOff x="19980923" y="13298501"/>
-                <a:chExt cx="984595" cy="984595"/>
-              </a:xfrm>
-            </p:grpSpPr>
-            <p:sp>
-              <p:nvSpPr>
-                <p:cNvPr id="53" name="Ellipse 52">
-                  <a:extLst>
-                    <a:ext uri="{FF2B5EF4-FFF2-40B4-BE49-F238E27FC236}">
-                      <a16:creationId xmlns:a16="http://schemas.microsoft.com/office/drawing/2014/main" id="{B8326BD5-743F-1DEB-9E27-6D5E0325EAC9}"/>
-                    </a:ext>
-                  </a:extLst>
-                </p:cNvPr>
-                <p:cNvSpPr/>
-                <p:nvPr/>
-              </p:nvSpPr>
-              <p:spPr>
-                <a:xfrm>
-                  <a:off x="19980923" y="13298501"/>
-                  <a:ext cx="984595" cy="984595"/>
-                </a:xfrm>
-                <a:prstGeom prst="ellipse">
-                  <a:avLst/>
-                </a:prstGeom>
-                <a:solidFill>
-                  <a:schemeClr val="bg1">
-                    <a:lumMod val="85000"/>
-                  </a:schemeClr>
-                </a:solidFill>
-                <a:ln>
-                  <a:solidFill>
-                    <a:schemeClr val="bg1"/>
-                  </a:solidFill>
-                </a:ln>
-              </p:spPr>
-              <p:style>
-                <a:lnRef idx="2">
-                  <a:schemeClr val="accent1">
-                    <a:shade val="50000"/>
-                  </a:schemeClr>
-                </a:lnRef>
-                <a:fillRef idx="1">
-                  <a:schemeClr val="accent1"/>
-                </a:fillRef>
-                <a:effectRef idx="0">
-                  <a:schemeClr val="accent1"/>
-                </a:effectRef>
-                <a:fontRef idx="minor">
-                  <a:schemeClr val="lt1"/>
-                </a:fontRef>
-              </p:style>
-              <p:txBody>
-                <a:bodyPr rtlCol="0" anchor="ctr"/>
-                <a:lstStyle/>
-                <a:p>
-                  <a:pPr algn="ctr"/>
-                  <a:endParaRPr lang="fr-FR"/>
-                </a:p>
-              </p:txBody>
-            </p:sp>
-            <p:sp>
-              <p:nvSpPr>
-                <p:cNvPr id="54" name="ZoneTexte 53">
-                  <a:extLst>
-                    <a:ext uri="{FF2B5EF4-FFF2-40B4-BE49-F238E27FC236}">
-                      <a16:creationId xmlns:a16="http://schemas.microsoft.com/office/drawing/2014/main" id="{335B2BD0-DD1D-D116-0D2E-ABF16A1ECF6D}"/>
-                    </a:ext>
-                  </a:extLst>
-                </p:cNvPr>
-                <p:cNvSpPr txBox="1"/>
-                <p:nvPr/>
-              </p:nvSpPr>
-              <p:spPr>
-                <a:xfrm>
-                  <a:off x="20260645" y="13538417"/>
-                  <a:ext cx="444448" cy="409988"/>
-                </a:xfrm>
-                <a:prstGeom prst="rect">
-                  <a:avLst/>
-                </a:prstGeom>
-                <a:noFill/>
-              </p:spPr>
-              <p:txBody>
-                <a:bodyPr wrap="square" rtlCol="0">
-                  <a:spAutoFit/>
-                </a:bodyPr>
-                <a:lstStyle/>
-                <a:p>
-                  <a:r>
-                    <a:rPr lang="fr-FR" b="0" i="0" dirty="0">
-                      <a:solidFill>
-                        <a:srgbClr val="202124"/>
-                      </a:solidFill>
-                      <a:effectLst/>
-                    </a:rPr>
-                    <a:t>x</a:t>
-                  </a:r>
-                  <a:r>
-                    <a:rPr lang="fr-FR" b="0" i="0" baseline="-25000" dirty="0">
-                      <a:solidFill>
-                        <a:srgbClr val="202124"/>
-                      </a:solidFill>
-                      <a:effectLst/>
-                    </a:rPr>
-                    <a:t>3</a:t>
-                  </a:r>
-                </a:p>
-              </p:txBody>
-            </p:sp>
-          </p:grpSp>
-          <p:cxnSp>
-            <p:nvCxnSpPr>
-              <p:cNvPr id="55" name="Connecteur droit avec flèche 54">
-                <a:extLst>
-                  <a:ext uri="{FF2B5EF4-FFF2-40B4-BE49-F238E27FC236}">
-                    <a16:creationId xmlns:a16="http://schemas.microsoft.com/office/drawing/2014/main" id="{A446D9B4-137D-2316-F000-E20DC343AF7A}"/>
-                  </a:ext>
-                </a:extLst>
-              </p:cNvPr>
-              <p:cNvCxnSpPr/>
-              <p:nvPr/>
-            </p:nvCxnSpPr>
-            <p:spPr>
-              <a:xfrm flipH="1">
-                <a:off x="24656748" y="14776918"/>
-                <a:ext cx="740323" cy="1046433"/>
-              </a:xfrm>
-              <a:prstGeom prst="straightConnector1">
-                <a:avLst/>
-              </a:prstGeom>
-              <a:ln w="63500">
-                <a:solidFill>
-                  <a:schemeClr val="accent2"/>
-                </a:solidFill>
-                <a:tailEnd type="triangle"/>
-              </a:ln>
-            </p:spPr>
-            <p:style>
-              <a:lnRef idx="1">
-                <a:schemeClr val="accent1"/>
-              </a:lnRef>
-              <a:fillRef idx="0">
-                <a:schemeClr val="accent1"/>
-              </a:fillRef>
-              <a:effectRef idx="0">
-                <a:schemeClr val="accent1"/>
-              </a:effectRef>
-              <a:fontRef idx="minor">
-                <a:schemeClr val="tx1"/>
-              </a:fontRef>
-            </p:style>
-          </p:cxnSp>
-          <p:sp>
-            <p:nvSpPr>
-              <p:cNvPr id="56" name="ZoneTexte 55">
-                <a:extLst>
-                  <a:ext uri="{FF2B5EF4-FFF2-40B4-BE49-F238E27FC236}">
-                    <a16:creationId xmlns:a16="http://schemas.microsoft.com/office/drawing/2014/main" id="{E7B6B5B1-D1FA-5573-5EF8-B3C5344DC1E6}"/>
-                  </a:ext>
-                </a:extLst>
-              </p:cNvPr>
-              <p:cNvSpPr txBox="1"/>
-              <p:nvPr/>
-            </p:nvSpPr>
-            <p:spPr>
-              <a:xfrm>
-                <a:off x="24158793" y="14682224"/>
-                <a:ext cx="927818" cy="369332"/>
-              </a:xfrm>
-              <a:prstGeom prst="rect">
-                <a:avLst/>
-              </a:prstGeom>
-              <a:noFill/>
-            </p:spPr>
-            <p:txBody>
-              <a:bodyPr wrap="none" rtlCol="0">
-                <a:spAutoFit/>
-              </a:bodyPr>
-              <a:lstStyle/>
-              <a:p>
-                <a:r>
-                  <a:rPr lang="fr-FR" b="1" dirty="0"/>
-                  <a:t>X</a:t>
-                </a:r>
-                <a:r>
-                  <a:rPr lang="fr-FR" b="1" baseline="-25000" dirty="0"/>
-                  <a:t>2</a:t>
-                </a:r>
-                <a:r>
-                  <a:rPr lang="fr-FR" b="1" dirty="0"/>
-                  <a:t>=</a:t>
-                </a:r>
-                <a:r>
-                  <a:rPr lang="fr-FR" b="1" dirty="0" err="1"/>
-                  <a:t>True</a:t>
-                </a:r>
-                <a:endParaRPr lang="fr-FR" b="1" dirty="0"/>
-              </a:p>
-            </p:txBody>
-          </p:sp>
-          <p:sp>
-            <p:nvSpPr>
-              <p:cNvPr id="57" name="ZoneTexte 56">
-                <a:extLst>
-                  <a:ext uri="{FF2B5EF4-FFF2-40B4-BE49-F238E27FC236}">
-                    <a16:creationId xmlns:a16="http://schemas.microsoft.com/office/drawing/2014/main" id="{1B31C74E-5BD6-9F2D-6CC1-711D2D2B5A99}"/>
-                  </a:ext>
-                </a:extLst>
-              </p:cNvPr>
-              <p:cNvSpPr txBox="1"/>
-              <p:nvPr/>
-            </p:nvSpPr>
-            <p:spPr>
-              <a:xfrm>
-                <a:off x="24272806" y="15773501"/>
-                <a:ext cx="726547" cy="369332"/>
-              </a:xfrm>
-              <a:prstGeom prst="rect">
-                <a:avLst/>
-              </a:prstGeom>
-              <a:noFill/>
-            </p:spPr>
-            <p:txBody>
-              <a:bodyPr wrap="none" rtlCol="0">
-                <a:spAutoFit/>
-              </a:bodyPr>
-              <a:lstStyle/>
-              <a:p>
-                <a:r>
-                  <a:rPr lang="fr-FR" b="1" dirty="0">
-                    <a:solidFill>
-                      <a:srgbClr val="FF0000"/>
-                    </a:solidFill>
-                  </a:rPr>
-                  <a:t>Echec</a:t>
-                </a:r>
-              </a:p>
-            </p:txBody>
-          </p:sp>
-          <p:cxnSp>
-            <p:nvCxnSpPr>
-              <p:cNvPr id="58" name="Connecteur droit avec flèche 57">
-                <a:extLst>
-                  <a:ext uri="{FF2B5EF4-FFF2-40B4-BE49-F238E27FC236}">
-                    <a16:creationId xmlns:a16="http://schemas.microsoft.com/office/drawing/2014/main" id="{0A43AC20-B12A-3A90-5FAB-64E3AEB53541}"/>
-                  </a:ext>
-                </a:extLst>
-              </p:cNvPr>
-              <p:cNvCxnSpPr>
-                <a:cxnSpLocks/>
-              </p:cNvCxnSpPr>
-              <p:nvPr/>
-            </p:nvCxnSpPr>
-            <p:spPr>
-              <a:xfrm>
-                <a:off x="25919881" y="14796451"/>
-                <a:ext cx="620251" cy="986464"/>
-              </a:xfrm>
-              <a:prstGeom prst="straightConnector1">
-                <a:avLst/>
-              </a:prstGeom>
-              <a:ln w="63500">
-                <a:solidFill>
-                  <a:schemeClr val="accent2"/>
-                </a:solidFill>
-                <a:tailEnd type="triangle"/>
-              </a:ln>
-            </p:spPr>
-            <p:style>
-              <a:lnRef idx="1">
-                <a:schemeClr val="accent1"/>
-              </a:lnRef>
-              <a:fillRef idx="0">
-                <a:schemeClr val="accent1"/>
-              </a:fillRef>
-              <a:effectRef idx="0">
-                <a:schemeClr val="accent1"/>
-              </a:effectRef>
-              <a:fontRef idx="minor">
-                <a:schemeClr val="tx1"/>
-              </a:fontRef>
-            </p:style>
-          </p:cxnSp>
-          <p:sp>
-            <p:nvSpPr>
-              <p:cNvPr id="59" name="ZoneTexte 58">
-                <a:extLst>
-                  <a:ext uri="{FF2B5EF4-FFF2-40B4-BE49-F238E27FC236}">
-                    <a16:creationId xmlns:a16="http://schemas.microsoft.com/office/drawing/2014/main" id="{8EBA1C28-C6AD-7555-2F10-44FF13C71703}"/>
-                  </a:ext>
-                </a:extLst>
-              </p:cNvPr>
-              <p:cNvSpPr txBox="1"/>
-              <p:nvPr/>
-            </p:nvSpPr>
-            <p:spPr>
-              <a:xfrm>
-                <a:off x="26149253" y="14721212"/>
-                <a:ext cx="981487" cy="369332"/>
-              </a:xfrm>
-              <a:prstGeom prst="rect">
-                <a:avLst/>
-              </a:prstGeom>
-              <a:noFill/>
-            </p:spPr>
-            <p:txBody>
-              <a:bodyPr wrap="none" rtlCol="0">
-                <a:spAutoFit/>
-              </a:bodyPr>
-              <a:lstStyle/>
-              <a:p>
-                <a:r>
-                  <a:rPr lang="fr-FR" b="1" dirty="0"/>
-                  <a:t>X</a:t>
-                </a:r>
-                <a:r>
-                  <a:rPr lang="fr-FR" b="1" baseline="-25000" dirty="0"/>
-                  <a:t>2</a:t>
-                </a:r>
-                <a:r>
-                  <a:rPr lang="fr-FR" b="1" dirty="0"/>
-                  <a:t>=False</a:t>
-                </a:r>
-              </a:p>
-            </p:txBody>
-          </p:sp>
-          <p:grpSp>
-            <p:nvGrpSpPr>
-              <p:cNvPr id="60" name="Groupe 59">
-                <a:extLst>
-                  <a:ext uri="{FF2B5EF4-FFF2-40B4-BE49-F238E27FC236}">
-                    <a16:creationId xmlns:a16="http://schemas.microsoft.com/office/drawing/2014/main" id="{0D603E43-355B-4180-AFCF-CA1C781BC8E4}"/>
-                  </a:ext>
-                </a:extLst>
-              </p:cNvPr>
-              <p:cNvGrpSpPr/>
-              <p:nvPr/>
-            </p:nvGrpSpPr>
-            <p:grpSpPr>
-              <a:xfrm>
-                <a:off x="26161616" y="15792306"/>
-                <a:ext cx="1115602" cy="1115602"/>
-                <a:chOff x="25077925" y="13455120"/>
-                <a:chExt cx="1297430" cy="1297430"/>
-              </a:xfrm>
-            </p:grpSpPr>
-            <p:sp>
-              <p:nvSpPr>
-                <p:cNvPr id="61" name="Ellipse 60">
-                  <a:extLst>
-                    <a:ext uri="{FF2B5EF4-FFF2-40B4-BE49-F238E27FC236}">
-                      <a16:creationId xmlns:a16="http://schemas.microsoft.com/office/drawing/2014/main" id="{7DF497B1-B922-FFB0-2EB0-E92BFB89D760}"/>
-                    </a:ext>
-                  </a:extLst>
-                </p:cNvPr>
-                <p:cNvSpPr/>
-                <p:nvPr/>
-              </p:nvSpPr>
-              <p:spPr>
-                <a:xfrm>
-                  <a:off x="25077925" y="13455120"/>
-                  <a:ext cx="1297430" cy="1297430"/>
-                </a:xfrm>
-                <a:prstGeom prst="ellipse">
-                  <a:avLst/>
-                </a:prstGeom>
-                <a:solidFill>
-                  <a:schemeClr val="bg1">
-                    <a:lumMod val="85000"/>
-                  </a:schemeClr>
-                </a:solidFill>
-                <a:ln>
-                  <a:solidFill>
-                    <a:schemeClr val="bg1"/>
-                  </a:solidFill>
-                </a:ln>
-              </p:spPr>
-              <p:style>
-                <a:lnRef idx="2">
-                  <a:schemeClr val="accent1">
-                    <a:shade val="50000"/>
-                  </a:schemeClr>
-                </a:lnRef>
-                <a:fillRef idx="1">
-                  <a:schemeClr val="accent1"/>
-                </a:fillRef>
-                <a:effectRef idx="0">
-                  <a:schemeClr val="accent1"/>
-                </a:effectRef>
-                <a:fontRef idx="minor">
-                  <a:schemeClr val="lt1"/>
-                </a:fontRef>
-              </p:style>
-              <p:txBody>
-                <a:bodyPr rtlCol="0" anchor="ctr"/>
-                <a:lstStyle/>
-                <a:p>
-                  <a:pPr algn="ctr"/>
-                  <a:endParaRPr lang="fr-FR"/>
-                </a:p>
-              </p:txBody>
-            </p:sp>
-            <p:sp>
-              <p:nvSpPr>
-                <p:cNvPr id="62" name="ZoneTexte 61">
-                  <a:extLst>
-                    <a:ext uri="{FF2B5EF4-FFF2-40B4-BE49-F238E27FC236}">
-                      <a16:creationId xmlns:a16="http://schemas.microsoft.com/office/drawing/2014/main" id="{5966BB6E-4FEB-6F78-EAF0-3DAAF24597CC}"/>
-                    </a:ext>
-                  </a:extLst>
-                </p:cNvPr>
-                <p:cNvSpPr txBox="1"/>
-                <p:nvPr/>
-              </p:nvSpPr>
-              <p:spPr>
-                <a:xfrm>
-                  <a:off x="25423539" y="13696707"/>
-                  <a:ext cx="864494" cy="834420"/>
-                </a:xfrm>
-                <a:prstGeom prst="rect">
-                  <a:avLst/>
-                </a:prstGeom>
-                <a:noFill/>
-              </p:spPr>
-              <p:txBody>
-                <a:bodyPr wrap="square" rtlCol="0">
-                  <a:spAutoFit/>
-                </a:bodyPr>
-                <a:lstStyle/>
-                <a:p>
-                  <a:r>
-                    <a:rPr lang="fr-FR" dirty="0"/>
-                    <a:t>¬x</a:t>
-                  </a:r>
-                  <a:r>
-                    <a:rPr lang="fr-FR" baseline="-25000" dirty="0"/>
-                    <a:t>3</a:t>
-                  </a:r>
-                </a:p>
-                <a:p>
-                  <a:r>
-                    <a:rPr lang="fr-FR" b="0" i="0" dirty="0">
-                      <a:solidFill>
-                        <a:srgbClr val="202124"/>
-                      </a:solidFill>
-                      <a:effectLst/>
-                    </a:rPr>
-                    <a:t>x</a:t>
-                  </a:r>
-                  <a:r>
-                    <a:rPr lang="fr-FR" b="0" i="0" baseline="-25000" dirty="0">
-                      <a:solidFill>
-                        <a:srgbClr val="202124"/>
-                      </a:solidFill>
-                      <a:effectLst/>
-                    </a:rPr>
-                    <a:t>3</a:t>
-                  </a:r>
-                </a:p>
-              </p:txBody>
-            </p:sp>
-          </p:grpSp>
-          <p:cxnSp>
-            <p:nvCxnSpPr>
-              <p:cNvPr id="63" name="Connecteur droit avec flèche 62">
-                <a:extLst>
-                  <a:ext uri="{FF2B5EF4-FFF2-40B4-BE49-F238E27FC236}">
-                    <a16:creationId xmlns:a16="http://schemas.microsoft.com/office/drawing/2014/main" id="{800587AF-5012-B7D0-ED73-2DEC8E6245AD}"/>
-                  </a:ext>
-                </a:extLst>
-              </p:cNvPr>
-              <p:cNvCxnSpPr>
-                <a:cxnSpLocks/>
-              </p:cNvCxnSpPr>
-              <p:nvPr/>
-            </p:nvCxnSpPr>
-            <p:spPr>
-              <a:xfrm>
-                <a:off x="26968144" y="16845117"/>
-                <a:ext cx="397719" cy="909511"/>
-              </a:xfrm>
-              <a:prstGeom prst="straightConnector1">
-                <a:avLst/>
-              </a:prstGeom>
-              <a:ln w="63500">
-                <a:solidFill>
-                  <a:schemeClr val="accent2"/>
-                </a:solidFill>
-                <a:tailEnd type="triangle"/>
-              </a:ln>
-            </p:spPr>
-            <p:style>
-              <a:lnRef idx="1">
-                <a:schemeClr val="accent1"/>
-              </a:lnRef>
-              <a:fillRef idx="0">
-                <a:schemeClr val="accent1"/>
-              </a:fillRef>
-              <a:effectRef idx="0">
-                <a:schemeClr val="accent1"/>
-              </a:effectRef>
-              <a:fontRef idx="minor">
-                <a:schemeClr val="tx1"/>
-              </a:fontRef>
-            </p:style>
-          </p:cxnSp>
-          <p:sp>
-            <p:nvSpPr>
-              <p:cNvPr id="64" name="ZoneTexte 63">
-                <a:extLst>
-                  <a:ext uri="{FF2B5EF4-FFF2-40B4-BE49-F238E27FC236}">
-                    <a16:creationId xmlns:a16="http://schemas.microsoft.com/office/drawing/2014/main" id="{0838E856-309F-3C08-E3EC-BF09706EC200}"/>
-                  </a:ext>
-                </a:extLst>
-              </p:cNvPr>
-              <p:cNvSpPr txBox="1"/>
-              <p:nvPr/>
-            </p:nvSpPr>
-            <p:spPr>
-              <a:xfrm>
-                <a:off x="27277219" y="16723242"/>
-                <a:ext cx="981487" cy="369332"/>
-              </a:xfrm>
-              <a:prstGeom prst="rect">
-                <a:avLst/>
-              </a:prstGeom>
-              <a:noFill/>
-            </p:spPr>
-            <p:txBody>
-              <a:bodyPr wrap="none" rtlCol="0">
-                <a:spAutoFit/>
-              </a:bodyPr>
-              <a:lstStyle/>
-              <a:p>
-                <a:r>
-                  <a:rPr lang="fr-FR" b="1" dirty="0"/>
-                  <a:t>X</a:t>
-                </a:r>
-                <a:r>
-                  <a:rPr lang="fr-FR" b="1" baseline="-25000" dirty="0"/>
-                  <a:t>3</a:t>
-                </a:r>
-                <a:r>
-                  <a:rPr lang="fr-FR" b="1" dirty="0"/>
-                  <a:t>=False</a:t>
-                </a:r>
-              </a:p>
-            </p:txBody>
-          </p:sp>
-          <p:sp>
-            <p:nvSpPr>
-              <p:cNvPr id="65" name="ZoneTexte 64">
-                <a:extLst>
-                  <a:ext uri="{FF2B5EF4-FFF2-40B4-BE49-F238E27FC236}">
-                    <a16:creationId xmlns:a16="http://schemas.microsoft.com/office/drawing/2014/main" id="{4A12757E-F8CD-9266-F323-8BF3433861A2}"/>
-                  </a:ext>
-                </a:extLst>
-              </p:cNvPr>
-              <p:cNvSpPr txBox="1"/>
-              <p:nvPr/>
-            </p:nvSpPr>
-            <p:spPr>
-              <a:xfrm>
-                <a:off x="27085739" y="17691837"/>
-                <a:ext cx="726547" cy="369332"/>
-              </a:xfrm>
-              <a:prstGeom prst="rect">
-                <a:avLst/>
-              </a:prstGeom>
-              <a:noFill/>
-            </p:spPr>
-            <p:txBody>
-              <a:bodyPr wrap="none" rtlCol="0">
-                <a:spAutoFit/>
-              </a:bodyPr>
-              <a:lstStyle/>
-              <a:p>
-                <a:r>
-                  <a:rPr lang="fr-FR" b="1" dirty="0">
-                    <a:solidFill>
-                      <a:srgbClr val="FF0000"/>
-                    </a:solidFill>
-                  </a:rPr>
-                  <a:t>Echec</a:t>
-                </a:r>
-              </a:p>
-            </p:txBody>
-          </p:sp>
-          <p:cxnSp>
-            <p:nvCxnSpPr>
-              <p:cNvPr id="66" name="Connecteur droit avec flèche 65">
-                <a:extLst>
-                  <a:ext uri="{FF2B5EF4-FFF2-40B4-BE49-F238E27FC236}">
-                    <a16:creationId xmlns:a16="http://schemas.microsoft.com/office/drawing/2014/main" id="{163F507E-D4A1-54A2-D22C-EAEEB34978BD}"/>
-                  </a:ext>
-                </a:extLst>
-              </p:cNvPr>
-              <p:cNvCxnSpPr>
-                <a:cxnSpLocks/>
-              </p:cNvCxnSpPr>
-              <p:nvPr/>
-            </p:nvCxnSpPr>
-            <p:spPr>
-              <a:xfrm flipH="1">
-                <a:off x="25840323" y="16798480"/>
-                <a:ext cx="572439" cy="956147"/>
-              </a:xfrm>
-              <a:prstGeom prst="straightConnector1">
-                <a:avLst/>
-              </a:prstGeom>
-              <a:ln w="63500">
-                <a:solidFill>
-                  <a:schemeClr val="accent2"/>
-                </a:solidFill>
-                <a:tailEnd type="triangle"/>
-              </a:ln>
-            </p:spPr>
-            <p:style>
-              <a:lnRef idx="1">
-                <a:schemeClr val="accent1"/>
-              </a:lnRef>
-              <a:fillRef idx="0">
-                <a:schemeClr val="accent1"/>
-              </a:fillRef>
-              <a:effectRef idx="0">
-                <a:schemeClr val="accent1"/>
-              </a:effectRef>
-              <a:fontRef idx="minor">
-                <a:schemeClr val="tx1"/>
-              </a:fontRef>
-            </p:style>
-          </p:cxnSp>
-          <p:sp>
-            <p:nvSpPr>
-              <p:cNvPr id="67" name="ZoneTexte 66">
-                <a:extLst>
-                  <a:ext uri="{FF2B5EF4-FFF2-40B4-BE49-F238E27FC236}">
-                    <a16:creationId xmlns:a16="http://schemas.microsoft.com/office/drawing/2014/main" id="{2719CA02-2EC5-FE3C-2977-6ADAFCFC7C00}"/>
-                  </a:ext>
-                </a:extLst>
-              </p:cNvPr>
-              <p:cNvSpPr txBox="1"/>
-              <p:nvPr/>
-            </p:nvSpPr>
-            <p:spPr>
-              <a:xfrm>
-                <a:off x="25314123" y="16693156"/>
-                <a:ext cx="927818" cy="369332"/>
-              </a:xfrm>
-              <a:prstGeom prst="rect">
-                <a:avLst/>
-              </a:prstGeom>
-              <a:noFill/>
-            </p:spPr>
-            <p:txBody>
-              <a:bodyPr wrap="none" rtlCol="0">
-                <a:spAutoFit/>
-              </a:bodyPr>
-              <a:lstStyle/>
-              <a:p>
-                <a:r>
-                  <a:rPr lang="fr-FR" b="1" dirty="0"/>
-                  <a:t>X</a:t>
-                </a:r>
-                <a:r>
-                  <a:rPr lang="fr-FR" b="1" baseline="-25000" dirty="0"/>
-                  <a:t>3</a:t>
-                </a:r>
-                <a:r>
-                  <a:rPr lang="fr-FR" b="1" dirty="0"/>
-                  <a:t>=</a:t>
-                </a:r>
-                <a:r>
-                  <a:rPr lang="fr-FR" b="1" dirty="0" err="1"/>
-                  <a:t>True</a:t>
-                </a:r>
-                <a:endParaRPr lang="fr-FR" b="1" dirty="0"/>
-              </a:p>
-            </p:txBody>
-          </p:sp>
-          <p:sp>
-            <p:nvSpPr>
-              <p:cNvPr id="68" name="ZoneTexte 67">
-                <a:extLst>
-                  <a:ext uri="{FF2B5EF4-FFF2-40B4-BE49-F238E27FC236}">
-                    <a16:creationId xmlns:a16="http://schemas.microsoft.com/office/drawing/2014/main" id="{F1A94765-AA9F-BE49-A8B9-B7C93F38F065}"/>
-                  </a:ext>
-                </a:extLst>
-              </p:cNvPr>
-              <p:cNvSpPr txBox="1"/>
-              <p:nvPr/>
-            </p:nvSpPr>
-            <p:spPr>
-              <a:xfrm>
-                <a:off x="25468551" y="17694457"/>
-                <a:ext cx="726545" cy="369332"/>
-              </a:xfrm>
-              <a:prstGeom prst="rect">
-                <a:avLst/>
-              </a:prstGeom>
-              <a:noFill/>
-            </p:spPr>
-            <p:txBody>
-              <a:bodyPr wrap="none" rtlCol="0">
-                <a:spAutoFit/>
-              </a:bodyPr>
-              <a:lstStyle/>
-              <a:p>
-                <a:r>
-                  <a:rPr lang="fr-FR" b="1" dirty="0">
-                    <a:solidFill>
-                      <a:srgbClr val="FF0000"/>
-                    </a:solidFill>
-                  </a:rPr>
-                  <a:t>Echec</a:t>
-                </a:r>
-              </a:p>
-            </p:txBody>
-          </p:sp>
-          <p:cxnSp>
-            <p:nvCxnSpPr>
-              <p:cNvPr id="72" name="Connecteur droit avec flèche 71">
-                <a:extLst>
-                  <a:ext uri="{FF2B5EF4-FFF2-40B4-BE49-F238E27FC236}">
-                    <a16:creationId xmlns:a16="http://schemas.microsoft.com/office/drawing/2014/main" id="{EB03974F-B2E2-127D-78AD-DD328DA2D0F2}"/>
-                  </a:ext>
-                </a:extLst>
-              </p:cNvPr>
-              <p:cNvCxnSpPr>
-                <a:cxnSpLocks/>
-              </p:cNvCxnSpPr>
-              <p:nvPr/>
-            </p:nvCxnSpPr>
-            <p:spPr>
-              <a:xfrm>
-                <a:off x="23688985" y="16430797"/>
-                <a:ext cx="397718" cy="909511"/>
-              </a:xfrm>
-              <a:prstGeom prst="straightConnector1">
-                <a:avLst/>
-              </a:prstGeom>
-              <a:ln w="63500">
-                <a:solidFill>
-                  <a:schemeClr val="accent2"/>
-                </a:solidFill>
-                <a:tailEnd type="triangle"/>
-              </a:ln>
-            </p:spPr>
-            <p:style>
-              <a:lnRef idx="1">
-                <a:schemeClr val="accent1"/>
-              </a:lnRef>
-              <a:fillRef idx="0">
-                <a:schemeClr val="accent1"/>
-              </a:fillRef>
-              <a:effectRef idx="0">
-                <a:schemeClr val="accent1"/>
-              </a:effectRef>
-              <a:fontRef idx="minor">
-                <a:schemeClr val="tx1"/>
-              </a:fontRef>
-            </p:style>
-          </p:cxnSp>
-          <p:sp>
-            <p:nvSpPr>
-              <p:cNvPr id="73" name="ZoneTexte 72">
-                <a:extLst>
-                  <a:ext uri="{FF2B5EF4-FFF2-40B4-BE49-F238E27FC236}">
-                    <a16:creationId xmlns:a16="http://schemas.microsoft.com/office/drawing/2014/main" id="{21862647-C1D9-8B2A-F9FC-19243FB4EE2A}"/>
-                  </a:ext>
-                </a:extLst>
-              </p:cNvPr>
-              <p:cNvSpPr txBox="1"/>
-              <p:nvPr/>
-            </p:nvSpPr>
-            <p:spPr>
-              <a:xfrm>
-                <a:off x="23832420" y="16299210"/>
-                <a:ext cx="981487" cy="369332"/>
-              </a:xfrm>
-              <a:prstGeom prst="rect">
-                <a:avLst/>
-              </a:prstGeom>
-              <a:noFill/>
-            </p:spPr>
-            <p:txBody>
-              <a:bodyPr wrap="none" rtlCol="0">
-                <a:spAutoFit/>
-              </a:bodyPr>
-              <a:lstStyle/>
-              <a:p>
-                <a:r>
-                  <a:rPr lang="fr-FR" b="1" dirty="0"/>
-                  <a:t>X</a:t>
-                </a:r>
-                <a:r>
-                  <a:rPr lang="fr-FR" b="1" baseline="-25000" dirty="0"/>
-                  <a:t>3</a:t>
-                </a:r>
-                <a:r>
-                  <a:rPr lang="fr-FR" b="1" dirty="0"/>
-                  <a:t>=False</a:t>
-                </a:r>
-              </a:p>
-            </p:txBody>
-          </p:sp>
-          <p:sp>
-            <p:nvSpPr>
-              <p:cNvPr id="74" name="ZoneTexte 73">
-                <a:extLst>
-                  <a:ext uri="{FF2B5EF4-FFF2-40B4-BE49-F238E27FC236}">
-                    <a16:creationId xmlns:a16="http://schemas.microsoft.com/office/drawing/2014/main" id="{96997E9D-B4AA-0141-4AEC-A3E231727E59}"/>
-                  </a:ext>
-                </a:extLst>
-              </p:cNvPr>
-              <p:cNvSpPr txBox="1"/>
-              <p:nvPr/>
-            </p:nvSpPr>
-            <p:spPr>
-              <a:xfrm>
-                <a:off x="23778439" y="17360913"/>
-                <a:ext cx="726545" cy="369332"/>
-              </a:xfrm>
-              <a:prstGeom prst="rect">
-                <a:avLst/>
-              </a:prstGeom>
-              <a:noFill/>
-            </p:spPr>
-            <p:txBody>
-              <a:bodyPr wrap="none" rtlCol="0">
-                <a:spAutoFit/>
-              </a:bodyPr>
-              <a:lstStyle/>
-              <a:p>
-                <a:r>
-                  <a:rPr lang="fr-FR" b="1" dirty="0">
-                    <a:solidFill>
-                      <a:srgbClr val="FF0000"/>
-                    </a:solidFill>
-                  </a:rPr>
-                  <a:t>Echec</a:t>
-                </a:r>
-              </a:p>
-            </p:txBody>
-          </p:sp>
-          <p:cxnSp>
-            <p:nvCxnSpPr>
-              <p:cNvPr id="75" name="Connecteur droit avec flèche 74">
-                <a:extLst>
-                  <a:ext uri="{FF2B5EF4-FFF2-40B4-BE49-F238E27FC236}">
-                    <a16:creationId xmlns:a16="http://schemas.microsoft.com/office/drawing/2014/main" id="{76EAF2C7-DFBE-2399-1817-048C502C4E90}"/>
-                  </a:ext>
-                </a:extLst>
-              </p:cNvPr>
-              <p:cNvCxnSpPr>
-                <a:cxnSpLocks/>
-              </p:cNvCxnSpPr>
-              <p:nvPr/>
-            </p:nvCxnSpPr>
-            <p:spPr>
-              <a:xfrm flipH="1">
-                <a:off x="22627933" y="16404766"/>
-                <a:ext cx="572439" cy="956147"/>
-              </a:xfrm>
-              <a:prstGeom prst="straightConnector1">
-                <a:avLst/>
-              </a:prstGeom>
-              <a:ln w="63500">
-                <a:solidFill>
-                  <a:schemeClr val="accent2"/>
-                </a:solidFill>
-                <a:tailEnd type="triangle"/>
-              </a:ln>
-            </p:spPr>
-            <p:style>
-              <a:lnRef idx="1">
-                <a:schemeClr val="accent1"/>
-              </a:lnRef>
-              <a:fillRef idx="0">
-                <a:schemeClr val="accent1"/>
-              </a:fillRef>
-              <a:effectRef idx="0">
-                <a:schemeClr val="accent1"/>
-              </a:effectRef>
-              <a:fontRef idx="minor">
-                <a:schemeClr val="tx1"/>
-              </a:fontRef>
-            </p:style>
-          </p:cxnSp>
-          <p:sp>
-            <p:nvSpPr>
-              <p:cNvPr id="76" name="ZoneTexte 75">
-                <a:extLst>
-                  <a:ext uri="{FF2B5EF4-FFF2-40B4-BE49-F238E27FC236}">
-                    <a16:creationId xmlns:a16="http://schemas.microsoft.com/office/drawing/2014/main" id="{0901AFF1-BE9D-A1EC-2AB3-B2F9BC803C57}"/>
-                  </a:ext>
-                </a:extLst>
-              </p:cNvPr>
-              <p:cNvSpPr txBox="1"/>
-              <p:nvPr/>
-            </p:nvSpPr>
-            <p:spPr>
-              <a:xfrm>
-                <a:off x="22100764" y="16299210"/>
-                <a:ext cx="927818" cy="369332"/>
-              </a:xfrm>
-              <a:prstGeom prst="rect">
-                <a:avLst/>
-              </a:prstGeom>
-              <a:noFill/>
-            </p:spPr>
-            <p:txBody>
-              <a:bodyPr wrap="none" rtlCol="0">
-                <a:spAutoFit/>
-              </a:bodyPr>
-              <a:lstStyle/>
-              <a:p>
-                <a:r>
-                  <a:rPr lang="fr-FR" b="1" dirty="0"/>
-                  <a:t>X</a:t>
-                </a:r>
-                <a:r>
-                  <a:rPr lang="fr-FR" b="1" baseline="-25000" dirty="0"/>
-                  <a:t>3</a:t>
-                </a:r>
-                <a:r>
-                  <a:rPr lang="fr-FR" b="1" dirty="0"/>
-                  <a:t>=</a:t>
-                </a:r>
-                <a:r>
-                  <a:rPr lang="fr-FR" b="1" dirty="0" err="1"/>
-                  <a:t>True</a:t>
-                </a:r>
-                <a:endParaRPr lang="fr-FR" b="1" dirty="0"/>
-              </a:p>
-            </p:txBody>
-          </p:sp>
-          <p:sp>
-            <p:nvSpPr>
-              <p:cNvPr id="77" name="ZoneTexte 76">
-                <a:extLst>
-                  <a:ext uri="{FF2B5EF4-FFF2-40B4-BE49-F238E27FC236}">
-                    <a16:creationId xmlns:a16="http://schemas.microsoft.com/office/drawing/2014/main" id="{32989F21-A608-E19A-E31B-7CB655FD9F19}"/>
-                  </a:ext>
-                </a:extLst>
-              </p:cNvPr>
-              <p:cNvSpPr txBox="1"/>
-              <p:nvPr/>
-            </p:nvSpPr>
-            <p:spPr>
-              <a:xfrm>
-                <a:off x="22104365" y="17283805"/>
-                <a:ext cx="1170514" cy="461665"/>
-              </a:xfrm>
-              <a:prstGeom prst="rect">
-                <a:avLst/>
-              </a:prstGeom>
-              <a:noFill/>
-            </p:spPr>
-            <p:txBody>
-              <a:bodyPr wrap="none" rtlCol="0">
-                <a:spAutoFit/>
-              </a:bodyPr>
-              <a:lstStyle/>
-              <a:p>
-                <a:r>
-                  <a:rPr lang="fr-FR" sz="2400" b="1" dirty="0">
-                    <a:solidFill>
-                      <a:srgbClr val="92D050"/>
-                    </a:solidFill>
-                  </a:rPr>
-                  <a:t>Modèle</a:t>
-                </a:r>
-              </a:p>
-            </p:txBody>
-          </p:sp>
-        </p:grpSp>
-        <p:sp>
-          <p:nvSpPr>
-            <p:cNvPr id="80" name="Rectangle : coins arrondis 79">
-              <a:extLst>
-                <a:ext uri="{FF2B5EF4-FFF2-40B4-BE49-F238E27FC236}">
-                  <a16:creationId xmlns:a16="http://schemas.microsoft.com/office/drawing/2014/main" id="{28FFD9E2-427E-195D-E63F-80D03EDD67ED}"/>
-                </a:ext>
-              </a:extLst>
-            </p:cNvPr>
-            <p:cNvSpPr/>
-            <p:nvPr/>
-          </p:nvSpPr>
-          <p:spPr>
-            <a:xfrm>
-              <a:off x="16703927" y="9722320"/>
-              <a:ext cx="4899425" cy="1207074"/>
-            </a:xfrm>
-            <a:prstGeom prst="roundRect">
-              <a:avLst/>
-            </a:prstGeom>
-            <a:solidFill>
-              <a:schemeClr val="accent2"/>
-            </a:solidFill>
-            <a:ln>
-              <a:solidFill>
-                <a:schemeClr val="bg1"/>
-              </a:solidFill>
-            </a:ln>
-          </p:spPr>
-          <p:style>
-            <a:lnRef idx="2">
-              <a:schemeClr val="accent1">
-                <a:shade val="50000"/>
-              </a:schemeClr>
-            </a:lnRef>
-            <a:fillRef idx="1">
-              <a:schemeClr val="accent1"/>
-            </a:fillRef>
-            <a:effectRef idx="0">
-              <a:schemeClr val="accent1"/>
-            </a:effectRef>
-            <a:fontRef idx="minor">
-              <a:schemeClr val="lt1"/>
-            </a:fontRef>
-          </p:style>
-          <p:txBody>
-            <a:bodyPr rtlCol="0" anchor="ctr"/>
-            <a:lstStyle/>
-            <a:p>
-              <a:pPr algn="ctr"/>
-              <a:r>
-                <a:rPr lang="fr-FR" sz="5400" b="1" dirty="0"/>
-                <a:t>DPLL</a:t>
-              </a:r>
-            </a:p>
-          </p:txBody>
-        </p:sp>
-      </p:grpSp>
       <p:sp>
         <p:nvSpPr>
           <p:cNvPr id="143" name="Flèche : bas 142">
@@ -5762,8 +5751,8 @@
         </p:nvSpPr>
         <p:spPr>
           <a:xfrm>
-            <a:off x="22666653" y="18957955"/>
-            <a:ext cx="1105916" cy="1782739"/>
+            <a:off x="22746370" y="18066977"/>
+            <a:ext cx="1105916" cy="1292971"/>
           </a:xfrm>
           <a:prstGeom prst="downArrow">
             <a:avLst/>
@@ -5816,8 +5805,8 @@
         </p:nvGrpSpPr>
         <p:grpSpPr>
           <a:xfrm>
-            <a:off x="15829002" y="20963630"/>
-            <a:ext cx="13935116" cy="7395957"/>
+            <a:off x="15580926" y="19111027"/>
+            <a:ext cx="14384295" cy="7395957"/>
             <a:chOff x="15137606" y="20964091"/>
             <a:chExt cx="13935116" cy="7395957"/>
           </a:xfrm>
@@ -5954,10 +5943,10 @@
           </p:nvGrpSpPr>
           <p:grpSpPr>
             <a:xfrm>
-              <a:off x="25136116" y="21600343"/>
-              <a:ext cx="2089586" cy="6614334"/>
-              <a:chOff x="23357982" y="17893193"/>
-              <a:chExt cx="2089586" cy="6614334"/>
+              <a:off x="24936125" y="21581123"/>
+              <a:ext cx="2867254" cy="5795365"/>
+              <a:chOff x="23157991" y="17873973"/>
+              <a:chExt cx="2867254" cy="5795365"/>
             </a:xfrm>
           </p:grpSpPr>
           <p:grpSp>
@@ -5974,10 +5963,10 @@
             </p:nvGrpSpPr>
             <p:grpSpPr>
               <a:xfrm>
-                <a:off x="23357982" y="17893193"/>
-                <a:ext cx="1850636" cy="1880943"/>
-                <a:chOff x="21360592" y="9949129"/>
-                <a:chExt cx="2088000" cy="2088000"/>
+                <a:off x="24174610" y="17873973"/>
+                <a:ext cx="1850635" cy="1880943"/>
+                <a:chOff x="22281963" y="9927793"/>
+                <a:chExt cx="2087999" cy="2088000"/>
               </a:xfrm>
             </p:grpSpPr>
             <p:sp>
@@ -5994,8 +5983,8 @@
               </p:nvSpPr>
               <p:spPr>
                 <a:xfrm>
-                  <a:off x="21360592" y="9949129"/>
-                  <a:ext cx="2088000" cy="2088000"/>
+                  <a:off x="22281963" y="9927793"/>
+                  <a:ext cx="2087999" cy="2088000"/>
                 </a:xfrm>
                 <a:prstGeom prst="ellipse">
                   <a:avLst/>
@@ -6050,7 +6039,7 @@
               </p:nvSpPr>
               <p:spPr>
                 <a:xfrm>
-                  <a:off x="21762902" y="10134278"/>
+                  <a:off x="22684273" y="10112943"/>
                   <a:ext cx="1641862" cy="1631216"/>
                 </a:xfrm>
                 <a:prstGeom prst="rect">
@@ -6258,9 +6247,9 @@
               <p:nvPr/>
             </p:nvCxnSpPr>
             <p:spPr>
-              <a:xfrm>
-                <a:off x="24314159" y="19774136"/>
-                <a:ext cx="0" cy="566924"/>
+              <a:xfrm flipH="1">
+                <a:off x="24197038" y="19510219"/>
+                <a:ext cx="428841" cy="396356"/>
               </a:xfrm>
               <a:prstGeom prst="straightConnector1">
                 <a:avLst/>
@@ -6301,7 +6290,7 @@
             </p:nvSpPr>
             <p:spPr>
               <a:xfrm>
-                <a:off x="24407305" y="19862553"/>
+                <a:off x="23336519" y="19461702"/>
                 <a:ext cx="981487" cy="369332"/>
               </a:xfrm>
               <a:prstGeom prst="rect">
@@ -6344,9 +6333,9 @@
             </p:nvGrpSpPr>
             <p:grpSpPr>
               <a:xfrm>
-                <a:off x="23591509" y="20335749"/>
+                <a:off x="23157991" y="19822472"/>
                 <a:ext cx="1503245" cy="1527863"/>
-                <a:chOff x="23591509" y="20335749"/>
+                <a:chOff x="23157991" y="19822472"/>
                 <a:chExt cx="1503245" cy="1527863"/>
               </a:xfrm>
             </p:grpSpPr>
@@ -6364,7 +6353,7 @@
               </p:nvSpPr>
               <p:spPr>
                 <a:xfrm>
-                  <a:off x="23591509" y="20335749"/>
+                  <a:off x="23157991" y="19822472"/>
                   <a:ext cx="1503245" cy="1527863"/>
                 </a:xfrm>
                 <a:prstGeom prst="ellipse">
@@ -6420,7 +6409,7 @@
               </p:nvSpPr>
               <p:spPr>
                 <a:xfrm>
-                  <a:off x="23914412" y="20658992"/>
+                  <a:off x="23480893" y="20145715"/>
                   <a:ext cx="992623" cy="923330"/>
                 </a:xfrm>
                 <a:prstGeom prst="rect">
@@ -6546,13 +6535,14 @@
               </p:cNvPr>
               <p:cNvCxnSpPr>
                 <a:cxnSpLocks/>
+                <a:stCxn id="125" idx="5"/>
               </p:cNvCxnSpPr>
               <p:nvPr/>
             </p:nvCxnSpPr>
             <p:spPr>
               <a:xfrm>
-                <a:off x="24346938" y="21863612"/>
-                <a:ext cx="7462" cy="646587"/>
+                <a:off x="24441091" y="21126585"/>
+                <a:ext cx="234298" cy="506853"/>
               </a:xfrm>
               <a:prstGeom prst="straightConnector1">
                 <a:avLst/>
@@ -6593,7 +6583,7 @@
             </p:nvSpPr>
             <p:spPr>
               <a:xfrm>
-                <a:off x="24485733" y="21964475"/>
+                <a:off x="24558240" y="21086362"/>
                 <a:ext cx="927818" cy="369332"/>
               </a:xfrm>
               <a:prstGeom prst="rect">
@@ -6641,9 +6631,9 @@
             </p:nvGrpSpPr>
             <p:grpSpPr>
               <a:xfrm>
-                <a:off x="23820913" y="22512526"/>
+                <a:off x="24153473" y="21618326"/>
                 <a:ext cx="1092822" cy="1110719"/>
-                <a:chOff x="23772716" y="19930283"/>
+                <a:chOff x="24105276" y="19036083"/>
                 <a:chExt cx="1092822" cy="1110719"/>
               </a:xfrm>
             </p:grpSpPr>
@@ -6661,7 +6651,7 @@
               </p:nvSpPr>
               <p:spPr>
                 <a:xfrm>
-                  <a:off x="23772716" y="19930283"/>
+                  <a:off x="24105276" y="19036083"/>
                   <a:ext cx="1092822" cy="1110719"/>
                 </a:xfrm>
                 <a:prstGeom prst="ellipse">
@@ -6717,7 +6707,7 @@
               </p:nvSpPr>
               <p:spPr>
                 <a:xfrm>
-                  <a:off x="24126382" y="20275314"/>
+                  <a:off x="24458942" y="19381114"/>
                   <a:ext cx="465451" cy="369332"/>
                 </a:xfrm>
                 <a:prstGeom prst="rect">
@@ -6759,7 +6749,7 @@
             </p:nvCxnSpPr>
             <p:spPr>
               <a:xfrm>
-                <a:off x="24407305" y="23623245"/>
+                <a:off x="24763513" y="22745611"/>
                 <a:ext cx="0" cy="524686"/>
               </a:xfrm>
               <a:prstGeom prst="straightConnector1">
@@ -6801,7 +6791,7 @@
             </p:nvSpPr>
             <p:spPr>
               <a:xfrm>
-                <a:off x="24519750" y="23700922"/>
+                <a:off x="24875958" y="22823288"/>
                 <a:ext cx="927818" cy="369332"/>
               </a:xfrm>
               <a:prstGeom prst="rect">
@@ -6849,7 +6839,7 @@
             </p:nvSpPr>
             <p:spPr>
               <a:xfrm>
-                <a:off x="23891021" y="24091643"/>
+                <a:off x="24242246" y="23253454"/>
                 <a:ext cx="1037450" cy="415884"/>
               </a:xfrm>
               <a:prstGeom prst="rect">
@@ -6889,7 +6879,7 @@
           </p:nvSpPr>
           <p:spPr>
             <a:xfrm>
-              <a:off x="15924731" y="22895793"/>
+              <a:off x="16006931" y="22631453"/>
               <a:ext cx="3396831" cy="646331"/>
             </a:xfrm>
             <a:prstGeom prst="rect">
@@ -6924,7 +6914,7 @@
           </p:nvSpPr>
           <p:spPr>
             <a:xfrm>
-              <a:off x="15950347" y="24837172"/>
+              <a:off x="15983402" y="24984549"/>
               <a:ext cx="3202042" cy="646331"/>
             </a:xfrm>
             <a:prstGeom prst="rect">
@@ -7002,8 +6992,8 @@
           </p:nvSpPr>
           <p:spPr>
             <a:xfrm>
-              <a:off x="16062204" y="23818447"/>
-              <a:ext cx="7016011" cy="646331"/>
+              <a:off x="16028899" y="23495291"/>
+              <a:ext cx="8233385" cy="830997"/>
             </a:xfrm>
             <a:prstGeom prst="rect">
               <a:avLst/>
@@ -7017,13 +7007,13 @@
             <a:lstStyle/>
             <a:p>
               <a:r>
-                <a:rPr lang="fr-FR" dirty="0"/>
+                <a:rPr lang="fr-FR" sz="2400" dirty="0"/>
                 <a:t>C’est une clause réduite à un seul littéral. On a donc un seul choix</a:t>
               </a:r>
             </a:p>
             <a:p>
               <a:r>
-                <a:rPr lang="fr-FR" dirty="0"/>
+                <a:rPr lang="fr-FR" sz="2400" dirty="0"/>
                 <a:t>pour la satisfaire.</a:t>
               </a:r>
             </a:p>
@@ -7043,8 +7033,8 @@
           </p:nvSpPr>
           <p:spPr>
             <a:xfrm>
-              <a:off x="16087820" y="25918498"/>
-              <a:ext cx="6898171" cy="1200329"/>
+              <a:off x="16028900" y="25612056"/>
+              <a:ext cx="7887815" cy="1938992"/>
             </a:xfrm>
             <a:prstGeom prst="rect">
               <a:avLst/>
@@ -7058,7 +7048,7 @@
             <a:lstStyle/>
             <a:p>
               <a:r>
-                <a:rPr lang="fr-FR" dirty="0"/>
+                <a:rPr lang="fr-FR" sz="2400" dirty="0"/>
                 <a:t>C’est un littéral qui n’intervient que sous une seule forme, soit positive soit négative. Il suffit de leur assigner une valeur qui les rends Vrai et toutes les clauses associées à celui-ci se retrouvent satisfaite sans avoir de choix, c’est-à-dire sans créer une nouvelle branche.</a:t>
               </a:r>
             </a:p>
@@ -7081,7 +7071,7 @@
         </p:nvCxnSpPr>
         <p:spPr>
           <a:xfrm>
-            <a:off x="23154513" y="10906804"/>
+            <a:off x="23174192" y="10107876"/>
             <a:ext cx="92224" cy="7167537"/>
           </a:xfrm>
           <a:prstGeom prst="line">
@@ -7122,7 +7112,7 @@
         </p:nvSpPr>
         <p:spPr>
           <a:xfrm>
-            <a:off x="16383851" y="11444901"/>
+            <a:off x="16612770" y="10758082"/>
             <a:ext cx="3396831" cy="646331"/>
           </a:xfrm>
           <a:prstGeom prst="rect">
@@ -7157,7 +7147,7 @@
         </p:nvSpPr>
         <p:spPr>
           <a:xfrm>
-            <a:off x="16408930" y="12243775"/>
+            <a:off x="16637849" y="11556956"/>
             <a:ext cx="6472226" cy="5355312"/>
           </a:xfrm>
           <a:prstGeom prst="rect">
@@ -7315,8 +7305,8 @@
         </p:nvSpPr>
         <p:spPr>
           <a:xfrm>
-            <a:off x="232531" y="32002064"/>
-            <a:ext cx="16471396" cy="10440431"/>
+            <a:off x="192280" y="31355715"/>
+            <a:ext cx="16471396" cy="9001557"/>
           </a:xfrm>
           <a:prstGeom prst="roundRect">
             <a:avLst/>
@@ -7376,7 +7366,7 @@
         </p:nvSpPr>
         <p:spPr>
           <a:xfrm>
-            <a:off x="2302381" y="31470041"/>
+            <a:off x="2262130" y="30823692"/>
             <a:ext cx="9052319" cy="1836028"/>
           </a:xfrm>
           <a:prstGeom prst="roundRect">
@@ -7421,42 +7411,6 @@
       </p:sp>
       <p:pic>
         <p:nvPicPr>
-          <p:cNvPr id="32" name="Image 31" descr="Une image contenant graphique&#10;&#10;Description générée automatiquement">
-            <a:extLst>
-              <a:ext uri="{FF2B5EF4-FFF2-40B4-BE49-F238E27FC236}">
-                <a16:creationId xmlns:a16="http://schemas.microsoft.com/office/drawing/2014/main" id="{9C4C19CC-53DA-BD12-48E2-48A4FAEA1C38}"/>
-              </a:ext>
-            </a:extLst>
-          </p:cNvPr>
-          <p:cNvPicPr>
-            <a:picLocks noChangeAspect="1"/>
-          </p:cNvPicPr>
-          <p:nvPr/>
-        </p:nvPicPr>
-        <p:blipFill>
-          <a:blip r:embed="rId2">
-            <a:extLst>
-              <a:ext uri="{28A0092B-C50C-407E-A947-70E740481C1C}">
-                <a14:useLocalDpi xmlns:a14="http://schemas.microsoft.com/office/drawing/2010/main" val="0"/>
-              </a:ext>
-            </a:extLst>
-          </a:blip>
-          <a:stretch>
-            <a:fillRect/>
-          </a:stretch>
-        </p:blipFill>
-        <p:spPr>
-          <a:xfrm>
-            <a:off x="11117693" y="33692295"/>
-            <a:ext cx="5586234" cy="4189676"/>
-          </a:xfrm>
-          <a:prstGeom prst="rect">
-            <a:avLst/>
-          </a:prstGeom>
-        </p:spPr>
-      </p:pic>
-      <p:pic>
-        <p:nvPicPr>
           <p:cNvPr id="41" name="Image 40" descr="Une image contenant graphique&#10;&#10;Description générée automatiquement">
             <a:extLst>
               <a:ext uri="{FF2B5EF4-FFF2-40B4-BE49-F238E27FC236}">
@@ -7469,22 +7423,21 @@
           </p:cNvPicPr>
           <p:nvPr/>
         </p:nvPicPr>
-        <p:blipFill>
-          <a:blip r:embed="rId3">
+        <p:blipFill rotWithShape="1">
+          <a:blip r:embed="rId2">
             <a:extLst>
               <a:ext uri="{28A0092B-C50C-407E-A947-70E740481C1C}">
                 <a14:useLocalDpi xmlns:a14="http://schemas.microsoft.com/office/drawing/2010/main" val="0"/>
               </a:ext>
             </a:extLst>
           </a:blip>
-          <a:stretch>
-            <a:fillRect/>
-          </a:stretch>
+          <a:srcRect t="10878" r="6476"/>
+          <a:stretch/>
         </p:blipFill>
         <p:spPr>
           <a:xfrm>
-            <a:off x="5645846" y="33672051"/>
-            <a:ext cx="5586235" cy="4189676"/>
+            <a:off x="1092701" y="34564734"/>
+            <a:ext cx="6621632" cy="4732480"/>
           </a:xfrm>
           <a:prstGeom prst="rect">
             <a:avLst/>
@@ -7505,22 +7458,21 @@
           </p:cNvPicPr>
           <p:nvPr/>
         </p:nvPicPr>
-        <p:blipFill>
-          <a:blip r:embed="rId4">
+        <p:blipFill rotWithShape="1">
+          <a:blip r:embed="rId3">
             <a:extLst>
               <a:ext uri="{28A0092B-C50C-407E-A947-70E740481C1C}">
                 <a14:useLocalDpi xmlns:a14="http://schemas.microsoft.com/office/drawing/2010/main" val="0"/>
               </a:ext>
             </a:extLst>
           </a:blip>
-          <a:stretch>
-            <a:fillRect/>
-          </a:stretch>
+          <a:srcRect t="7248" r="5287"/>
+          <a:stretch/>
         </p:blipFill>
         <p:spPr>
           <a:xfrm>
-            <a:off x="232531" y="33736896"/>
-            <a:ext cx="5413315" cy="4059986"/>
+            <a:off x="9141739" y="34485402"/>
+            <a:ext cx="6621632" cy="4685484"/>
           </a:xfrm>
           <a:prstGeom prst="rect">
             <a:avLst/>
@@ -7541,8 +7493,8 @@
         </p:nvSpPr>
         <p:spPr>
           <a:xfrm>
-            <a:off x="18920514" y="32129306"/>
-            <a:ext cx="10979930" cy="10440431"/>
+            <a:off x="19043230" y="33883328"/>
+            <a:ext cx="10979930" cy="5747219"/>
           </a:xfrm>
           <a:prstGeom prst="roundRect">
             <a:avLst/>
@@ -7602,8 +7554,8 @@
         </p:nvSpPr>
         <p:spPr>
           <a:xfrm>
-            <a:off x="20990365" y="31597283"/>
-            <a:ext cx="5615416" cy="1836028"/>
+            <a:off x="20549558" y="33306069"/>
+            <a:ext cx="5615416" cy="1154517"/>
           </a:xfrm>
           <a:prstGeom prst="roundRect">
             <a:avLst/>
@@ -7659,8 +7611,8 @@
         </p:nvSpPr>
         <p:spPr>
           <a:xfrm>
-            <a:off x="22554979" y="28795043"/>
-            <a:ext cx="1329265" cy="2136870"/>
+            <a:off x="24874323" y="26623509"/>
+            <a:ext cx="691758" cy="1091399"/>
           </a:xfrm>
           <a:prstGeom prst="downArrow">
             <a:avLst/>
@@ -7713,7 +7665,7 @@
         </p:nvSpPr>
         <p:spPr>
           <a:xfrm rot="5400000">
-            <a:off x="17147587" y="36300212"/>
+            <a:off x="17205525" y="36198341"/>
             <a:ext cx="1329265" cy="1793768"/>
           </a:xfrm>
           <a:prstGeom prst="downArrow">
@@ -7994,7 +7946,7 @@
           <p:nvPr/>
         </p:nvPicPr>
         <p:blipFill>
-          <a:blip r:embed="rId5">
+          <a:blip r:embed="rId4">
             <a:extLst>
               <a:ext uri="{28A0092B-C50C-407E-A947-70E740481C1C}">
                 <a14:useLocalDpi xmlns:a14="http://schemas.microsoft.com/office/drawing/2010/main" val="0"/>
@@ -8016,6 +7968,569 @@
           <a:noFill/>
         </p:spPr>
       </p:pic>
+      <p:sp>
+        <p:nvSpPr>
+          <p:cNvPr id="24" name="Rectangle : coins arrondis 23">
+            <a:extLst>
+              <a:ext uri="{FF2B5EF4-FFF2-40B4-BE49-F238E27FC236}">
+                <a16:creationId xmlns:a16="http://schemas.microsoft.com/office/drawing/2014/main" id="{3737A6B1-D1D2-55E9-04B4-543B48CBB336}"/>
+              </a:ext>
+            </a:extLst>
+          </p:cNvPr>
+          <p:cNvSpPr/>
+          <p:nvPr/>
+        </p:nvSpPr>
+        <p:spPr>
+          <a:xfrm>
+            <a:off x="16992902" y="27824238"/>
+            <a:ext cx="12972320" cy="5221392"/>
+          </a:xfrm>
+          <a:prstGeom prst="roundRect">
+            <a:avLst/>
+          </a:prstGeom>
+          <a:solidFill>
+            <a:schemeClr val="bg1">
+              <a:lumMod val="95000"/>
+            </a:schemeClr>
+          </a:solidFill>
+          <a:ln w="76200">
+            <a:solidFill>
+              <a:schemeClr val="bg1">
+                <a:lumMod val="85000"/>
+              </a:schemeClr>
+            </a:solidFill>
+          </a:ln>
+        </p:spPr>
+        <p:style>
+          <a:lnRef idx="2">
+            <a:schemeClr val="accent1">
+              <a:shade val="50000"/>
+            </a:schemeClr>
+          </a:lnRef>
+          <a:fillRef idx="1">
+            <a:schemeClr val="accent1"/>
+          </a:fillRef>
+          <a:effectRef idx="0">
+            <a:schemeClr val="accent1"/>
+          </a:effectRef>
+          <a:fontRef idx="minor">
+            <a:schemeClr val="lt1"/>
+          </a:fontRef>
+        </p:style>
+        <p:txBody>
+          <a:bodyPr rtlCol="0" anchor="ctr"/>
+          <a:lstStyle/>
+          <a:p>
+            <a:pPr algn="ctr"/>
+            <a:r>
+              <a:rPr lang="fr-FR" dirty="0"/>
+              <a:t>-</a:t>
+            </a:r>
+          </a:p>
+        </p:txBody>
+      </p:sp>
+      <p:sp>
+        <p:nvSpPr>
+          <p:cNvPr id="27" name="Rectangle : coins arrondis 26">
+            <a:extLst>
+              <a:ext uri="{FF2B5EF4-FFF2-40B4-BE49-F238E27FC236}">
+                <a16:creationId xmlns:a16="http://schemas.microsoft.com/office/drawing/2014/main" id="{6EE69E59-D5D6-DC6E-193E-083D273F9A02}"/>
+              </a:ext>
+            </a:extLst>
+          </p:cNvPr>
+          <p:cNvSpPr/>
+          <p:nvPr/>
+        </p:nvSpPr>
+        <p:spPr>
+          <a:xfrm>
+            <a:off x="17976132" y="27292213"/>
+            <a:ext cx="5615416" cy="1460383"/>
+          </a:xfrm>
+          <a:prstGeom prst="roundRect">
+            <a:avLst/>
+          </a:prstGeom>
+          <a:solidFill>
+            <a:schemeClr val="accent2"/>
+          </a:solidFill>
+          <a:ln>
+            <a:solidFill>
+              <a:schemeClr val="bg1"/>
+            </a:solidFill>
+          </a:ln>
+        </p:spPr>
+        <p:style>
+          <a:lnRef idx="2">
+            <a:schemeClr val="accent1">
+              <a:shade val="50000"/>
+            </a:schemeClr>
+          </a:lnRef>
+          <a:fillRef idx="1">
+            <a:schemeClr val="accent1"/>
+          </a:fillRef>
+          <a:effectRef idx="0">
+            <a:schemeClr val="accent1"/>
+          </a:effectRef>
+          <a:fontRef idx="minor">
+            <a:schemeClr val="lt1"/>
+          </a:fontRef>
+        </p:style>
+        <p:txBody>
+          <a:bodyPr rtlCol="0" anchor="ctr"/>
+          <a:lstStyle/>
+          <a:p>
+            <a:pPr algn="ctr"/>
+            <a:r>
+              <a:rPr lang="fr-FR" sz="5400" b="1" dirty="0"/>
+              <a:t>Implémentation</a:t>
+            </a:r>
+          </a:p>
+        </p:txBody>
+      </p:sp>
+      <p:sp>
+        <p:nvSpPr>
+          <p:cNvPr id="12" name="ZoneTexte 11">
+            <a:extLst>
+              <a:ext uri="{FF2B5EF4-FFF2-40B4-BE49-F238E27FC236}">
+                <a16:creationId xmlns:a16="http://schemas.microsoft.com/office/drawing/2014/main" id="{BBA1D526-3D54-6F79-BEB3-3E72598BCDE7}"/>
+              </a:ext>
+            </a:extLst>
+          </p:cNvPr>
+          <p:cNvSpPr txBox="1"/>
+          <p:nvPr/>
+        </p:nvSpPr>
+        <p:spPr>
+          <a:xfrm>
+            <a:off x="19783058" y="35131751"/>
+            <a:ext cx="9717604" cy="4154984"/>
+          </a:xfrm>
+          <a:prstGeom prst="rect">
+            <a:avLst/>
+          </a:prstGeom>
+          <a:noFill/>
+        </p:spPr>
+        <p:txBody>
+          <a:bodyPr wrap="square" rtlCol="0">
+            <a:spAutoFit/>
+          </a:bodyPr>
+          <a:lstStyle/>
+          <a:p>
+            <a:r>
+              <a:rPr lang="fr-FR" sz="2400" dirty="0"/>
+              <a:t>Pour décider le prochain littéral à qui lui assigner une valeur, nous avons implémenter différentes heuristiques: </a:t>
+            </a:r>
+          </a:p>
+          <a:p>
+            <a:endParaRPr lang="fr-FR" sz="2400" dirty="0"/>
+          </a:p>
+          <a:p>
+            <a:pPr marL="342900" indent="-342900">
+              <a:buFontTx/>
+              <a:buChar char="-"/>
+            </a:pPr>
+            <a:r>
+              <a:rPr lang="fr-FR" sz="2400" dirty="0"/>
+              <a:t>Le 1</a:t>
+            </a:r>
+            <a:r>
+              <a:rPr lang="fr-FR" sz="2400" baseline="30000" dirty="0"/>
+              <a:t>er</a:t>
+            </a:r>
+            <a:r>
+              <a:rPr lang="fr-FR" sz="2400" dirty="0"/>
+              <a:t> littéral sans valeur encore présent dans des clauses</a:t>
+            </a:r>
+          </a:p>
+          <a:p>
+            <a:pPr marL="342900" indent="-342900">
+              <a:buFontTx/>
+              <a:buChar char="-"/>
+            </a:pPr>
+            <a:r>
+              <a:rPr lang="fr-FR" sz="2400" dirty="0"/>
+              <a:t>Choisir de façon aléatoire parmi les littéraux possibles</a:t>
+            </a:r>
+          </a:p>
+          <a:p>
+            <a:pPr marL="342900" indent="-342900">
+              <a:buFontTx/>
+              <a:buChar char="-"/>
+            </a:pPr>
+            <a:r>
+              <a:rPr lang="fr-FR" sz="2400" dirty="0" err="1"/>
+              <a:t>Bohm’s</a:t>
+            </a:r>
+            <a:r>
+              <a:rPr lang="fr-FR" sz="2400" dirty="0"/>
+              <a:t> </a:t>
+            </a:r>
+            <a:r>
+              <a:rPr lang="fr-FR" sz="2400" dirty="0" err="1"/>
+              <a:t>heuristic</a:t>
+            </a:r>
+            <a:r>
+              <a:rPr lang="fr-FR" sz="2400" dirty="0"/>
+              <a:t> </a:t>
+            </a:r>
+          </a:p>
+          <a:p>
+            <a:pPr marL="342900" indent="-342900">
+              <a:buFontTx/>
+              <a:buChar char="-"/>
+            </a:pPr>
+            <a:r>
+              <a:rPr lang="fr-FR" sz="2400" dirty="0" err="1"/>
+              <a:t>Moms</a:t>
+            </a:r>
+            <a:r>
+              <a:rPr lang="fr-FR" sz="2400" dirty="0"/>
+              <a:t> </a:t>
+            </a:r>
+            <a:r>
+              <a:rPr lang="fr-FR" sz="2400" dirty="0" err="1"/>
+              <a:t>heuristic</a:t>
+            </a:r>
+            <a:r>
+              <a:rPr lang="fr-FR" sz="2400" dirty="0"/>
+              <a:t>: le littéral avec la plus grande occurrence dans la plus petite clause non satisfaite</a:t>
+            </a:r>
+          </a:p>
+          <a:p>
+            <a:pPr marL="342900" indent="-342900">
+              <a:buFontTx/>
+              <a:buChar char="-"/>
+            </a:pPr>
+            <a:r>
+              <a:rPr lang="fr-FR" sz="2400" dirty="0"/>
+              <a:t>DLCS: le littéral avec la plus grande somme de ces occurrences positives et négatives</a:t>
+            </a:r>
+          </a:p>
+          <a:p>
+            <a:pPr marL="342900" indent="-342900">
+              <a:buFontTx/>
+              <a:buChar char="-"/>
+            </a:pPr>
+            <a:r>
+              <a:rPr lang="fr-FR" sz="2400" dirty="0"/>
+              <a:t>DLIS: le littéral avec la plus grande occurrence  positive ou négative</a:t>
+            </a:r>
+          </a:p>
+        </p:txBody>
+      </p:sp>
+      <p:sp>
+        <p:nvSpPr>
+          <p:cNvPr id="13" name="Flèche : bas 12">
+            <a:extLst>
+              <a:ext uri="{FF2B5EF4-FFF2-40B4-BE49-F238E27FC236}">
+                <a16:creationId xmlns:a16="http://schemas.microsoft.com/office/drawing/2014/main" id="{E92E1D5F-2061-0C24-3F02-3ECA6AD85D35}"/>
+              </a:ext>
+            </a:extLst>
+          </p:cNvPr>
+          <p:cNvSpPr/>
+          <p:nvPr/>
+        </p:nvSpPr>
+        <p:spPr>
+          <a:xfrm>
+            <a:off x="26823427" y="33122660"/>
+            <a:ext cx="438169" cy="658875"/>
+          </a:xfrm>
+          <a:prstGeom prst="downArrow">
+            <a:avLst/>
+          </a:prstGeom>
+          <a:solidFill>
+            <a:schemeClr val="accent2"/>
+          </a:solidFill>
+          <a:ln>
+            <a:solidFill>
+              <a:schemeClr val="accent2"/>
+            </a:solidFill>
+          </a:ln>
+        </p:spPr>
+        <p:style>
+          <a:lnRef idx="2">
+            <a:schemeClr val="accent1">
+              <a:shade val="50000"/>
+            </a:schemeClr>
+          </a:lnRef>
+          <a:fillRef idx="1">
+            <a:schemeClr val="accent1"/>
+          </a:fillRef>
+          <a:effectRef idx="0">
+            <a:schemeClr val="accent1"/>
+          </a:effectRef>
+          <a:fontRef idx="minor">
+            <a:schemeClr val="lt1"/>
+          </a:fontRef>
+        </p:style>
+        <p:txBody>
+          <a:bodyPr rtlCol="0" anchor="ctr"/>
+          <a:lstStyle/>
+          <a:p>
+            <a:pPr algn="ctr"/>
+            <a:endParaRPr lang="fr-FR"/>
+          </a:p>
+        </p:txBody>
+      </p:sp>
+      <p:sp>
+        <p:nvSpPr>
+          <p:cNvPr id="14" name="ZoneTexte 13">
+            <a:extLst>
+              <a:ext uri="{FF2B5EF4-FFF2-40B4-BE49-F238E27FC236}">
+                <a16:creationId xmlns:a16="http://schemas.microsoft.com/office/drawing/2014/main" id="{60D4A568-ACD0-F914-DFAF-6666634F99D3}"/>
+              </a:ext>
+            </a:extLst>
+          </p:cNvPr>
+          <p:cNvSpPr txBox="1"/>
+          <p:nvPr/>
+        </p:nvSpPr>
+        <p:spPr>
+          <a:xfrm>
+            <a:off x="24179241" y="17045662"/>
+            <a:ext cx="5279622" cy="369332"/>
+          </a:xfrm>
+          <a:prstGeom prst="rect">
+            <a:avLst/>
+          </a:prstGeom>
+          <a:noFill/>
+        </p:spPr>
+        <p:txBody>
+          <a:bodyPr wrap="square" rtlCol="0">
+            <a:spAutoFit/>
+          </a:bodyPr>
+          <a:lstStyle/>
+          <a:p>
+            <a:pPr algn="ctr"/>
+            <a:r>
+              <a:rPr lang="fr-FR" i="1" u="sng" dirty="0"/>
+              <a:t>Arbre de décision du </a:t>
+            </a:r>
+            <a:r>
+              <a:rPr lang="fr-FR" i="1" u="sng" dirty="0" err="1"/>
+              <a:t>dpll</a:t>
+            </a:r>
+            <a:endParaRPr lang="fr-FR" i="1" u="sng" dirty="0"/>
+          </a:p>
+        </p:txBody>
+      </p:sp>
+      <p:sp>
+        <p:nvSpPr>
+          <p:cNvPr id="20" name="ZoneTexte 19">
+            <a:extLst>
+              <a:ext uri="{FF2B5EF4-FFF2-40B4-BE49-F238E27FC236}">
+                <a16:creationId xmlns:a16="http://schemas.microsoft.com/office/drawing/2014/main" id="{D14A5E2A-C15D-39C9-FBE5-77F4DF4CE7A2}"/>
+              </a:ext>
+            </a:extLst>
+          </p:cNvPr>
+          <p:cNvSpPr txBox="1"/>
+          <p:nvPr/>
+        </p:nvSpPr>
+        <p:spPr>
+          <a:xfrm>
+            <a:off x="25299415" y="25639949"/>
+            <a:ext cx="4466099" cy="646331"/>
+          </a:xfrm>
+          <a:prstGeom prst="rect">
+            <a:avLst/>
+          </a:prstGeom>
+          <a:noFill/>
+        </p:spPr>
+        <p:txBody>
+          <a:bodyPr wrap="square" rtlCol="0">
+            <a:spAutoFit/>
+          </a:bodyPr>
+          <a:lstStyle/>
+          <a:p>
+            <a:pPr algn="ctr"/>
+            <a:r>
+              <a:rPr lang="fr-FR" i="1" u="sng" dirty="0"/>
+              <a:t>Arbre de décision du </a:t>
+            </a:r>
+            <a:r>
+              <a:rPr lang="fr-FR" i="1" u="sng" dirty="0" err="1"/>
+              <a:t>dpll</a:t>
+            </a:r>
+            <a:r>
+              <a:rPr lang="fr-FR" i="1" u="sng" dirty="0"/>
+              <a:t> avec la gestion des clauses unitaires</a:t>
+            </a:r>
+          </a:p>
+        </p:txBody>
+      </p:sp>
+      <p:sp>
+        <p:nvSpPr>
+          <p:cNvPr id="89" name="ZoneTexte 88">
+            <a:extLst>
+              <a:ext uri="{FF2B5EF4-FFF2-40B4-BE49-F238E27FC236}">
+                <a16:creationId xmlns:a16="http://schemas.microsoft.com/office/drawing/2014/main" id="{9187CCB9-60AC-4A70-77A3-37EF983A8E4D}"/>
+              </a:ext>
+            </a:extLst>
+          </p:cNvPr>
+          <p:cNvSpPr txBox="1"/>
+          <p:nvPr/>
+        </p:nvSpPr>
+        <p:spPr>
+          <a:xfrm>
+            <a:off x="10129639" y="39443065"/>
+            <a:ext cx="5289100" cy="707886"/>
+          </a:xfrm>
+          <a:prstGeom prst="rect">
+            <a:avLst/>
+          </a:prstGeom>
+          <a:noFill/>
+        </p:spPr>
+        <p:txBody>
+          <a:bodyPr wrap="square" rtlCol="0">
+            <a:spAutoFit/>
+          </a:bodyPr>
+          <a:lstStyle/>
+          <a:p>
+            <a:pPr algn="ctr"/>
+            <a:r>
+              <a:rPr lang="fr-FR" sz="2000" u="sng" dirty="0"/>
+              <a:t>Graphique du nombre de branche créée en fonction de l’heuristique et du niveau du sudoku</a:t>
+            </a:r>
+          </a:p>
+        </p:txBody>
+      </p:sp>
+      <p:sp>
+        <p:nvSpPr>
+          <p:cNvPr id="91" name="ZoneTexte 90">
+            <a:extLst>
+              <a:ext uri="{FF2B5EF4-FFF2-40B4-BE49-F238E27FC236}">
+                <a16:creationId xmlns:a16="http://schemas.microsoft.com/office/drawing/2014/main" id="{C71E2AB3-1AFC-7C8B-C799-9E9DE5D85468}"/>
+              </a:ext>
+            </a:extLst>
+          </p:cNvPr>
+          <p:cNvSpPr txBox="1"/>
+          <p:nvPr/>
+        </p:nvSpPr>
+        <p:spPr>
+          <a:xfrm>
+            <a:off x="2357851" y="39362155"/>
+            <a:ext cx="4827164" cy="707886"/>
+          </a:xfrm>
+          <a:prstGeom prst="rect">
+            <a:avLst/>
+          </a:prstGeom>
+          <a:noFill/>
+        </p:spPr>
+        <p:txBody>
+          <a:bodyPr wrap="square" rtlCol="0">
+            <a:spAutoFit/>
+          </a:bodyPr>
+          <a:lstStyle/>
+          <a:p>
+            <a:pPr algn="ctr"/>
+            <a:r>
+              <a:rPr lang="fr-FR" sz="2000" u="sng" dirty="0"/>
+              <a:t>Graphique du temps d’exécution en fonction de l’heuristique et du niveau du sudoku</a:t>
+            </a:r>
+          </a:p>
+        </p:txBody>
+      </p:sp>
+      <p:sp>
+        <p:nvSpPr>
+          <p:cNvPr id="93" name="ZoneTexte 92">
+            <a:extLst>
+              <a:ext uri="{FF2B5EF4-FFF2-40B4-BE49-F238E27FC236}">
+                <a16:creationId xmlns:a16="http://schemas.microsoft.com/office/drawing/2014/main" id="{8EFA665B-C5E7-B126-BD87-FAE8EC0921C8}"/>
+              </a:ext>
+            </a:extLst>
+          </p:cNvPr>
+          <p:cNvSpPr txBox="1"/>
+          <p:nvPr/>
+        </p:nvSpPr>
+        <p:spPr>
+          <a:xfrm>
+            <a:off x="1528792" y="33191743"/>
+            <a:ext cx="13339353" cy="954107"/>
+          </a:xfrm>
+          <a:prstGeom prst="rect">
+            <a:avLst/>
+          </a:prstGeom>
+          <a:noFill/>
+        </p:spPr>
+        <p:txBody>
+          <a:bodyPr wrap="square" rtlCol="0">
+            <a:spAutoFit/>
+          </a:bodyPr>
+          <a:lstStyle/>
+          <a:p>
+            <a:r>
+              <a:rPr lang="fr-FR" sz="2800" dirty="0"/>
+              <a:t>Etude expérimentale de nos heuristiques mené sur un ensemble de sudoku récupéré sur</a:t>
+            </a:r>
+          </a:p>
+          <a:p>
+            <a:r>
+              <a:rPr lang="fr-FR" sz="2800" dirty="0"/>
+              <a:t> le site « Sudoku.com »</a:t>
+            </a:r>
+          </a:p>
+        </p:txBody>
+      </p:sp>
+      <p:sp>
+        <p:nvSpPr>
+          <p:cNvPr id="94" name="Rectangle 93">
+            <a:extLst>
+              <a:ext uri="{FF2B5EF4-FFF2-40B4-BE49-F238E27FC236}">
+                <a16:creationId xmlns:a16="http://schemas.microsoft.com/office/drawing/2014/main" id="{3CC36757-F063-BB3E-B769-6037E03F24D5}"/>
+              </a:ext>
+            </a:extLst>
+          </p:cNvPr>
+          <p:cNvSpPr/>
+          <p:nvPr/>
+        </p:nvSpPr>
+        <p:spPr>
+          <a:xfrm>
+            <a:off x="0" y="40629451"/>
+            <a:ext cx="30275213" cy="2169428"/>
+          </a:xfrm>
+          <a:prstGeom prst="rect">
+            <a:avLst/>
+          </a:prstGeom>
+          <a:gradFill>
+            <a:gsLst>
+              <a:gs pos="0">
+                <a:schemeClr val="accent2">
+                  <a:lumMod val="74000"/>
+                  <a:lumOff val="26000"/>
+                </a:schemeClr>
+              </a:gs>
+              <a:gs pos="42000">
+                <a:schemeClr val="accent2"/>
+              </a:gs>
+            </a:gsLst>
+            <a:lin ang="5400000" scaled="1"/>
+          </a:gradFill>
+          <a:ln>
+            <a:noFill/>
+          </a:ln>
+        </p:spPr>
+        <p:style>
+          <a:lnRef idx="2">
+            <a:schemeClr val="accent2">
+              <a:shade val="50000"/>
+            </a:schemeClr>
+          </a:lnRef>
+          <a:fillRef idx="1">
+            <a:schemeClr val="accent2"/>
+          </a:fillRef>
+          <a:effectRef idx="0">
+            <a:schemeClr val="accent2"/>
+          </a:effectRef>
+          <a:fontRef idx="minor">
+            <a:schemeClr val="lt1"/>
+          </a:fontRef>
+        </p:style>
+        <p:txBody>
+          <a:bodyPr rtlCol="0" anchor="ctr"/>
+          <a:lstStyle/>
+          <a:p>
+            <a:pPr algn="ctr"/>
+            <a:endParaRPr lang="fr-FR"/>
+          </a:p>
+        </p:txBody>
+      </p:sp>
     </p:spTree>
     <p:extLst>
       <p:ext uri="{BB962C8B-B14F-4D97-AF65-F5344CB8AC3E}">
